--- a/BallroomA_Wednesday_1100_Lichtenberg/BallroomA_Wednesday_1100_Lichtenberg.pptx
+++ b/BallroomA_Wednesday_1100_Lichtenberg/BallroomA_Wednesday_1100_Lichtenberg.pptx
@@ -134,7 +134,7 @@
   </p:defaultTextStyle>
   <p:extLst>
     <p:ext uri="{EFAFB233-063F-42B5-8137-9DF3F51BA10A}">
-      <p15:sldGuideLst xmlns:p15="http://schemas.microsoft.com/office/powerpoint/2012/main" xmlns="">
+      <p15:sldGuideLst xmlns="" xmlns:p15="http://schemas.microsoft.com/office/powerpoint/2012/main">
         <p15:guide id="1" orient="horz" pos="2160">
           <p15:clr>
             <a:srgbClr val="A4A3A4"/>
@@ -234,7 +234,7 @@
             <a:fld id="{A4076B97-77BE-4089-B3C3-FDBC79649A58}" type="datetimeFigureOut">
               <a:rPr lang="en-US" smtClean="0"/>
               <a:pPr/>
-              <a:t>9/29/2017</a:t>
+              <a:t>10/1/2017</a:t>
             </a:fld>
             <a:endParaRPr lang="en-US"/>
           </a:p>
@@ -310,7 +310,7 @@
     </p:spTree>
     <p:extLst>
       <p:ext uri="{BB962C8B-B14F-4D97-AF65-F5344CB8AC3E}">
-        <p14:creationId xmlns:p14="http://schemas.microsoft.com/office/powerpoint/2010/main" val="1542679036"/>
+        <p14:creationId xmlns:p14="http://schemas.microsoft.com/office/powerpoint/2010/main" xmlns="" val="1542679036"/>
       </p:ext>
     </p:extLst>
   </p:cSld>
@@ -401,7 +401,7 @@
             <a:fld id="{0F20EE3F-066A-464D-B097-D1A3B5F04D50}" type="datetimeFigureOut">
               <a:rPr lang="en-US" smtClean="0"/>
               <a:pPr/>
-              <a:t>9/29/2017</a:t>
+              <a:t>10/1/2017</a:t>
             </a:fld>
             <a:endParaRPr lang="en-US"/>
           </a:p>
@@ -570,7 +570,7 @@
     </p:spTree>
     <p:extLst>
       <p:ext uri="{BB962C8B-B14F-4D97-AF65-F5344CB8AC3E}">
-        <p14:creationId xmlns:p14="http://schemas.microsoft.com/office/powerpoint/2010/main" val="1465351002"/>
+        <p14:creationId xmlns:p14="http://schemas.microsoft.com/office/powerpoint/2010/main" xmlns="" val="1465351002"/>
       </p:ext>
     </p:extLst>
   </p:cSld>
@@ -769,7 +769,7 @@
     </p:spTree>
     <p:extLst>
       <p:ext uri="{BB962C8B-B14F-4D97-AF65-F5344CB8AC3E}">
-        <p14:creationId xmlns:p14="http://schemas.microsoft.com/office/powerpoint/2010/main" val="4098884712"/>
+        <p14:creationId xmlns:p14="http://schemas.microsoft.com/office/powerpoint/2010/main" xmlns="" val="4098884712"/>
       </p:ext>
     </p:extLst>
   </p:cSld>
@@ -862,8 +862,42 @@
                 <a:ea typeface="+mn-ea"/>
                 <a:cs typeface="+mn-cs"/>
               </a:rPr>
-              <a:t>metadata from an archive. </a:t>
-            </a:r>
+              <a:t>metadata from an archive. It is supported by </a:t>
+            </a:r>
+            <a:r>
+              <a:rPr lang="en-US" sz="1200" b="0" kern="1200" baseline="0" dirty="0" smtClean="0">
+                <a:solidFill>
+                  <a:schemeClr val="tx1"/>
+                </a:solidFill>
+                <a:effectLst/>
+                <a:latin typeface="+mn-lt"/>
+                <a:ea typeface="+mn-ea"/>
+                <a:cs typeface="+mn-cs"/>
+              </a:rPr>
+              <a:t>many repositories and software systems.</a:t>
+            </a:r>
+            <a:endParaRPr lang="en-US" sz="1200" b="0" kern="1200" dirty="0" smtClean="0">
+              <a:solidFill>
+                <a:schemeClr val="tx1"/>
+              </a:solidFill>
+              <a:effectLst/>
+              <a:latin typeface="+mn-lt"/>
+              <a:ea typeface="+mn-ea"/>
+              <a:cs typeface="+mn-cs"/>
+            </a:endParaRPr>
+          </a:p>
+          <a:p>
+            <a:endParaRPr lang="en-US" sz="1200" b="0" kern="1200" dirty="0" smtClean="0">
+              <a:solidFill>
+                <a:schemeClr val="tx1"/>
+              </a:solidFill>
+              <a:effectLst/>
+              <a:latin typeface="+mn-lt"/>
+              <a:ea typeface="+mn-ea"/>
+              <a:cs typeface="+mn-cs"/>
+            </a:endParaRPr>
+          </a:p>
+          <a:p>
             <a:r>
               <a:rPr lang="en-US" sz="1200" b="0" kern="1200" dirty="0" smtClean="0">
                 <a:solidFill>
@@ -874,44 +908,10 @@
                 <a:ea typeface="+mn-ea"/>
                 <a:cs typeface="+mn-cs"/>
               </a:rPr>
-              <a:t>It is supported by </a:t>
-            </a:r>
-            <a:r>
-              <a:rPr lang="en-US" sz="1200" b="0" kern="1200" baseline="0" dirty="0" smtClean="0">
-                <a:solidFill>
-                  <a:schemeClr val="tx1"/>
-                </a:solidFill>
-                <a:effectLst/>
-                <a:latin typeface="+mn-lt"/>
-                <a:ea typeface="+mn-ea"/>
-                <a:cs typeface="+mn-cs"/>
-              </a:rPr>
-              <a:t>many </a:t>
-            </a:r>
-            <a:r>
-              <a:rPr lang="en-US" sz="1200" b="0" kern="1200" baseline="0" dirty="0" smtClean="0">
-                <a:solidFill>
-                  <a:schemeClr val="tx1"/>
-                </a:solidFill>
-                <a:effectLst/>
-                <a:latin typeface="+mn-lt"/>
-                <a:ea typeface="+mn-ea"/>
-                <a:cs typeface="+mn-cs"/>
-              </a:rPr>
-              <a:t>repositories and software </a:t>
-            </a:r>
-            <a:r>
-              <a:rPr lang="en-US" sz="1200" b="0" kern="1200" baseline="0" dirty="0" smtClean="0">
-                <a:solidFill>
-                  <a:schemeClr val="tx1"/>
-                </a:solidFill>
-                <a:effectLst/>
-                <a:latin typeface="+mn-lt"/>
-                <a:ea typeface="+mn-ea"/>
-                <a:cs typeface="+mn-cs"/>
-              </a:rPr>
-              <a:t>systems.</a:t>
-            </a:r>
+              <a:t>BHL is an OAI publisher.</a:t>
+            </a:r>
+          </a:p>
+          <a:p>
             <a:endParaRPr lang="en-US" sz="1200" b="0" kern="1200" dirty="0" smtClean="0">
               <a:solidFill>
                 <a:schemeClr val="tx1"/>
@@ -923,17 +923,6 @@
             </a:endParaRPr>
           </a:p>
           <a:p>
-            <a:endParaRPr lang="en-US" sz="1200" b="0" kern="1200" dirty="0" smtClean="0">
-              <a:solidFill>
-                <a:schemeClr val="tx1"/>
-              </a:solidFill>
-              <a:effectLst/>
-              <a:latin typeface="+mn-lt"/>
-              <a:ea typeface="+mn-ea"/>
-              <a:cs typeface="+mn-cs"/>
-            </a:endParaRPr>
-          </a:p>
-          <a:p>
             <a:r>
               <a:rPr lang="en-US" sz="1200" b="0" kern="1200" dirty="0" smtClean="0">
                 <a:solidFill>
@@ -944,68 +933,7 @@
                 <a:ea typeface="+mn-ea"/>
                 <a:cs typeface="+mn-cs"/>
               </a:rPr>
-              <a:t>BHL is an </a:t>
-            </a:r>
-            <a:r>
-              <a:rPr lang="en-US" sz="1200" b="0" kern="1200" dirty="0" smtClean="0">
-                <a:solidFill>
-                  <a:schemeClr val="tx1"/>
-                </a:solidFill>
-                <a:effectLst/>
-                <a:latin typeface="+mn-lt"/>
-                <a:ea typeface="+mn-ea"/>
-                <a:cs typeface="+mn-cs"/>
-              </a:rPr>
-              <a:t>OAI </a:t>
-            </a:r>
-            <a:r>
-              <a:rPr lang="en-US" sz="1200" b="0" kern="1200" dirty="0" smtClean="0">
-                <a:solidFill>
-                  <a:schemeClr val="tx1"/>
-                </a:solidFill>
-                <a:effectLst/>
-                <a:latin typeface="+mn-lt"/>
-                <a:ea typeface="+mn-ea"/>
-                <a:cs typeface="+mn-cs"/>
-              </a:rPr>
-              <a:t>publisher.</a:t>
-            </a:r>
-          </a:p>
-          <a:p>
-            <a:endParaRPr lang="en-US" sz="1200" b="0" kern="1200" dirty="0" smtClean="0">
-              <a:solidFill>
-                <a:schemeClr val="tx1"/>
-              </a:solidFill>
-              <a:effectLst/>
-              <a:latin typeface="+mn-lt"/>
-              <a:ea typeface="+mn-ea"/>
-              <a:cs typeface="+mn-cs"/>
-            </a:endParaRPr>
-          </a:p>
-          <a:p>
-            <a:r>
-              <a:rPr lang="en-US" sz="1200" b="0" kern="1200" dirty="0" smtClean="0">
-                <a:solidFill>
-                  <a:schemeClr val="tx1"/>
-                </a:solidFill>
-                <a:effectLst/>
-                <a:latin typeface="+mn-lt"/>
-                <a:ea typeface="+mn-ea"/>
-                <a:cs typeface="+mn-cs"/>
-              </a:rPr>
-              <a:t>OAI </a:t>
-            </a:r>
-            <a:r>
-              <a:rPr lang="en-US" sz="1200" b="0" kern="1200" dirty="0" smtClean="0">
-                <a:solidFill>
-                  <a:schemeClr val="tx1"/>
-                </a:solidFill>
-                <a:effectLst/>
-                <a:latin typeface="+mn-lt"/>
-                <a:ea typeface="+mn-ea"/>
-                <a:cs typeface="+mn-cs"/>
-              </a:rPr>
-              <a:t>requests are</a:t>
+              <a:t>OAI requests are</a:t>
             </a:r>
             <a:r>
               <a:rPr lang="en-US" sz="1200" b="0" kern="1200" baseline="0" dirty="0" smtClean="0">
@@ -1029,31 +957,7 @@
                 <a:ea typeface="+mn-ea"/>
                 <a:cs typeface="+mn-cs"/>
               </a:rPr>
-              <a:t>sent </a:t>
-            </a:r>
-            <a:r>
-              <a:rPr lang="en-US" sz="1200" b="0" kern="1200" dirty="0" smtClean="0">
-                <a:solidFill>
-                  <a:schemeClr val="tx1"/>
-                </a:solidFill>
-                <a:effectLst/>
-                <a:latin typeface="+mn-lt"/>
-                <a:ea typeface="+mn-ea"/>
-                <a:cs typeface="+mn-cs"/>
-              </a:rPr>
-              <a:t>via HTTP GET requests</a:t>
-            </a:r>
-            <a:r>
-              <a:rPr lang="en-US" sz="1200" b="0" kern="1200" dirty="0" smtClean="0">
-                <a:solidFill>
-                  <a:schemeClr val="tx1"/>
-                </a:solidFill>
-                <a:effectLst/>
-                <a:latin typeface="+mn-lt"/>
-                <a:ea typeface="+mn-ea"/>
-                <a:cs typeface="+mn-cs"/>
-              </a:rPr>
-              <a:t>, and responses</a:t>
+              <a:t>sent via HTTP GET requests, and responses</a:t>
             </a:r>
             <a:r>
               <a:rPr lang="en-US" sz="1200" b="0" kern="1200" baseline="0" dirty="0" smtClean="0">
@@ -1065,8 +969,21 @@
                 <a:ea typeface="+mn-ea"/>
                 <a:cs typeface="+mn-cs"/>
               </a:rPr>
-              <a:t> are </a:t>
-            </a:r>
+              <a:t> are returned as XML.</a:t>
+            </a:r>
+          </a:p>
+          <a:p>
+            <a:endParaRPr lang="en-US" sz="1200" b="0" kern="1200" baseline="0" dirty="0" smtClean="0">
+              <a:solidFill>
+                <a:schemeClr val="tx1"/>
+              </a:solidFill>
+              <a:effectLst/>
+              <a:latin typeface="+mn-lt"/>
+              <a:ea typeface="+mn-ea"/>
+              <a:cs typeface="+mn-cs"/>
+            </a:endParaRPr>
+          </a:p>
+          <a:p>
             <a:r>
               <a:rPr lang="en-US" sz="1200" b="0" kern="1200" baseline="0" dirty="0" smtClean="0">
                 <a:solidFill>
@@ -1077,8 +994,21 @@
                 <a:ea typeface="+mn-ea"/>
                 <a:cs typeface="+mn-cs"/>
               </a:rPr>
-              <a:t>returned as XML</a:t>
-            </a:r>
+              <a:t>There are six verbs (or commands) recognized by an OAI publishing server.  Three return information about the publisher and data available, and three return the published data.  </a:t>
+            </a:r>
+          </a:p>
+          <a:p>
+            <a:endParaRPr lang="en-US" sz="1200" b="0" kern="1200" baseline="0" dirty="0" smtClean="0">
+              <a:solidFill>
+                <a:schemeClr val="tx1"/>
+              </a:solidFill>
+              <a:effectLst/>
+              <a:latin typeface="+mn-lt"/>
+              <a:ea typeface="+mn-ea"/>
+              <a:cs typeface="+mn-cs"/>
+            </a:endParaRPr>
+          </a:p>
+          <a:p>
             <a:r>
               <a:rPr lang="en-US" sz="1200" b="0" kern="1200" baseline="0" dirty="0" smtClean="0">
                 <a:solidFill>
@@ -1089,151 +1019,8 @@
                 <a:ea typeface="+mn-ea"/>
                 <a:cs typeface="+mn-cs"/>
               </a:rPr>
-              <a:t>.</a:t>
-            </a:r>
-          </a:p>
-          <a:p>
-            <a:endParaRPr lang="en-US" sz="1200" b="0" kern="1200" baseline="0" dirty="0" smtClean="0">
-              <a:solidFill>
-                <a:schemeClr val="tx1"/>
-              </a:solidFill>
-              <a:effectLst/>
-              <a:latin typeface="+mn-lt"/>
-              <a:ea typeface="+mn-ea"/>
-              <a:cs typeface="+mn-cs"/>
-            </a:endParaRPr>
-          </a:p>
-          <a:p>
-            <a:r>
-              <a:rPr lang="en-US" sz="1200" b="0" kern="1200" baseline="0" dirty="0" smtClean="0">
-                <a:solidFill>
-                  <a:schemeClr val="tx1"/>
-                </a:solidFill>
-                <a:effectLst/>
-                <a:latin typeface="+mn-lt"/>
-                <a:ea typeface="+mn-ea"/>
-                <a:cs typeface="+mn-cs"/>
-              </a:rPr>
-              <a:t>There are six verbs (or commands) recognized by an </a:t>
-            </a:r>
-            <a:r>
-              <a:rPr lang="en-US" sz="1200" b="0" kern="1200" baseline="0" dirty="0" smtClean="0">
-                <a:solidFill>
-                  <a:schemeClr val="tx1"/>
-                </a:solidFill>
-                <a:effectLst/>
-                <a:latin typeface="+mn-lt"/>
-                <a:ea typeface="+mn-ea"/>
-                <a:cs typeface="+mn-cs"/>
-              </a:rPr>
-              <a:t>OAI publishing </a:t>
-            </a:r>
-            <a:r>
-              <a:rPr lang="en-US" sz="1200" b="0" kern="1200" baseline="0" dirty="0" smtClean="0">
-                <a:solidFill>
-                  <a:schemeClr val="tx1"/>
-                </a:solidFill>
-                <a:effectLst/>
-                <a:latin typeface="+mn-lt"/>
-                <a:ea typeface="+mn-ea"/>
-                <a:cs typeface="+mn-cs"/>
-              </a:rPr>
-              <a:t>server</a:t>
-            </a:r>
-            <a:r>
-              <a:rPr lang="en-US" sz="1200" b="0" kern="1200" baseline="0" dirty="0" smtClean="0">
-                <a:solidFill>
-                  <a:schemeClr val="tx1"/>
-                </a:solidFill>
-                <a:effectLst/>
-                <a:latin typeface="+mn-lt"/>
-                <a:ea typeface="+mn-ea"/>
-                <a:cs typeface="+mn-cs"/>
-              </a:rPr>
-              <a:t>.  Three return information about the publisher and data available, and three return the published data.  </a:t>
-            </a:r>
-          </a:p>
-          <a:p>
-            <a:endParaRPr lang="en-US" sz="1200" b="0" kern="1200" baseline="0" dirty="0" smtClean="0">
-              <a:solidFill>
-                <a:schemeClr val="tx1"/>
-              </a:solidFill>
-              <a:effectLst/>
-              <a:latin typeface="+mn-lt"/>
-              <a:ea typeface="+mn-ea"/>
-              <a:cs typeface="+mn-cs"/>
-            </a:endParaRPr>
-          </a:p>
-          <a:p>
-            <a:r>
-              <a:rPr lang="en-US" sz="1200" b="0" kern="1200" baseline="0" dirty="0" smtClean="0">
-                <a:solidFill>
-                  <a:schemeClr val="tx1"/>
-                </a:solidFill>
-                <a:effectLst/>
-                <a:latin typeface="+mn-lt"/>
-                <a:ea typeface="+mn-ea"/>
-                <a:cs typeface="+mn-cs"/>
-              </a:rPr>
-              <a:t>The </a:t>
-            </a:r>
-            <a:r>
-              <a:rPr lang="en-US" sz="1200" b="0" kern="1200" baseline="0" dirty="0" smtClean="0">
-                <a:solidFill>
-                  <a:schemeClr val="tx1"/>
-                </a:solidFill>
-                <a:effectLst/>
-                <a:latin typeface="+mn-lt"/>
-                <a:ea typeface="+mn-ea"/>
-                <a:cs typeface="+mn-cs"/>
-              </a:rPr>
-              <a:t>OAI protocol supports requests for individual records or for only data that is new or has </a:t>
-            </a:r>
-            <a:r>
-              <a:rPr lang="en-US" sz="1200" b="0" kern="1200" baseline="0" dirty="0" smtClean="0">
-                <a:solidFill>
-                  <a:schemeClr val="tx1"/>
-                </a:solidFill>
-                <a:effectLst/>
-                <a:latin typeface="+mn-lt"/>
-                <a:ea typeface="+mn-ea"/>
-                <a:cs typeface="+mn-cs"/>
-              </a:rPr>
-              <a:t>changed, </a:t>
-            </a:r>
-            <a:r>
-              <a:rPr lang="en-US" sz="1200" b="0" kern="1200" baseline="0" dirty="0" smtClean="0">
-                <a:solidFill>
-                  <a:schemeClr val="tx1"/>
-                </a:solidFill>
-                <a:effectLst/>
-                <a:latin typeface="+mn-lt"/>
-                <a:ea typeface="+mn-ea"/>
-                <a:cs typeface="+mn-cs"/>
-              </a:rPr>
-              <a:t>so data can be harvested incrementally</a:t>
-            </a:r>
-            <a:r>
-              <a:rPr lang="en-US" sz="1200" b="0" kern="1200" baseline="0" dirty="0" smtClean="0">
-                <a:solidFill>
-                  <a:schemeClr val="tx1"/>
-                </a:solidFill>
-                <a:effectLst/>
-                <a:latin typeface="+mn-lt"/>
-                <a:ea typeface="+mn-ea"/>
-                <a:cs typeface="+mn-cs"/>
-              </a:rPr>
-              <a:t>.  Other BHL data access methods do not allow for incremental harvesting.</a:t>
-            </a:r>
-            <a:endParaRPr lang="en-US" sz="1200" b="0" kern="1200" baseline="0" dirty="0" smtClean="0">
-              <a:solidFill>
-                <a:schemeClr val="tx1"/>
-              </a:solidFill>
-              <a:effectLst/>
-              <a:latin typeface="+mn-lt"/>
-              <a:ea typeface="+mn-ea"/>
-              <a:cs typeface="+mn-cs"/>
-            </a:endParaRPr>
+              <a:t>The OAI protocol supports requests for individual records or for only data that is new or has changed, so data can be harvested incrementally.  Other BHL data access methods do not allow for incremental harvesting.</a:t>
+            </a:r>
           </a:p>
           <a:p>
             <a:endParaRPr lang="en-US" sz="1200" b="0" kern="1200" baseline="0" dirty="0" smtClean="0">
@@ -1300,7 +1087,7 @@
     </p:spTree>
     <p:extLst>
       <p:ext uri="{BB962C8B-B14F-4D97-AF65-F5344CB8AC3E}">
-        <p14:creationId xmlns:p14="http://schemas.microsoft.com/office/powerpoint/2010/main" val="1056626509"/>
+        <p14:creationId xmlns:p14="http://schemas.microsoft.com/office/powerpoint/2010/main" xmlns="" val="1056626509"/>
       </p:ext>
     </p:extLst>
   </p:cSld>
@@ -1365,19 +1152,7 @@
             </a:r>
             <a:r>
               <a:rPr lang="en-US" baseline="0" dirty="0" smtClean="0"/>
-              <a:t> by BHL’s </a:t>
-            </a:r>
-            <a:r>
-              <a:rPr lang="en-US" baseline="0" dirty="0" smtClean="0"/>
-              <a:t>OAI </a:t>
-            </a:r>
-            <a:r>
-              <a:rPr lang="en-US" baseline="0" dirty="0" smtClean="0"/>
-              <a:t>publishing service are Dublin Core, MODS, and OLEF</a:t>
-            </a:r>
-            <a:r>
-              <a:rPr lang="en-US" baseline="0" dirty="0" smtClean="0"/>
-              <a:t>.</a:t>
+              <a:t> by BHL’s OAI publishing service are Dublin Core, MODS, and OLEF.</a:t>
             </a:r>
             <a:endParaRPr lang="en-US" dirty="0" smtClean="0"/>
           </a:p>
@@ -1395,11 +1170,7 @@
             </a:r>
             <a:r>
               <a:rPr lang="en-US" dirty="0" smtClean="0"/>
-              <a:t>o support for page-level </a:t>
-            </a:r>
-            <a:r>
-              <a:rPr lang="en-US" dirty="0" smtClean="0"/>
-              <a:t>information</a:t>
+              <a:t>o support for page-level information</a:t>
             </a:r>
             <a:r>
               <a:rPr lang="en-US" baseline="0" dirty="0" smtClean="0"/>
@@ -1409,7 +1180,6 @@
               <a:rPr lang="en-US" dirty="0" smtClean="0"/>
               <a:t>names and text).  </a:t>
             </a:r>
-            <a:endParaRPr lang="en-US" dirty="0" smtClean="0"/>
           </a:p>
           <a:p>
             <a:r>
@@ -1418,25 +1188,12 @@
             </a:r>
             <a:r>
               <a:rPr lang="en-US" baseline="0" dirty="0" smtClean="0"/>
-              <a:t> </a:t>
-            </a:r>
-            <a:r>
-              <a:rPr lang="en-US" baseline="0" dirty="0" smtClean="0"/>
-              <a:t>and again has </a:t>
-            </a:r>
-            <a:r>
-              <a:rPr lang="en-US" baseline="0" dirty="0" smtClean="0"/>
-              <a:t>n</a:t>
+              <a:t> and again has n</a:t>
             </a:r>
             <a:r>
               <a:rPr lang="en-US" dirty="0" smtClean="0"/>
-              <a:t>o support for page-level </a:t>
-            </a:r>
-            <a:r>
-              <a:rPr lang="en-US" dirty="0" smtClean="0"/>
-              <a:t>information.</a:t>
-            </a:r>
-            <a:endParaRPr lang="en-US" dirty="0" smtClean="0"/>
+              <a:t>o support for page-level information.</a:t>
+            </a:r>
           </a:p>
           <a:p>
             <a:endParaRPr lang="en-US" dirty="0" smtClean="0"/>
@@ -1452,23 +1209,11 @@
             </a:r>
             <a:r>
               <a:rPr lang="en-US" dirty="0" smtClean="0"/>
-              <a:t>it </a:t>
-            </a:r>
-            <a:r>
-              <a:rPr lang="en-US" dirty="0" smtClean="0"/>
-              <a:t>does support </a:t>
-            </a:r>
-            <a:r>
-              <a:rPr lang="en-US" dirty="0" smtClean="0"/>
-              <a:t>page-level metadata, including names</a:t>
+              <a:t>it does support page-level metadata, including names</a:t>
             </a:r>
             <a:r>
               <a:rPr lang="en-US" baseline="0" dirty="0" smtClean="0"/>
-              <a:t> and links to page </a:t>
-            </a:r>
-            <a:r>
-              <a:rPr lang="en-US" baseline="0" dirty="0" smtClean="0"/>
-              <a:t>scans.  Still no text, though.</a:t>
+              <a:t> and links to page scans.  Still no text, though.</a:t>
             </a:r>
             <a:endParaRPr lang="en-US" dirty="0" smtClean="0"/>
           </a:p>
@@ -1538,7 +1283,7 @@
     </p:spTree>
     <p:extLst>
       <p:ext uri="{BB962C8B-B14F-4D97-AF65-F5344CB8AC3E}">
-        <p14:creationId xmlns:p14="http://schemas.microsoft.com/office/powerpoint/2010/main" val="186999312"/>
+        <p14:creationId xmlns:p14="http://schemas.microsoft.com/office/powerpoint/2010/main" xmlns="" val="186999312"/>
       </p:ext>
     </p:extLst>
   </p:cSld>
@@ -1620,15 +1365,7 @@
           <a:p>
             <a:r>
               <a:rPr lang="en-US" baseline="0" dirty="0" smtClean="0"/>
-              <a:t>Within OLEF, show page-level metadata, including page types, </a:t>
-            </a:r>
-            <a:r>
-              <a:rPr lang="en-US" baseline="0" dirty="0" smtClean="0"/>
-              <a:t>pagination data, </a:t>
-            </a:r>
-            <a:r>
-              <a:rPr lang="en-US" baseline="0" dirty="0" smtClean="0"/>
-              <a:t>names, and image links.</a:t>
+              <a:t>Within OLEF, show page-level metadata, including page types, pagination data, names, and image links.</a:t>
             </a:r>
             <a:endParaRPr lang="en-US" dirty="0"/>
           </a:p>
@@ -1661,7 +1398,7 @@
     </p:spTree>
     <p:extLst>
       <p:ext uri="{BB962C8B-B14F-4D97-AF65-F5344CB8AC3E}">
-        <p14:creationId xmlns:p14="http://schemas.microsoft.com/office/powerpoint/2010/main" val="1984052621"/>
+        <p14:creationId xmlns:p14="http://schemas.microsoft.com/office/powerpoint/2010/main" xmlns="" val="1984052621"/>
       </p:ext>
     </p:extLst>
   </p:cSld>
@@ -1829,31 +1566,7 @@
                 <a:ea typeface="+mn-ea"/>
                 <a:cs typeface="+mn-cs"/>
               </a:rPr>
-              <a:t> </a:t>
-            </a:r>
-            <a:r>
-              <a:rPr lang="en-US" sz="1200" b="0" kern="1200" baseline="0" dirty="0" smtClean="0">
-                <a:solidFill>
-                  <a:schemeClr val="tx1"/>
-                </a:solidFill>
-                <a:effectLst/>
-                <a:latin typeface="+mn-lt"/>
-                <a:ea typeface="+mn-ea"/>
-                <a:cs typeface="+mn-cs"/>
-              </a:rPr>
-              <a:t>APIs available </a:t>
-            </a:r>
-            <a:r>
-              <a:rPr lang="en-US" sz="1200" b="0" kern="1200" baseline="0" dirty="0" smtClean="0">
-                <a:solidFill>
-                  <a:schemeClr val="tx1"/>
-                </a:solidFill>
-                <a:effectLst/>
-                <a:latin typeface="+mn-lt"/>
-                <a:ea typeface="+mn-ea"/>
-                <a:cs typeface="+mn-cs"/>
-              </a:rPr>
-              <a:t>that allow many different types of requests for BHL data.  Searches can be performed, metadata can be retrieved, and page text is available.</a:t>
+              <a:t> APIs available that allow many different types of requests for BHL data.  Searches can be performed, metadata can be retrieved, and page text is available.</a:t>
             </a:r>
           </a:p>
           <a:p>
@@ -1979,7 +1692,7 @@
     </p:spTree>
     <p:extLst>
       <p:ext uri="{BB962C8B-B14F-4D97-AF65-F5344CB8AC3E}">
-        <p14:creationId xmlns:p14="http://schemas.microsoft.com/office/powerpoint/2010/main" val="2255951382"/>
+        <p14:creationId xmlns:p14="http://schemas.microsoft.com/office/powerpoint/2010/main" xmlns="" val="2255951382"/>
       </p:ext>
     </p:extLst>
   </p:cSld>
@@ -2087,7 +1800,7 @@
     </p:spTree>
     <p:extLst>
       <p:ext uri="{BB962C8B-B14F-4D97-AF65-F5344CB8AC3E}">
-        <p14:creationId xmlns:p14="http://schemas.microsoft.com/office/powerpoint/2010/main" val="1368255976"/>
+        <p14:creationId xmlns:p14="http://schemas.microsoft.com/office/powerpoint/2010/main" xmlns="" val="1368255976"/>
       </p:ext>
     </p:extLst>
   </p:cSld>
@@ -2200,7 +1913,7 @@
     </p:spTree>
     <p:extLst>
       <p:ext uri="{BB962C8B-B14F-4D97-AF65-F5344CB8AC3E}">
-        <p14:creationId xmlns:p14="http://schemas.microsoft.com/office/powerpoint/2010/main" val="3091952112"/>
+        <p14:creationId xmlns:p14="http://schemas.microsoft.com/office/powerpoint/2010/main" xmlns="" val="3091952112"/>
       </p:ext>
     </p:extLst>
   </p:cSld>
@@ -2343,7 +2056,7 @@
     </p:spTree>
     <p:extLst>
       <p:ext uri="{BB962C8B-B14F-4D97-AF65-F5344CB8AC3E}">
-        <p14:creationId xmlns:p14="http://schemas.microsoft.com/office/powerpoint/2010/main" val="1420271675"/>
+        <p14:creationId xmlns:p14="http://schemas.microsoft.com/office/powerpoint/2010/main" xmlns="" val="1420271675"/>
       </p:ext>
     </p:extLst>
   </p:cSld>
@@ -2635,7 +2348,7 @@
     </p:spTree>
     <p:extLst>
       <p:ext uri="{BB962C8B-B14F-4D97-AF65-F5344CB8AC3E}">
-        <p14:creationId xmlns:p14="http://schemas.microsoft.com/office/powerpoint/2010/main" val="519396750"/>
+        <p14:creationId xmlns:p14="http://schemas.microsoft.com/office/powerpoint/2010/main" xmlns="" val="519396750"/>
       </p:ext>
     </p:extLst>
   </p:cSld>
@@ -2748,7 +2461,7 @@
     </p:spTree>
     <p:extLst>
       <p:ext uri="{BB962C8B-B14F-4D97-AF65-F5344CB8AC3E}">
-        <p14:creationId xmlns:p14="http://schemas.microsoft.com/office/powerpoint/2010/main" val="2492857078"/>
+        <p14:creationId xmlns:p14="http://schemas.microsoft.com/office/powerpoint/2010/main" xmlns="" val="2492857078"/>
       </p:ext>
     </p:extLst>
   </p:cSld>
@@ -2868,7 +2581,7 @@
     </p:spTree>
     <p:extLst>
       <p:ext uri="{BB962C8B-B14F-4D97-AF65-F5344CB8AC3E}">
-        <p14:creationId xmlns:p14="http://schemas.microsoft.com/office/powerpoint/2010/main" val="3161249615"/>
+        <p14:creationId xmlns:p14="http://schemas.microsoft.com/office/powerpoint/2010/main" xmlns="" val="3161249615"/>
       </p:ext>
     </p:extLst>
   </p:cSld>
@@ -2946,15 +2659,7 @@
             </a:pPr>
             <a:r>
               <a:rPr lang="en-US" dirty="0" smtClean="0"/>
-              <a:t>The Biodiversity Heritage Library (BHL) is a consortium of </a:t>
-            </a:r>
-            <a:r>
-              <a:rPr lang="en-US" dirty="0" smtClean="0"/>
-              <a:t>libraries </a:t>
-            </a:r>
-            <a:r>
-              <a:rPr lang="en-US" dirty="0" smtClean="0"/>
-              <a:t>that cooperate to do two things:</a:t>
+              <a:t>The Biodiversity Heritage Library (BHL) is a consortium of libraries that cooperate to do two things:</a:t>
             </a:r>
             <a:r>
               <a:rPr lang="en-US" baseline="0" dirty="0" smtClean="0"/>
@@ -2962,11 +2667,7 @@
             </a:r>
             <a:r>
               <a:rPr lang="en-US" dirty="0" smtClean="0"/>
-              <a:t>digitize </a:t>
-            </a:r>
-            <a:r>
-              <a:rPr lang="en-US" dirty="0" smtClean="0"/>
-              <a:t>the</a:t>
+              <a:t>digitize the</a:t>
             </a:r>
             <a:r>
               <a:rPr lang="en-US" baseline="0" dirty="0" smtClean="0"/>
@@ -2974,17 +2675,8 @@
             </a:r>
             <a:r>
               <a:rPr lang="en-US" dirty="0" smtClean="0"/>
-              <a:t>biodiversity </a:t>
-            </a:r>
-            <a:r>
-              <a:rPr lang="en-US" dirty="0" smtClean="0"/>
-              <a:t>literature held in their collections and 2) make that literature available for open access and </a:t>
-            </a:r>
-            <a:r>
-              <a:rPr lang="en-US" dirty="0" smtClean="0"/>
-              <a:t>reuse.</a:t>
-            </a:r>
-            <a:endParaRPr lang="en-US" dirty="0" smtClean="0"/>
+              <a:t>biodiversity literature held in their collections and 2) make that literature available for open access and reuse.</a:t>
+            </a:r>
           </a:p>
           <a:p>
             <a:pPr marL="0" marR="0" indent="0" algn="l" defTabSz="457200" rtl="0" eaLnBrk="1" fontAlgn="auto" latinLnBrk="0" hangingPunct="1">
@@ -3074,11 +2766,7 @@
             </a:r>
             <a:r>
               <a:rPr lang="en-US" baseline="0" dirty="0" smtClean="0"/>
-              <a:t> content to a wide variety of partners, including</a:t>
-            </a:r>
-            <a:r>
-              <a:rPr lang="en-US" baseline="0" dirty="0" smtClean="0"/>
-              <a:t>:</a:t>
+              <a:t> content to a wide variety of partners, including:</a:t>
             </a:r>
           </a:p>
           <a:p>
@@ -3195,11 +2883,7 @@
             </a:pPr>
             <a:r>
               <a:rPr lang="en-US" baseline="0" dirty="0" smtClean="0"/>
-              <a:t> Digital Public Library of America (DPLA</a:t>
-            </a:r>
-            <a:r>
-              <a:rPr lang="en-US" baseline="0" dirty="0" smtClean="0"/>
-              <a:t>)</a:t>
+              <a:t> Digital Public Library of America (DPLA)</a:t>
             </a:r>
           </a:p>
           <a:p>
@@ -3224,7 +2908,6 @@
               <a:rPr lang="en-US" baseline="0" dirty="0" smtClean="0"/>
               <a:t> Internet Archive</a:t>
             </a:r>
-            <a:endParaRPr lang="en-US" baseline="0" dirty="0" smtClean="0"/>
           </a:p>
         </p:txBody>
       </p:sp>
@@ -3255,7 +2938,7 @@
     </p:spTree>
     <p:extLst>
       <p:ext uri="{BB962C8B-B14F-4D97-AF65-F5344CB8AC3E}">
-        <p14:creationId xmlns:p14="http://schemas.microsoft.com/office/powerpoint/2010/main" val="2163336662"/>
+        <p14:creationId xmlns:p14="http://schemas.microsoft.com/office/powerpoint/2010/main" xmlns="" val="2163336662"/>
       </p:ext>
     </p:extLst>
   </p:cSld>
@@ -3428,7 +3111,7 @@
     </p:spTree>
     <p:extLst>
       <p:ext uri="{BB962C8B-B14F-4D97-AF65-F5344CB8AC3E}">
-        <p14:creationId xmlns:p14="http://schemas.microsoft.com/office/powerpoint/2010/main" val="1254822975"/>
+        <p14:creationId xmlns:p14="http://schemas.microsoft.com/office/powerpoint/2010/main" xmlns="" val="1254822975"/>
       </p:ext>
     </p:extLst>
   </p:cSld>
@@ -3562,7 +3245,7 @@
     </p:spTree>
     <p:extLst>
       <p:ext uri="{BB962C8B-B14F-4D97-AF65-F5344CB8AC3E}">
-        <p14:creationId xmlns:p14="http://schemas.microsoft.com/office/powerpoint/2010/main" val="3860997776"/>
+        <p14:creationId xmlns:p14="http://schemas.microsoft.com/office/powerpoint/2010/main" xmlns="" val="3860997776"/>
       </p:ext>
     </p:extLst>
   </p:cSld>
@@ -3971,7 +3654,7 @@
     </p:spTree>
     <p:extLst>
       <p:ext uri="{BB962C8B-B14F-4D97-AF65-F5344CB8AC3E}">
-        <p14:creationId xmlns:p14="http://schemas.microsoft.com/office/powerpoint/2010/main" val="881293455"/>
+        <p14:creationId xmlns:p14="http://schemas.microsoft.com/office/powerpoint/2010/main" xmlns="" val="881293455"/>
       </p:ext>
     </p:extLst>
   </p:cSld>
@@ -4580,13 +4263,8 @@
           <a:p>
             <a:r>
               <a:rPr lang="en-US" baseline="0" dirty="0" smtClean="0"/>
-              <a:t>2) A discussion of the various ways that BHL makes its data available for reuse and </a:t>
-            </a:r>
-            <a:r>
-              <a:rPr lang="en-US" baseline="0" dirty="0" smtClean="0"/>
-              <a:t>analysis.  This is what I really want to show you.</a:t>
-            </a:r>
-            <a:endParaRPr lang="en-US" baseline="0" dirty="0" smtClean="0"/>
+              <a:t>2) A discussion of the various ways that BHL makes its data available for reuse and analysis.  This is what I really want to show you.</a:t>
+            </a:r>
           </a:p>
           <a:p>
             <a:pPr marL="0" marR="0" indent="0" algn="l" defTabSz="457200" rtl="0" eaLnBrk="1" fontAlgn="auto" latinLnBrk="0" hangingPunct="1">
@@ -4647,7 +4325,7 @@
     </p:spTree>
     <p:extLst>
       <p:ext uri="{BB962C8B-B14F-4D97-AF65-F5344CB8AC3E}">
-        <p14:creationId xmlns:p14="http://schemas.microsoft.com/office/powerpoint/2010/main" val="2796509056"/>
+        <p14:creationId xmlns:p14="http://schemas.microsoft.com/office/powerpoint/2010/main" xmlns="" val="2796509056"/>
       </p:ext>
     </p:extLst>
   </p:cSld>
@@ -4725,11 +4403,7 @@
             </a:r>
             <a:r>
               <a:rPr lang="en-US" baseline="0" smtClean="0"/>
-              <a:t>the </a:t>
-            </a:r>
-            <a:r>
-              <a:rPr lang="en-US" baseline="0" smtClean="0"/>
-              <a:t>elements in </a:t>
+              <a:t>the elements in </a:t>
             </a:r>
             <a:r>
               <a:rPr lang="en-US" baseline="0" dirty="0" smtClean="0"/>
@@ -4797,7 +4471,7 @@
     </p:spTree>
     <p:extLst>
       <p:ext uri="{BB962C8B-B14F-4D97-AF65-F5344CB8AC3E}">
-        <p14:creationId xmlns:p14="http://schemas.microsoft.com/office/powerpoint/2010/main" val="3924599026"/>
+        <p14:creationId xmlns:p14="http://schemas.microsoft.com/office/powerpoint/2010/main" xmlns="" val="3924599026"/>
       </p:ext>
     </p:extLst>
   </p:cSld>
@@ -4870,19 +4544,7 @@
             </a:r>
             <a:r>
               <a:rPr lang="en-US" baseline="0" dirty="0" smtClean="0"/>
-              <a:t> </a:t>
-            </a:r>
-            <a:r>
-              <a:rPr lang="en-US" baseline="0" dirty="0" smtClean="0"/>
-              <a:t>that describes </a:t>
-            </a:r>
-            <a:r>
-              <a:rPr lang="en-US" baseline="0" dirty="0" smtClean="0"/>
-              <a:t>items in the BHL collection.  </a:t>
-            </a:r>
-            <a:r>
-              <a:rPr lang="en-US" baseline="0" dirty="0" smtClean="0"/>
-              <a:t>For example:</a:t>
+              <a:t> that describes items in the BHL collection.  For example:</a:t>
             </a:r>
           </a:p>
           <a:p>
@@ -4894,11 +4556,7 @@
             </a:pPr>
             <a:r>
               <a:rPr lang="en-US" baseline="0" dirty="0" smtClean="0"/>
-              <a:t>Bibliographic information for monographs, journals, and </a:t>
-            </a:r>
-            <a:r>
-              <a:rPr lang="en-US" baseline="0" dirty="0" smtClean="0"/>
-              <a:t>articles.</a:t>
+              <a:t>Bibliographic information for monographs, journals, and articles.</a:t>
             </a:r>
           </a:p>
           <a:p>
@@ -4909,7 +4567,6 @@
               <a:rPr lang="en-US" baseline="0" dirty="0" smtClean="0"/>
               <a:t>Pagination data.</a:t>
             </a:r>
-            <a:endParaRPr lang="en-US" baseline="0" dirty="0" smtClean="0"/>
           </a:p>
           <a:p>
             <a:pPr marL="228600" indent="-228600">
@@ -4917,31 +4574,7 @@
             </a:pPr>
             <a:r>
               <a:rPr lang="en-US" baseline="0" dirty="0" smtClean="0"/>
-              <a:t>Scientific names.   </a:t>
-            </a:r>
-            <a:r>
-              <a:rPr lang="en-US" baseline="0" dirty="0" smtClean="0"/>
-              <a:t>With the help that of the Global </a:t>
-            </a:r>
-            <a:r>
-              <a:rPr lang="en-US" baseline="0" dirty="0" smtClean="0"/>
-              <a:t>Names </a:t>
-            </a:r>
-            <a:r>
-              <a:rPr lang="en-US" baseline="0" dirty="0" smtClean="0"/>
-              <a:t>project, BHL </a:t>
-            </a:r>
-            <a:r>
-              <a:rPr lang="en-US" baseline="0" dirty="0" smtClean="0"/>
-              <a:t>has recorded 177+ million occurrences of scientific names </a:t>
-            </a:r>
-            <a:r>
-              <a:rPr lang="en-US" baseline="0" dirty="0" smtClean="0"/>
-              <a:t>within the text of the </a:t>
-            </a:r>
-            <a:r>
-              <a:rPr lang="en-US" baseline="0" dirty="0" smtClean="0"/>
-              <a:t>collection.</a:t>
+              <a:t>Scientific names.   With the help that of the Global Names project, BHL has recorded 177+ million occurrences of scientific names within the text of the collection.</a:t>
             </a:r>
           </a:p>
           <a:p>
@@ -4994,7 +4627,7 @@
     </p:spTree>
     <p:extLst>
       <p:ext uri="{BB962C8B-B14F-4D97-AF65-F5344CB8AC3E}">
-        <p14:creationId xmlns:p14="http://schemas.microsoft.com/office/powerpoint/2010/main" val="1591452945"/>
+        <p14:creationId xmlns:p14="http://schemas.microsoft.com/office/powerpoint/2010/main" xmlns="" val="1591452945"/>
       </p:ext>
     </p:extLst>
   </p:cSld>
@@ -5170,15 +4803,7 @@
             </a:pPr>
             <a:r>
               <a:rPr lang="en-US" baseline="0" dirty="0" smtClean="0"/>
-              <a:t>Individual scans are served via BHL </a:t>
-            </a:r>
-            <a:r>
-              <a:rPr lang="en-US" baseline="0" dirty="0" smtClean="0"/>
-              <a:t>as </a:t>
-            </a:r>
-            <a:r>
-              <a:rPr lang="en-US" baseline="0" dirty="0" smtClean="0"/>
-              <a:t>high-resolution JPGs.</a:t>
+              <a:t>Individual scans are served via BHL as high-resolution JPGs.</a:t>
             </a:r>
           </a:p>
           <a:p>
@@ -5233,7 +4858,7 @@
     </p:spTree>
     <p:extLst>
       <p:ext uri="{BB962C8B-B14F-4D97-AF65-F5344CB8AC3E}">
-        <p14:creationId xmlns:p14="http://schemas.microsoft.com/office/powerpoint/2010/main" val="1659397798"/>
+        <p14:creationId xmlns:p14="http://schemas.microsoft.com/office/powerpoint/2010/main" xmlns="" val="1659397798"/>
       </p:ext>
     </p:extLst>
   </p:cSld>
@@ -5316,11 +4941,7 @@
           <a:p>
             <a:r>
               <a:rPr lang="en-US" baseline="0" dirty="0" smtClean="0"/>
-              <a:t>(</a:t>
-            </a:r>
-            <a:r>
-              <a:rPr lang="en-US" baseline="0" dirty="0" smtClean="0"/>
-              <a:t>The 17 billion estimate is based on an average book size of 270 pages.  A simple algorithm was used to count the words in the 260 books in BHL with exactly 270 pages.  The average number of words in those 260 books was 81,000.  Applying this average number of words to all books in BHL produces the 17 billion estimate.)</a:t>
+              <a:t>(The 17 billion estimate is based on an average book size of 270 pages.  A simple algorithm was used to count the words in the 260 books in BHL with exactly 270 pages.  The average number of words in those 260 books was 81,000.  Applying this average number of words to all books in BHL produces the 17 billion estimate.)</a:t>
             </a:r>
             <a:endParaRPr lang="en-US" dirty="0" smtClean="0"/>
           </a:p>
@@ -5359,7 +4980,7 @@
     </p:spTree>
     <p:extLst>
       <p:ext uri="{BB962C8B-B14F-4D97-AF65-F5344CB8AC3E}">
-        <p14:creationId xmlns:p14="http://schemas.microsoft.com/office/powerpoint/2010/main" val="1195562963"/>
+        <p14:creationId xmlns:p14="http://schemas.microsoft.com/office/powerpoint/2010/main" xmlns="" val="1195562963"/>
       </p:ext>
     </p:extLst>
   </p:cSld>
@@ -5420,11 +5041,7 @@
           <a:p>
             <a:r>
               <a:rPr lang="en-US" baseline="0" dirty="0" smtClean="0"/>
-              <a:t>How </a:t>
-            </a:r>
-            <a:r>
-              <a:rPr lang="en-US" baseline="0" dirty="0" smtClean="0"/>
-              <a:t>do you access and use BHL data?</a:t>
+              <a:t>How do you access and use BHL data?</a:t>
             </a:r>
             <a:endParaRPr lang="en-US" dirty="0" smtClean="0"/>
           </a:p>
@@ -5442,29 +5059,8 @@
             </a:r>
             <a:r>
               <a:rPr lang="en-US" baseline="0" dirty="0" smtClean="0"/>
-              <a:t>to </a:t>
-            </a:r>
-            <a:r>
-              <a:rPr lang="en-US" baseline="0" dirty="0" smtClean="0"/>
-              <a:t>do it, </a:t>
-            </a:r>
-            <a:r>
-              <a:rPr lang="en-US" baseline="0" dirty="0" smtClean="0"/>
-              <a:t>and there are multiple formats in which the </a:t>
-            </a:r>
-            <a:r>
-              <a:rPr lang="en-US" baseline="0" dirty="0" smtClean="0"/>
-              <a:t>data </a:t>
-            </a:r>
-            <a:r>
-              <a:rPr lang="en-US" baseline="0" dirty="0" smtClean="0"/>
-              <a:t>is packaged. </a:t>
-            </a:r>
-            <a:r>
-              <a:rPr lang="en-US" baseline="0" dirty="0" smtClean="0"/>
-              <a:t> To get the data, you can:</a:t>
-            </a:r>
-            <a:endParaRPr lang="en-US" baseline="0" dirty="0" smtClean="0"/>
+              <a:t>to do it, and there are multiple formats in which the data is packaged.  To get the data, you can:</a:t>
+            </a:r>
           </a:p>
           <a:p>
             <a:endParaRPr lang="en-US" baseline="0" dirty="0" smtClean="0"/>
@@ -5475,11 +5071,7 @@
             </a:pPr>
             <a:r>
               <a:rPr lang="en-US" baseline="0" dirty="0" smtClean="0"/>
-              <a:t>Download one of the BHL data </a:t>
-            </a:r>
-            <a:r>
-              <a:rPr lang="en-US" baseline="0" dirty="0" smtClean="0"/>
-              <a:t>exports</a:t>
+              <a:t>Download one of the BHL data exports</a:t>
             </a:r>
           </a:p>
           <a:p>
@@ -5488,11 +5080,7 @@
             </a:pPr>
             <a:r>
               <a:rPr lang="en-US" baseline="0" dirty="0" smtClean="0"/>
-              <a:t>Harvest data via the Open </a:t>
-            </a:r>
-            <a:r>
-              <a:rPr lang="en-US" baseline="0" dirty="0" smtClean="0"/>
-              <a:t>Archive Initiative Protocol for Metadata Harvesting (OAI-PMH)</a:t>
+              <a:t>Harvest data via the Open Archive Initiative Protocol for Metadata Harvesting (OAI-PMH)</a:t>
             </a:r>
           </a:p>
           <a:p>
@@ -5501,11 +5089,7 @@
             </a:pPr>
             <a:r>
               <a:rPr lang="en-US" baseline="0" dirty="0" smtClean="0"/>
-              <a:t>Request data via the BHL Application </a:t>
-            </a:r>
-            <a:r>
-              <a:rPr lang="en-US" baseline="0" dirty="0" smtClean="0"/>
-              <a:t>Programming Interfaces (APIs)</a:t>
+              <a:t>Request data via the BHL Application Programming Interfaces (APIs)</a:t>
             </a:r>
           </a:p>
           <a:p>
@@ -5549,7 +5133,7 @@
     </p:spTree>
     <p:extLst>
       <p:ext uri="{BB962C8B-B14F-4D97-AF65-F5344CB8AC3E}">
-        <p14:creationId xmlns:p14="http://schemas.microsoft.com/office/powerpoint/2010/main" val="97680472"/>
+        <p14:creationId xmlns:p14="http://schemas.microsoft.com/office/powerpoint/2010/main" xmlns="" val="97680472"/>
       </p:ext>
     </p:extLst>
   </p:cSld>
@@ -5631,15 +5215,7 @@
             </a:r>
             <a:r>
               <a:rPr lang="en-US" sz="1200" baseline="0" dirty="0" smtClean="0"/>
-              <a:t> BHL data </a:t>
-            </a:r>
-            <a:r>
-              <a:rPr lang="en-US" sz="1200" baseline="0" dirty="0" smtClean="0"/>
-              <a:t>is the </a:t>
-            </a:r>
-            <a:r>
-              <a:rPr lang="en-US" sz="1200" baseline="0" dirty="0" smtClean="0"/>
-              <a:t>Data Exports.</a:t>
+              <a:t> BHL data is the Data Exports.</a:t>
             </a:r>
           </a:p>
           <a:p>
@@ -5682,11 +5258,7 @@
             </a:pPr>
             <a:r>
               <a:rPr lang="en-US" sz="1200" b="1" baseline="0" dirty="0" smtClean="0"/>
-              <a:t>The exports are </a:t>
-            </a:r>
-            <a:r>
-              <a:rPr lang="en-US" sz="1200" b="1" baseline="0" dirty="0" smtClean="0"/>
-              <a:t>updated monthly, on or around the 1</a:t>
+              <a:t>The exports are updated monthly, on or around the 1</a:t>
             </a:r>
             <a:r>
               <a:rPr lang="en-US" sz="1200" b="1" baseline="30000" dirty="0" smtClean="0"/>
@@ -5694,15 +5266,7 @@
             </a:r>
             <a:r>
               <a:rPr lang="en-US" sz="1200" b="1" baseline="0" dirty="0" smtClean="0"/>
-              <a:t> of the month, and </a:t>
-            </a:r>
-            <a:r>
-              <a:rPr lang="en-US" sz="1200" b="1" baseline="0" dirty="0" smtClean="0"/>
-              <a:t>they contain data for the </a:t>
-            </a:r>
-            <a:r>
-              <a:rPr lang="en-US" sz="1200" b="1" baseline="0" dirty="0" smtClean="0"/>
-              <a:t>entire BHL collection.</a:t>
+              <a:t> of the month, and they contain data for the entire BHL collection.</a:t>
             </a:r>
             <a:endParaRPr lang="en-US" sz="1200" b="1" dirty="0" smtClean="0"/>
           </a:p>
@@ -5738,11 +5302,7 @@
           <a:p>
             <a:r>
               <a:rPr lang="en-US" sz="1200" baseline="0" dirty="0" smtClean="0"/>
-              <a:t>Besides the delimited text files, there are exports in three different formats used for bibliographic data exchange.  These </a:t>
-            </a:r>
-            <a:r>
-              <a:rPr lang="en-US" sz="1200" baseline="0" dirty="0" smtClean="0"/>
-              <a:t>are:</a:t>
+              <a:t>Besides the delimited text files, there are exports in three different formats used for bibliographic data exchange.  These are:</a:t>
             </a:r>
           </a:p>
           <a:p>
@@ -5755,11 +5315,7 @@
             </a:pPr>
             <a:r>
               <a:rPr lang="en-US" sz="1200" baseline="0" dirty="0" smtClean="0"/>
-              <a:t>RIS </a:t>
-            </a:r>
-            <a:r>
-              <a:rPr lang="en-US" sz="1200" baseline="0" dirty="0" smtClean="0"/>
-              <a:t>(typically used by reference managers like </a:t>
+              <a:t>RIS (typically used by reference managers like </a:t>
             </a:r>
             <a:r>
               <a:rPr lang="en-US" sz="1200" baseline="0" dirty="0" err="1" smtClean="0"/>
@@ -5775,11 +5331,7 @@
             </a:r>
             <a:r>
               <a:rPr lang="en-US" sz="1200" baseline="0" dirty="0" smtClean="0"/>
-              <a:t>, and </a:t>
-            </a:r>
-            <a:r>
-              <a:rPr lang="en-US" sz="1200" baseline="0" dirty="0" smtClean="0"/>
-              <a:t>EndNote)</a:t>
+              <a:t>, and EndNote)</a:t>
             </a:r>
           </a:p>
           <a:p>
@@ -5789,23 +5341,7 @@
             </a:pPr>
             <a:r>
               <a:rPr lang="en-US" sz="1200" baseline="0" dirty="0" smtClean="0"/>
-              <a:t>MODS </a:t>
-            </a:r>
-            <a:r>
-              <a:rPr lang="en-US" sz="1200" baseline="0" dirty="0" smtClean="0"/>
-              <a:t>(</a:t>
-            </a:r>
-            <a:r>
-              <a:rPr lang="en-US" sz="1200" baseline="0" dirty="0" smtClean="0"/>
-              <a:t>an </a:t>
-            </a:r>
-            <a:r>
-              <a:rPr lang="en-US" sz="1200" baseline="0" dirty="0" smtClean="0"/>
-              <a:t>XML schema from Library of Congress that is similar to MARC</a:t>
-            </a:r>
-            <a:r>
-              <a:rPr lang="en-US" sz="1200" baseline="0" dirty="0" smtClean="0"/>
-              <a:t>)</a:t>
+              <a:t>MODS (an XML schema from Library of Congress that is similar to MARC)</a:t>
             </a:r>
           </a:p>
           <a:p>
@@ -5819,29 +5355,16 @@
             </a:r>
             <a:r>
               <a:rPr lang="en-US" sz="1200" baseline="0" dirty="0" smtClean="0"/>
-              <a:t> </a:t>
-            </a:r>
+              <a:t> (an older format rarely used).  </a:t>
+            </a:r>
+          </a:p>
+          <a:p>
+            <a:endParaRPr lang="en-US" sz="1200" baseline="0" dirty="0" smtClean="0"/>
+          </a:p>
+          <a:p>
             <a:r>
               <a:rPr lang="en-US" sz="1200" baseline="0" dirty="0" smtClean="0"/>
-              <a:t>(an older format rarely used).  </a:t>
-            </a:r>
-            <a:endParaRPr lang="en-US" sz="1200" baseline="0" dirty="0" smtClean="0"/>
-          </a:p>
-          <a:p>
-            <a:endParaRPr lang="en-US" sz="1200" baseline="0" dirty="0" smtClean="0"/>
-          </a:p>
-          <a:p>
-            <a:r>
-              <a:rPr lang="en-US" sz="1200" baseline="0" dirty="0" smtClean="0"/>
-              <a:t>None </a:t>
-            </a:r>
-            <a:r>
-              <a:rPr lang="en-US" sz="1200" baseline="0" dirty="0" smtClean="0"/>
-              <a:t>of these include page metadata, names, or page text.  They contain </a:t>
-            </a:r>
-            <a:r>
-              <a:rPr lang="en-US" sz="1200" baseline="0" dirty="0" smtClean="0"/>
-              <a:t>only bibliographic metadata.</a:t>
+              <a:t>None of these include page metadata, names, or page text.  They contain only bibliographic metadata.</a:t>
             </a:r>
           </a:p>
           <a:p>
@@ -5852,7 +5375,6 @@
               <a:rPr lang="en-US" sz="1200" baseline="0" dirty="0" smtClean="0"/>
               <a:t>All of the export files can be downloaded from the BHL “data” link shown here.  Simply browse to that link to view the files, and download the ones you need.</a:t>
             </a:r>
-            <a:endParaRPr lang="en-US" sz="1200" baseline="0" dirty="0" smtClean="0"/>
           </a:p>
         </p:txBody>
       </p:sp>
@@ -5883,7 +5405,7 @@
     </p:spTree>
     <p:extLst>
       <p:ext uri="{BB962C8B-B14F-4D97-AF65-F5344CB8AC3E}">
-        <p14:creationId xmlns:p14="http://schemas.microsoft.com/office/powerpoint/2010/main" val="1462193928"/>
+        <p14:creationId xmlns:p14="http://schemas.microsoft.com/office/powerpoint/2010/main" xmlns="" val="1462193928"/>
       </p:ext>
     </p:extLst>
   </p:cSld>
@@ -5922,7 +5444,7 @@
           <a:blip r:embed="rId2" cstate="print">
             <a:extLst>
               <a:ext uri="{28A0092B-C50C-407E-A947-70E740481C1C}">
-                <a14:useLocalDpi xmlns:a14="http://schemas.microsoft.com/office/drawing/2010/main" val="0"/>
+                <a14:useLocalDpi xmlns:a14="http://schemas.microsoft.com/office/drawing/2010/main" xmlns="" val="0"/>
               </a:ext>
             </a:extLst>
           </a:blip>
@@ -5946,14 +5468,14 @@
           <a:effectLst/>
           <a:extLst>
             <a:ext uri="{909E8E84-426E-40DD-AFC4-6F175D3DCCD1}">
-              <a14:hiddenFill xmlns:a14="http://schemas.microsoft.com/office/drawing/2010/main">
+              <a14:hiddenFill xmlns:a14="http://schemas.microsoft.com/office/drawing/2010/main" xmlns="">
                 <a:solidFill>
                   <a:schemeClr val="accent1"/>
                 </a:solidFill>
               </a14:hiddenFill>
             </a:ext>
             <a:ext uri="{91240B29-F687-4F45-9708-019B960494DF}">
-              <a14:hiddenLine xmlns:a14="http://schemas.microsoft.com/office/drawing/2010/main" w="9525">
+              <a14:hiddenLine xmlns:a14="http://schemas.microsoft.com/office/drawing/2010/main" xmlns="" w="9525">
                 <a:solidFill>
                   <a:schemeClr val="tx1"/>
                 </a:solidFill>
@@ -5963,7 +5485,7 @@
               </a14:hiddenLine>
             </a:ext>
             <a:ext uri="{AF507438-7753-43E0-B8FC-AC1667EBCBE1}">
-              <a14:hiddenEffects xmlns:a14="http://schemas.microsoft.com/office/drawing/2010/main">
+              <a14:hiddenEffects xmlns:a14="http://schemas.microsoft.com/office/drawing/2010/main" xmlns="">
                 <a:effectLst>
                   <a:outerShdw dist="35921" dir="2700000" algn="ctr" rotWithShape="0">
                     <a:schemeClr val="bg2"/>
@@ -5986,7 +5508,7 @@
           <a:blip r:embed="rId3" cstate="print">
             <a:extLst>
               <a:ext uri="{28A0092B-C50C-407E-A947-70E740481C1C}">
-                <a14:useLocalDpi xmlns:a14="http://schemas.microsoft.com/office/drawing/2010/main" val="0"/>
+                <a14:useLocalDpi xmlns:a14="http://schemas.microsoft.com/office/drawing/2010/main" xmlns="" val="0"/>
               </a:ext>
             </a:extLst>
           </a:blip>
@@ -6077,7 +5599,7 @@
     </p:spTree>
     <p:extLst>
       <p:ext uri="{BB962C8B-B14F-4D97-AF65-F5344CB8AC3E}">
-        <p14:creationId xmlns:p14="http://schemas.microsoft.com/office/powerpoint/2010/main" val="2478967282"/>
+        <p14:creationId xmlns:p14="http://schemas.microsoft.com/office/powerpoint/2010/main" xmlns="" val="2478967282"/>
       </p:ext>
     </p:extLst>
   </p:cSld>
@@ -6162,7 +5684,7 @@
           <a:blip r:embed="rId2" cstate="print">
             <a:extLst>
               <a:ext uri="{28A0092B-C50C-407E-A947-70E740481C1C}">
-                <a14:useLocalDpi xmlns:a14="http://schemas.microsoft.com/office/drawing/2010/main" val="0"/>
+                <a14:useLocalDpi xmlns:a14="http://schemas.microsoft.com/office/drawing/2010/main" xmlns="" val="0"/>
               </a:ext>
             </a:extLst>
           </a:blip>
@@ -6516,7 +6038,7 @@
     </p:spTree>
     <p:extLst>
       <p:ext uri="{BB962C8B-B14F-4D97-AF65-F5344CB8AC3E}">
-        <p14:creationId xmlns:p14="http://schemas.microsoft.com/office/powerpoint/2010/main" val="1649327088"/>
+        <p14:creationId xmlns:p14="http://schemas.microsoft.com/office/powerpoint/2010/main" xmlns="" val="1649327088"/>
       </p:ext>
     </p:extLst>
   </p:cSld>
@@ -6941,7 +6463,7 @@
           <a:blip r:embed="rId2" cstate="print">
             <a:extLst>
               <a:ext uri="{28A0092B-C50C-407E-A947-70E740481C1C}">
-                <a14:useLocalDpi xmlns:a14="http://schemas.microsoft.com/office/drawing/2010/main" val="0"/>
+                <a14:useLocalDpi xmlns:a14="http://schemas.microsoft.com/office/drawing/2010/main" xmlns="" val="0"/>
               </a:ext>
             </a:extLst>
           </a:blip>
@@ -7005,7 +6527,7 @@
     </p:spTree>
     <p:extLst>
       <p:ext uri="{BB962C8B-B14F-4D97-AF65-F5344CB8AC3E}">
-        <p14:creationId xmlns:p14="http://schemas.microsoft.com/office/powerpoint/2010/main" val="1675475096"/>
+        <p14:creationId xmlns:p14="http://schemas.microsoft.com/office/powerpoint/2010/main" xmlns="" val="1675475096"/>
       </p:ext>
     </p:extLst>
   </p:cSld>
@@ -7090,7 +6612,7 @@
           <a:blip r:embed="rId2" cstate="print">
             <a:extLst>
               <a:ext uri="{28A0092B-C50C-407E-A947-70E740481C1C}">
-                <a14:useLocalDpi xmlns:a14="http://schemas.microsoft.com/office/drawing/2010/main" val="0"/>
+                <a14:useLocalDpi xmlns:a14="http://schemas.microsoft.com/office/drawing/2010/main" xmlns="" val="0"/>
               </a:ext>
             </a:extLst>
           </a:blip>
@@ -7154,7 +6676,7 @@
     </p:spTree>
     <p:extLst>
       <p:ext uri="{BB962C8B-B14F-4D97-AF65-F5344CB8AC3E}">
-        <p14:creationId xmlns:p14="http://schemas.microsoft.com/office/powerpoint/2010/main" val="3589482103"/>
+        <p14:creationId xmlns:p14="http://schemas.microsoft.com/office/powerpoint/2010/main" xmlns="" val="3589482103"/>
       </p:ext>
     </p:extLst>
   </p:cSld>
@@ -7257,7 +6779,7 @@
     </p:spTree>
     <p:extLst>
       <p:ext uri="{BB962C8B-B14F-4D97-AF65-F5344CB8AC3E}">
-        <p14:creationId xmlns:p14="http://schemas.microsoft.com/office/powerpoint/2010/main" val="3145854839"/>
+        <p14:creationId xmlns:p14="http://schemas.microsoft.com/office/powerpoint/2010/main" xmlns="" val="3145854839"/>
       </p:ext>
     </p:extLst>
   </p:cSld>
@@ -7493,7 +7015,7 @@
           <a:blip r:embed="rId2" cstate="print">
             <a:extLst>
               <a:ext uri="{28A0092B-C50C-407E-A947-70E740481C1C}">
-                <a14:useLocalDpi xmlns:a14="http://schemas.microsoft.com/office/drawing/2010/main" val="0"/>
+                <a14:useLocalDpi xmlns:a14="http://schemas.microsoft.com/office/drawing/2010/main" xmlns="" val="0"/>
               </a:ext>
             </a:extLst>
           </a:blip>
@@ -7560,7 +7082,7 @@
     </p:spTree>
     <p:extLst>
       <p:ext uri="{BB962C8B-B14F-4D97-AF65-F5344CB8AC3E}">
-        <p14:creationId xmlns:p14="http://schemas.microsoft.com/office/powerpoint/2010/main" val="2790897643"/>
+        <p14:creationId xmlns:p14="http://schemas.microsoft.com/office/powerpoint/2010/main" xmlns="" val="2790897643"/>
       </p:ext>
     </p:extLst>
   </p:cSld>
@@ -7645,7 +7167,7 @@
           <a:blip r:embed="rId2" cstate="print">
             <a:extLst>
               <a:ext uri="{28A0092B-C50C-407E-A947-70E740481C1C}">
-                <a14:useLocalDpi xmlns:a14="http://schemas.microsoft.com/office/drawing/2010/main" val="0"/>
+                <a14:useLocalDpi xmlns:a14="http://schemas.microsoft.com/office/drawing/2010/main" xmlns="" val="0"/>
               </a:ext>
             </a:extLst>
           </a:blip>
@@ -7709,7 +7231,7 @@
     </p:spTree>
     <p:extLst>
       <p:ext uri="{BB962C8B-B14F-4D97-AF65-F5344CB8AC3E}">
-        <p14:creationId xmlns:p14="http://schemas.microsoft.com/office/powerpoint/2010/main" val="2318148184"/>
+        <p14:creationId xmlns:p14="http://schemas.microsoft.com/office/powerpoint/2010/main" xmlns="" val="2318148184"/>
       </p:ext>
     </p:extLst>
   </p:cSld>
@@ -7794,7 +7316,7 @@
           <a:blip r:embed="rId2" cstate="print">
             <a:extLst>
               <a:ext uri="{28A0092B-C50C-407E-A947-70E740481C1C}">
-                <a14:useLocalDpi xmlns:a14="http://schemas.microsoft.com/office/drawing/2010/main" val="0"/>
+                <a14:useLocalDpi xmlns:a14="http://schemas.microsoft.com/office/drawing/2010/main" xmlns="" val="0"/>
               </a:ext>
             </a:extLst>
           </a:blip>
@@ -7858,7 +7380,7 @@
     </p:spTree>
     <p:extLst>
       <p:ext uri="{BB962C8B-B14F-4D97-AF65-F5344CB8AC3E}">
-        <p14:creationId xmlns:p14="http://schemas.microsoft.com/office/powerpoint/2010/main" val="20454123"/>
+        <p14:creationId xmlns:p14="http://schemas.microsoft.com/office/powerpoint/2010/main" xmlns="" val="20454123"/>
       </p:ext>
     </p:extLst>
   </p:cSld>
@@ -7943,7 +7465,7 @@
           <a:blip r:embed="rId2" cstate="print">
             <a:extLst>
               <a:ext uri="{28A0092B-C50C-407E-A947-70E740481C1C}">
-                <a14:useLocalDpi xmlns:a14="http://schemas.microsoft.com/office/drawing/2010/main" val="0"/>
+                <a14:useLocalDpi xmlns:a14="http://schemas.microsoft.com/office/drawing/2010/main" xmlns="" val="0"/>
               </a:ext>
             </a:extLst>
           </a:blip>
@@ -8007,7 +7529,7 @@
     </p:spTree>
     <p:extLst>
       <p:ext uri="{BB962C8B-B14F-4D97-AF65-F5344CB8AC3E}">
-        <p14:creationId xmlns:p14="http://schemas.microsoft.com/office/powerpoint/2010/main" val="20454123"/>
+        <p14:creationId xmlns:p14="http://schemas.microsoft.com/office/powerpoint/2010/main" xmlns="" val="20454123"/>
       </p:ext>
     </p:extLst>
   </p:cSld>
@@ -8092,7 +7614,7 @@
           <a:blip r:embed="rId2" cstate="print">
             <a:extLst>
               <a:ext uri="{28A0092B-C50C-407E-A947-70E740481C1C}">
-                <a14:useLocalDpi xmlns:a14="http://schemas.microsoft.com/office/drawing/2010/main" val="0"/>
+                <a14:useLocalDpi xmlns:a14="http://schemas.microsoft.com/office/drawing/2010/main" xmlns="" val="0"/>
               </a:ext>
             </a:extLst>
           </a:blip>
@@ -8156,7 +7678,7 @@
     </p:spTree>
     <p:extLst>
       <p:ext uri="{BB962C8B-B14F-4D97-AF65-F5344CB8AC3E}">
-        <p14:creationId xmlns:p14="http://schemas.microsoft.com/office/powerpoint/2010/main" val="20454123"/>
+        <p14:creationId xmlns:p14="http://schemas.microsoft.com/office/powerpoint/2010/main" xmlns="" val="20454123"/>
       </p:ext>
     </p:extLst>
   </p:cSld>
@@ -8241,7 +7763,7 @@
           <a:blip r:embed="rId2" cstate="print">
             <a:extLst>
               <a:ext uri="{28A0092B-C50C-407E-A947-70E740481C1C}">
-                <a14:useLocalDpi xmlns:a14="http://schemas.microsoft.com/office/drawing/2010/main" val="0"/>
+                <a14:useLocalDpi xmlns:a14="http://schemas.microsoft.com/office/drawing/2010/main" xmlns="" val="0"/>
               </a:ext>
             </a:extLst>
           </a:blip>
@@ -8305,7 +7827,7 @@
     </p:spTree>
     <p:extLst>
       <p:ext uri="{BB962C8B-B14F-4D97-AF65-F5344CB8AC3E}">
-        <p14:creationId xmlns:p14="http://schemas.microsoft.com/office/powerpoint/2010/main" val="20454123"/>
+        <p14:creationId xmlns:p14="http://schemas.microsoft.com/office/powerpoint/2010/main" xmlns="" val="20454123"/>
       </p:ext>
     </p:extLst>
   </p:cSld>
@@ -8344,7 +7866,7 @@
           <a:blip r:embed="rId2" cstate="print">
             <a:extLst>
               <a:ext uri="{28A0092B-C50C-407E-A947-70E740481C1C}">
-                <a14:useLocalDpi xmlns:a14="http://schemas.microsoft.com/office/drawing/2010/main" val="0"/>
+                <a14:useLocalDpi xmlns:a14="http://schemas.microsoft.com/office/drawing/2010/main" xmlns="" val="0"/>
               </a:ext>
             </a:extLst>
           </a:blip>
@@ -8368,14 +7890,14 @@
           <a:effectLst/>
           <a:extLst>
             <a:ext uri="{909E8E84-426E-40DD-AFC4-6F175D3DCCD1}">
-              <a14:hiddenFill xmlns:a14="http://schemas.microsoft.com/office/drawing/2010/main">
+              <a14:hiddenFill xmlns:a14="http://schemas.microsoft.com/office/drawing/2010/main" xmlns="">
                 <a:solidFill>
                   <a:schemeClr val="accent1"/>
                 </a:solidFill>
               </a14:hiddenFill>
             </a:ext>
             <a:ext uri="{91240B29-F687-4F45-9708-019B960494DF}">
-              <a14:hiddenLine xmlns:a14="http://schemas.microsoft.com/office/drawing/2010/main" w="9525">
+              <a14:hiddenLine xmlns:a14="http://schemas.microsoft.com/office/drawing/2010/main" xmlns="" w="9525">
                 <a:solidFill>
                   <a:schemeClr val="tx1"/>
                 </a:solidFill>
@@ -8385,7 +7907,7 @@
               </a14:hiddenLine>
             </a:ext>
             <a:ext uri="{AF507438-7753-43E0-B8FC-AC1667EBCBE1}">
-              <a14:hiddenEffects xmlns:a14="http://schemas.microsoft.com/office/drawing/2010/main">
+              <a14:hiddenEffects xmlns:a14="http://schemas.microsoft.com/office/drawing/2010/main" xmlns="">
                 <a:effectLst>
                   <a:outerShdw dist="35921" dir="2700000" algn="ctr" rotWithShape="0">
                     <a:schemeClr val="bg2"/>
@@ -8443,7 +7965,7 @@
           <a:blip r:embed="rId3" cstate="print">
             <a:extLst>
               <a:ext uri="{28A0092B-C50C-407E-A947-70E740481C1C}">
-                <a14:useLocalDpi xmlns:a14="http://schemas.microsoft.com/office/drawing/2010/main" val="0"/>
+                <a14:useLocalDpi xmlns:a14="http://schemas.microsoft.com/office/drawing/2010/main" xmlns="" val="0"/>
               </a:ext>
             </a:extLst>
           </a:blip>
@@ -8464,7 +7986,7 @@
     </p:spTree>
     <p:extLst>
       <p:ext uri="{BB962C8B-B14F-4D97-AF65-F5344CB8AC3E}">
-        <p14:creationId xmlns:p14="http://schemas.microsoft.com/office/powerpoint/2010/main" val="2678290118"/>
+        <p14:creationId xmlns:p14="http://schemas.microsoft.com/office/powerpoint/2010/main" xmlns="" val="2678290118"/>
       </p:ext>
     </p:extLst>
   </p:cSld>
@@ -8549,7 +8071,7 @@
           <a:blip r:embed="rId2" cstate="print">
             <a:extLst>
               <a:ext uri="{28A0092B-C50C-407E-A947-70E740481C1C}">
-                <a14:useLocalDpi xmlns:a14="http://schemas.microsoft.com/office/drawing/2010/main" val="0"/>
+                <a14:useLocalDpi xmlns:a14="http://schemas.microsoft.com/office/drawing/2010/main" xmlns="" val="0"/>
               </a:ext>
             </a:extLst>
           </a:blip>
@@ -8613,7 +8135,7 @@
     </p:spTree>
     <p:extLst>
       <p:ext uri="{BB962C8B-B14F-4D97-AF65-F5344CB8AC3E}">
-        <p14:creationId xmlns:p14="http://schemas.microsoft.com/office/powerpoint/2010/main" val="1664427782"/>
+        <p14:creationId xmlns:p14="http://schemas.microsoft.com/office/powerpoint/2010/main" xmlns="" val="1664427782"/>
       </p:ext>
     </p:extLst>
   </p:cSld>
@@ -8698,7 +8220,7 @@
           <a:blip r:embed="rId2" cstate="print">
             <a:extLst>
               <a:ext uri="{28A0092B-C50C-407E-A947-70E740481C1C}">
-                <a14:useLocalDpi xmlns:a14="http://schemas.microsoft.com/office/drawing/2010/main" val="0"/>
+                <a14:useLocalDpi xmlns:a14="http://schemas.microsoft.com/office/drawing/2010/main" xmlns="" val="0"/>
               </a:ext>
             </a:extLst>
           </a:blip>
@@ -8728,7 +8250,7 @@
           <a:blip r:embed="rId3" cstate="print">
             <a:extLst>
               <a:ext uri="{28A0092B-C50C-407E-A947-70E740481C1C}">
-                <a14:useLocalDpi xmlns:a14="http://schemas.microsoft.com/office/drawing/2010/main" val="0"/>
+                <a14:useLocalDpi xmlns:a14="http://schemas.microsoft.com/office/drawing/2010/main" xmlns="" val="0"/>
               </a:ext>
             </a:extLst>
           </a:blip>
@@ -8749,7 +8271,7 @@
     </p:spTree>
     <p:extLst>
       <p:ext uri="{BB962C8B-B14F-4D97-AF65-F5344CB8AC3E}">
-        <p14:creationId xmlns:p14="http://schemas.microsoft.com/office/powerpoint/2010/main" val="1430256493"/>
+        <p14:creationId xmlns:p14="http://schemas.microsoft.com/office/powerpoint/2010/main" xmlns="" val="1430256493"/>
       </p:ext>
     </p:extLst>
   </p:cSld>
@@ -8834,7 +8356,7 @@
           <a:blip r:embed="rId2" cstate="print">
             <a:extLst>
               <a:ext uri="{28A0092B-C50C-407E-A947-70E740481C1C}">
-                <a14:useLocalDpi xmlns:a14="http://schemas.microsoft.com/office/drawing/2010/main" val="0"/>
+                <a14:useLocalDpi xmlns:a14="http://schemas.microsoft.com/office/drawing/2010/main" xmlns="" val="0"/>
               </a:ext>
             </a:extLst>
           </a:blip>
@@ -8968,7 +8490,7 @@
     </p:spTree>
     <p:extLst>
       <p:ext uri="{BB962C8B-B14F-4D97-AF65-F5344CB8AC3E}">
-        <p14:creationId xmlns:p14="http://schemas.microsoft.com/office/powerpoint/2010/main" val="3135013638"/>
+        <p14:creationId xmlns:p14="http://schemas.microsoft.com/office/powerpoint/2010/main" xmlns="" val="3135013638"/>
       </p:ext>
     </p:extLst>
   </p:cSld>
@@ -9053,7 +8575,7 @@
           <a:blip r:embed="rId2" cstate="print">
             <a:extLst>
               <a:ext uri="{28A0092B-C50C-407E-A947-70E740481C1C}">
-                <a14:useLocalDpi xmlns:a14="http://schemas.microsoft.com/office/drawing/2010/main" val="0"/>
+                <a14:useLocalDpi xmlns:a14="http://schemas.microsoft.com/office/drawing/2010/main" xmlns="" val="0"/>
               </a:ext>
             </a:extLst>
           </a:blip>
@@ -9217,7 +8739,7 @@
     </p:spTree>
     <p:extLst>
       <p:ext uri="{BB962C8B-B14F-4D97-AF65-F5344CB8AC3E}">
-        <p14:creationId xmlns:p14="http://schemas.microsoft.com/office/powerpoint/2010/main" val="3072449041"/>
+        <p14:creationId xmlns:p14="http://schemas.microsoft.com/office/powerpoint/2010/main" xmlns="" val="3072449041"/>
       </p:ext>
     </p:extLst>
   </p:cSld>
@@ -9302,7 +8824,7 @@
           <a:blip r:embed="rId2" cstate="print">
             <a:extLst>
               <a:ext uri="{28A0092B-C50C-407E-A947-70E740481C1C}">
-                <a14:useLocalDpi xmlns:a14="http://schemas.microsoft.com/office/drawing/2010/main" val="0"/>
+                <a14:useLocalDpi xmlns:a14="http://schemas.microsoft.com/office/drawing/2010/main" xmlns="" val="0"/>
               </a:ext>
             </a:extLst>
           </a:blip>
@@ -9474,7 +8996,7 @@
     </p:spTree>
     <p:extLst>
       <p:ext uri="{BB962C8B-B14F-4D97-AF65-F5344CB8AC3E}">
-        <p14:creationId xmlns:p14="http://schemas.microsoft.com/office/powerpoint/2010/main" val="994759595"/>
+        <p14:creationId xmlns:p14="http://schemas.microsoft.com/office/powerpoint/2010/main" xmlns="" val="994759595"/>
       </p:ext>
     </p:extLst>
   </p:cSld>
@@ -9559,7 +9081,7 @@
           <a:blip r:embed="rId2" cstate="print">
             <a:extLst>
               <a:ext uri="{28A0092B-C50C-407E-A947-70E740481C1C}">
-                <a14:useLocalDpi xmlns:a14="http://schemas.microsoft.com/office/drawing/2010/main" val="0"/>
+                <a14:useLocalDpi xmlns:a14="http://schemas.microsoft.com/office/drawing/2010/main" xmlns="" val="0"/>
               </a:ext>
             </a:extLst>
           </a:blip>
@@ -9762,7 +9284,7 @@
     </p:spTree>
     <p:extLst>
       <p:ext uri="{BB962C8B-B14F-4D97-AF65-F5344CB8AC3E}">
-        <p14:creationId xmlns:p14="http://schemas.microsoft.com/office/powerpoint/2010/main" val="2174007619"/>
+        <p14:creationId xmlns:p14="http://schemas.microsoft.com/office/powerpoint/2010/main" xmlns="" val="2174007619"/>
       </p:ext>
     </p:extLst>
   </p:cSld>
@@ -10032,7 +9554,7 @@
           <a:blip r:embed="rId2" cstate="print">
             <a:extLst>
               <a:ext uri="{28A0092B-C50C-407E-A947-70E740481C1C}">
-                <a14:useLocalDpi xmlns:a14="http://schemas.microsoft.com/office/drawing/2010/main" val="0"/>
+                <a14:useLocalDpi xmlns:a14="http://schemas.microsoft.com/office/drawing/2010/main" xmlns="" val="0"/>
               </a:ext>
             </a:extLst>
           </a:blip>
@@ -10096,7 +9618,7 @@
     </p:spTree>
     <p:extLst>
       <p:ext uri="{BB962C8B-B14F-4D97-AF65-F5344CB8AC3E}">
-        <p14:creationId xmlns:p14="http://schemas.microsoft.com/office/powerpoint/2010/main" val="4189991210"/>
+        <p14:creationId xmlns:p14="http://schemas.microsoft.com/office/powerpoint/2010/main" xmlns="" val="4189991210"/>
       </p:ext>
     </p:extLst>
   </p:cSld>
@@ -10245,7 +9767,7 @@
           <a:blip r:embed="rId2" cstate="print">
             <a:extLst>
               <a:ext uri="{28A0092B-C50C-407E-A947-70E740481C1C}">
-                <a14:useLocalDpi xmlns:a14="http://schemas.microsoft.com/office/drawing/2010/main" val="0"/>
+                <a14:useLocalDpi xmlns:a14="http://schemas.microsoft.com/office/drawing/2010/main" xmlns="" val="0"/>
               </a:ext>
             </a:extLst>
           </a:blip>
@@ -10409,7 +9931,7 @@
     </p:spTree>
     <p:extLst>
       <p:ext uri="{BB962C8B-B14F-4D97-AF65-F5344CB8AC3E}">
-        <p14:creationId xmlns:p14="http://schemas.microsoft.com/office/powerpoint/2010/main" val="2761385501"/>
+        <p14:creationId xmlns:p14="http://schemas.microsoft.com/office/powerpoint/2010/main" xmlns="" val="2761385501"/>
       </p:ext>
     </p:extLst>
   </p:cSld>
@@ -10745,7 +10267,7 @@
     </p:spTree>
     <p:extLst>
       <p:ext uri="{BB962C8B-B14F-4D97-AF65-F5344CB8AC3E}">
-        <p14:creationId xmlns:p14="http://schemas.microsoft.com/office/powerpoint/2010/main" val="879668439"/>
+        <p14:creationId xmlns:p14="http://schemas.microsoft.com/office/powerpoint/2010/main" xmlns="" val="879668439"/>
       </p:ext>
     </p:extLst>
   </p:cSld>
@@ -10835,7 +10357,7 @@
           <a:blip r:embed="rId23" cstate="print">
             <a:extLst>
               <a:ext uri="{28A0092B-C50C-407E-A947-70E740481C1C}">
-                <a14:useLocalDpi xmlns:a14="http://schemas.microsoft.com/office/drawing/2010/main" val="0"/>
+                <a14:useLocalDpi xmlns:a14="http://schemas.microsoft.com/office/drawing/2010/main" xmlns="" val="0"/>
               </a:ext>
             </a:extLst>
           </a:blip>
@@ -10856,7 +10378,7 @@
     </p:spTree>
     <p:extLst>
       <p:ext uri="{BB962C8B-B14F-4D97-AF65-F5344CB8AC3E}">
-        <p14:creationId xmlns:p14="http://schemas.microsoft.com/office/powerpoint/2010/main" val="3044589780"/>
+        <p14:creationId xmlns:p14="http://schemas.microsoft.com/office/powerpoint/2010/main" xmlns="" val="3044589780"/>
       </p:ext>
     </p:extLst>
   </p:cSld>
@@ -11521,7 +11043,7 @@
     </p:spTree>
     <p:extLst>
       <p:ext uri="{BB962C8B-B14F-4D97-AF65-F5344CB8AC3E}">
-        <p14:creationId xmlns:p14="http://schemas.microsoft.com/office/powerpoint/2010/main" val="2337725177"/>
+        <p14:creationId xmlns:p14="http://schemas.microsoft.com/office/powerpoint/2010/main" xmlns="" val="2337725177"/>
       </p:ext>
     </p:extLst>
   </p:cSld>
@@ -11606,11 +11128,7 @@
             </a:pPr>
             <a:r>
               <a:rPr lang="en-US" sz="2800" dirty="0" smtClean="0"/>
-              <a:t>HTTP </a:t>
-            </a:r>
-            <a:r>
-              <a:rPr lang="en-US" sz="2800" dirty="0" smtClean="0"/>
-              <a:t>GET requests </a:t>
+              <a:t>HTTP GET requests </a:t>
             </a:r>
           </a:p>
           <a:p>
@@ -11623,7 +11141,6 @@
               <a:rPr lang="en-US" sz="2800" dirty="0" smtClean="0"/>
               <a:t>XML responses</a:t>
             </a:r>
-            <a:endParaRPr lang="en-US" sz="2800" dirty="0" smtClean="0"/>
           </a:p>
           <a:p>
             <a:pPr>
@@ -11633,11 +11150,7 @@
             </a:pPr>
             <a:r>
               <a:rPr lang="en-US" sz="2800" dirty="0" smtClean="0"/>
-              <a:t>“</a:t>
-            </a:r>
-            <a:r>
-              <a:rPr lang="en-US" sz="2800" dirty="0" smtClean="0"/>
-              <a:t>verbs” used to request data</a:t>
+              <a:t>“verbs” used to request data</a:t>
             </a:r>
           </a:p>
           <a:p>
@@ -11755,7 +11268,7 @@
     </p:spTree>
     <p:extLst>
       <p:ext uri="{BB962C8B-B14F-4D97-AF65-F5344CB8AC3E}">
-        <p14:creationId xmlns:p14="http://schemas.microsoft.com/office/powerpoint/2010/main" val="3507990499"/>
+        <p14:creationId xmlns:p14="http://schemas.microsoft.com/office/powerpoint/2010/main" xmlns="" val="3507990499"/>
       </p:ext>
     </p:extLst>
   </p:cSld>
@@ -11898,7 +11411,7 @@
     </p:spTree>
     <p:extLst>
       <p:ext uri="{BB962C8B-B14F-4D97-AF65-F5344CB8AC3E}">
-        <p14:creationId xmlns:p14="http://schemas.microsoft.com/office/powerpoint/2010/main" val="4021351983"/>
+        <p14:creationId xmlns:p14="http://schemas.microsoft.com/office/powerpoint/2010/main" xmlns="" val="4021351983"/>
       </p:ext>
     </p:extLst>
   </p:cSld>
@@ -11993,7 +11506,7 @@
     </p:spTree>
     <p:extLst>
       <p:ext uri="{BB962C8B-B14F-4D97-AF65-F5344CB8AC3E}">
-        <p14:creationId xmlns:p14="http://schemas.microsoft.com/office/powerpoint/2010/main" val="269176317"/>
+        <p14:creationId xmlns:p14="http://schemas.microsoft.com/office/powerpoint/2010/main" xmlns="" val="269176317"/>
       </p:ext>
     </p:extLst>
   </p:cSld>
@@ -12118,7 +11631,6 @@
               <a:rPr lang="en-US" sz="2400" dirty="0" smtClean="0"/>
               <a:t>Metadata and Text</a:t>
             </a:r>
-            <a:endParaRPr lang="en-US" sz="2400" dirty="0" smtClean="0"/>
           </a:p>
           <a:p>
             <a:r>
@@ -12142,7 +11654,7 @@
     </p:spTree>
     <p:extLst>
       <p:ext uri="{BB962C8B-B14F-4D97-AF65-F5344CB8AC3E}">
-        <p14:creationId xmlns:p14="http://schemas.microsoft.com/office/powerpoint/2010/main" val="3617054278"/>
+        <p14:creationId xmlns:p14="http://schemas.microsoft.com/office/powerpoint/2010/main" xmlns="" val="3617054278"/>
       </p:ext>
     </p:extLst>
   </p:cSld>
@@ -12237,7 +11749,7 @@
     </p:spTree>
     <p:extLst>
       <p:ext uri="{BB962C8B-B14F-4D97-AF65-F5344CB8AC3E}">
-        <p14:creationId xmlns:p14="http://schemas.microsoft.com/office/powerpoint/2010/main" val="3057094392"/>
+        <p14:creationId xmlns:p14="http://schemas.microsoft.com/office/powerpoint/2010/main" xmlns="" val="3057094392"/>
       </p:ext>
     </p:extLst>
   </p:cSld>
@@ -13573,7 +13085,7 @@
     </p:spTree>
     <p:extLst>
       <p:ext uri="{BB962C8B-B14F-4D97-AF65-F5344CB8AC3E}">
-        <p14:creationId xmlns:p14="http://schemas.microsoft.com/office/powerpoint/2010/main" val="1445642125"/>
+        <p14:creationId xmlns:p14="http://schemas.microsoft.com/office/powerpoint/2010/main" xmlns="" val="1445642125"/>
       </p:ext>
     </p:extLst>
   </p:cSld>
@@ -13699,7 +13211,7 @@
           <a:blip r:embed="rId3" cstate="print">
             <a:extLst>
               <a:ext uri="{28A0092B-C50C-407E-A947-70E740481C1C}">
-                <a14:useLocalDpi xmlns:a14="http://schemas.microsoft.com/office/drawing/2010/main" val="0"/>
+                <a14:useLocalDpi xmlns:a14="http://schemas.microsoft.com/office/drawing/2010/main" xmlns="" val="0"/>
               </a:ext>
             </a:extLst>
           </a:blip>
@@ -13723,14 +13235,14 @@
           <a:effectLst/>
           <a:extLst>
             <a:ext uri="{909E8E84-426E-40DD-AFC4-6F175D3DCCD1}">
-              <a14:hiddenFill xmlns:a14="http://schemas.microsoft.com/office/drawing/2010/main">
+              <a14:hiddenFill xmlns:a14="http://schemas.microsoft.com/office/drawing/2010/main" xmlns="">
                 <a:solidFill>
                   <a:schemeClr val="accent1"/>
                 </a:solidFill>
               </a14:hiddenFill>
             </a:ext>
             <a:ext uri="{91240B29-F687-4F45-9708-019B960494DF}">
-              <a14:hiddenLine xmlns:a14="http://schemas.microsoft.com/office/drawing/2010/main" w="9525">
+              <a14:hiddenLine xmlns:a14="http://schemas.microsoft.com/office/drawing/2010/main" xmlns="" w="9525">
                 <a:solidFill>
                   <a:schemeClr val="tx1"/>
                 </a:solidFill>
@@ -13740,7 +13252,7 @@
               </a14:hiddenLine>
             </a:ext>
             <a:ext uri="{AF507438-7753-43E0-B8FC-AC1667EBCBE1}">
-              <a14:hiddenEffects xmlns:a14="http://schemas.microsoft.com/office/drawing/2010/main">
+              <a14:hiddenEffects xmlns:a14="http://schemas.microsoft.com/office/drawing/2010/main" xmlns="">
                 <a:effectLst>
                   <a:outerShdw dist="35921" dir="2700000" algn="ctr" rotWithShape="0">
                     <a:schemeClr val="bg2"/>
@@ -13754,7 +13266,7 @@
     </p:spTree>
     <p:extLst>
       <p:ext uri="{BB962C8B-B14F-4D97-AF65-F5344CB8AC3E}">
-        <p14:creationId xmlns:p14="http://schemas.microsoft.com/office/powerpoint/2010/main" val="1235334137"/>
+        <p14:creationId xmlns:p14="http://schemas.microsoft.com/office/powerpoint/2010/main" xmlns="" val="1235334137"/>
       </p:ext>
     </p:extLst>
   </p:cSld>
@@ -13908,7 +13420,7 @@
     </p:spTree>
     <p:extLst>
       <p:ext uri="{BB962C8B-B14F-4D97-AF65-F5344CB8AC3E}">
-        <p14:creationId xmlns:p14="http://schemas.microsoft.com/office/powerpoint/2010/main" val="2182676377"/>
+        <p14:creationId xmlns:p14="http://schemas.microsoft.com/office/powerpoint/2010/main" xmlns="" val="2182676377"/>
       </p:ext>
     </p:extLst>
   </p:cSld>
@@ -13993,16 +13505,12 @@
           <a:p>
             <a:pPr lvl="1"/>
             <a:r>
-              <a:rPr lang="en-US" sz="2400" dirty="0" smtClean="0">
-                <a:solidFill>
-                  <a:srgbClr val="FF0000"/>
-                </a:solidFill>
-              </a:rPr>
-              <a:t>NEED LINK HERE!!!</a:t>
-            </a:r>
-            <a:endParaRPr lang="en-US" sz="2400" dirty="0">
+              <a:rPr lang="en-US" sz="2400" dirty="0" smtClean="0"/>
+              <a:t>https://github.com/mlichtenberg/TDWG17</a:t>
+            </a:r>
+            <a:endParaRPr lang="en-US" sz="2400" dirty="0" smtClean="0">
               <a:solidFill>
-                <a:srgbClr val="FF0000"/>
+                <a:schemeClr val="tx1"/>
               </a:solidFill>
             </a:endParaRPr>
           </a:p>
@@ -14016,7 +13524,11 @@
             <a:pPr lvl="1"/>
             <a:r>
               <a:rPr lang="en-US" sz="2400" dirty="0" smtClean="0"/>
-              <a:t>https://biodivlib.wikispaces.com/Data+Exports</a:t>
+              <a:t>https</a:t>
+            </a:r>
+            <a:r>
+              <a:rPr lang="en-US" sz="2400" dirty="0" smtClean="0"/>
+              <a:t>://biodivlib.wikispaces.com/Data+Exports</a:t>
             </a:r>
           </a:p>
           <a:p>
@@ -14068,7 +13580,7 @@
           <a:blip r:embed="rId3" cstate="print">
             <a:extLst>
               <a:ext uri="{28A0092B-C50C-407E-A947-70E740481C1C}">
-                <a14:useLocalDpi xmlns:a14="http://schemas.microsoft.com/office/drawing/2010/main" val="0"/>
+                <a14:useLocalDpi xmlns:a14="http://schemas.microsoft.com/office/drawing/2010/main" xmlns="" val="0"/>
               </a:ext>
             </a:extLst>
           </a:blip>
@@ -14089,7 +13601,7 @@
     </p:spTree>
     <p:extLst>
       <p:ext uri="{BB962C8B-B14F-4D97-AF65-F5344CB8AC3E}">
-        <p14:creationId xmlns:p14="http://schemas.microsoft.com/office/powerpoint/2010/main" val="2109476903"/>
+        <p14:creationId xmlns:p14="http://schemas.microsoft.com/office/powerpoint/2010/main" xmlns="" val="2109476903"/>
       </p:ext>
     </p:extLst>
   </p:cSld>
@@ -14416,7 +13928,7 @@
           <a:blip r:embed="rId3" cstate="print">
             <a:extLst>
               <a:ext uri="{28A0092B-C50C-407E-A947-70E740481C1C}">
-                <a14:useLocalDpi xmlns:a14="http://schemas.microsoft.com/office/drawing/2010/main" val="0"/>
+                <a14:useLocalDpi xmlns:a14="http://schemas.microsoft.com/office/drawing/2010/main" xmlns="" val="0"/>
               </a:ext>
             </a:extLst>
           </a:blip>
@@ -14504,7 +14016,7 @@
     </p:spTree>
     <p:extLst>
       <p:ext uri="{BB962C8B-B14F-4D97-AF65-F5344CB8AC3E}">
-        <p14:creationId xmlns:p14="http://schemas.microsoft.com/office/powerpoint/2010/main" val="169160865"/>
+        <p14:creationId xmlns:p14="http://schemas.microsoft.com/office/powerpoint/2010/main" xmlns="" val="169160865"/>
       </p:ext>
     </p:extLst>
   </p:cSld>
@@ -14634,7 +14146,7 @@
           <a:blip r:embed="rId3" cstate="print">
             <a:extLst>
               <a:ext uri="{28A0092B-C50C-407E-A947-70E740481C1C}">
-                <a14:useLocalDpi xmlns:a14="http://schemas.microsoft.com/office/drawing/2010/main" val="0"/>
+                <a14:useLocalDpi xmlns:a14="http://schemas.microsoft.com/office/drawing/2010/main" xmlns="" val="0"/>
               </a:ext>
             </a:extLst>
           </a:blip>
@@ -14658,14 +14170,14 @@
           <a:effectLst/>
           <a:extLst>
             <a:ext uri="{909E8E84-426E-40DD-AFC4-6F175D3DCCD1}">
-              <a14:hiddenFill xmlns:a14="http://schemas.microsoft.com/office/drawing/2010/main">
+              <a14:hiddenFill xmlns:a14="http://schemas.microsoft.com/office/drawing/2010/main" xmlns="">
                 <a:solidFill>
                   <a:schemeClr val="accent1"/>
                 </a:solidFill>
               </a14:hiddenFill>
             </a:ext>
             <a:ext uri="{91240B29-F687-4F45-9708-019B960494DF}">
-              <a14:hiddenLine xmlns:a14="http://schemas.microsoft.com/office/drawing/2010/main" w="9525">
+              <a14:hiddenLine xmlns:a14="http://schemas.microsoft.com/office/drawing/2010/main" xmlns="" w="9525">
                 <a:solidFill>
                   <a:schemeClr val="tx1"/>
                 </a:solidFill>
@@ -14675,7 +14187,7 @@
               </a14:hiddenLine>
             </a:ext>
             <a:ext uri="{AF507438-7753-43E0-B8FC-AC1667EBCBE1}">
-              <a14:hiddenEffects xmlns:a14="http://schemas.microsoft.com/office/drawing/2010/main">
+              <a14:hiddenEffects xmlns:a14="http://schemas.microsoft.com/office/drawing/2010/main" xmlns="">
                 <a:effectLst>
                   <a:outerShdw dist="35921" dir="2700000" algn="ctr" rotWithShape="0">
                     <a:schemeClr val="bg2"/>
@@ -14689,7 +14201,7 @@
     </p:spTree>
     <p:extLst>
       <p:ext uri="{BB962C8B-B14F-4D97-AF65-F5344CB8AC3E}">
-        <p14:creationId xmlns:p14="http://schemas.microsoft.com/office/powerpoint/2010/main" val="1463292228"/>
+        <p14:creationId xmlns:p14="http://schemas.microsoft.com/office/powerpoint/2010/main" xmlns="" val="1463292228"/>
       </p:ext>
     </p:extLst>
   </p:cSld>
@@ -14962,7 +14474,7 @@
     </p:spTree>
     <p:extLst>
       <p:ext uri="{BB962C8B-B14F-4D97-AF65-F5344CB8AC3E}">
-        <p14:creationId xmlns:p14="http://schemas.microsoft.com/office/powerpoint/2010/main" val="1530659656"/>
+        <p14:creationId xmlns:p14="http://schemas.microsoft.com/office/powerpoint/2010/main" xmlns="" val="1530659656"/>
       </p:ext>
     </p:extLst>
   </p:cSld>
@@ -15120,7 +14632,7 @@
     </p:spTree>
     <p:extLst>
       <p:ext uri="{BB962C8B-B14F-4D97-AF65-F5344CB8AC3E}">
-        <p14:creationId xmlns:p14="http://schemas.microsoft.com/office/powerpoint/2010/main" val="3624246759"/>
+        <p14:creationId xmlns:p14="http://schemas.microsoft.com/office/powerpoint/2010/main" xmlns="" val="3624246759"/>
       </p:ext>
     </p:extLst>
   </p:cSld>
@@ -15298,7 +14810,7 @@
     </p:spTree>
     <p:extLst>
       <p:ext uri="{BB962C8B-B14F-4D97-AF65-F5344CB8AC3E}">
-        <p14:creationId xmlns:p14="http://schemas.microsoft.com/office/powerpoint/2010/main" val="128529910"/>
+        <p14:creationId xmlns:p14="http://schemas.microsoft.com/office/powerpoint/2010/main" xmlns="" val="128529910"/>
       </p:ext>
     </p:extLst>
   </p:cSld>
@@ -15688,7 +15200,7 @@
           <a:blip r:embed="rId3" cstate="print">
             <a:extLst>
               <a:ext uri="{28A0092B-C50C-407E-A947-70E740481C1C}">
-                <a14:useLocalDpi xmlns:a14="http://schemas.microsoft.com/office/drawing/2010/main" val="0"/>
+                <a14:useLocalDpi xmlns:a14="http://schemas.microsoft.com/office/drawing/2010/main" xmlns="" val="0"/>
               </a:ext>
             </a:extLst>
           </a:blip>
@@ -15712,14 +15224,14 @@
           <a:effectLst/>
           <a:extLst>
             <a:ext uri="{909E8E84-426E-40DD-AFC4-6F175D3DCCD1}">
-              <a14:hiddenFill xmlns:a14="http://schemas.microsoft.com/office/drawing/2010/main">
+              <a14:hiddenFill xmlns:a14="http://schemas.microsoft.com/office/drawing/2010/main" xmlns="">
                 <a:solidFill>
                   <a:schemeClr val="accent1"/>
                 </a:solidFill>
               </a14:hiddenFill>
             </a:ext>
             <a:ext uri="{91240B29-F687-4F45-9708-019B960494DF}">
-              <a14:hiddenLine xmlns:a14="http://schemas.microsoft.com/office/drawing/2010/main" w="9525">
+              <a14:hiddenLine xmlns:a14="http://schemas.microsoft.com/office/drawing/2010/main" xmlns="" w="9525">
                 <a:solidFill>
                   <a:schemeClr val="tx1"/>
                 </a:solidFill>
@@ -15729,7 +15241,7 @@
               </a14:hiddenLine>
             </a:ext>
             <a:ext uri="{AF507438-7753-43E0-B8FC-AC1667EBCBE1}">
-              <a14:hiddenEffects xmlns:a14="http://schemas.microsoft.com/office/drawing/2010/main">
+              <a14:hiddenEffects xmlns:a14="http://schemas.microsoft.com/office/drawing/2010/main" xmlns="">
                 <a:effectLst>
                   <a:outerShdw dist="35921" dir="2700000" algn="ctr" rotWithShape="0">
                     <a:schemeClr val="bg2"/>
@@ -15743,7 +15255,7 @@
     </p:spTree>
     <p:extLst>
       <p:ext uri="{BB962C8B-B14F-4D97-AF65-F5344CB8AC3E}">
-        <p14:creationId xmlns:p14="http://schemas.microsoft.com/office/powerpoint/2010/main" val="1749797692"/>
+        <p14:creationId xmlns:p14="http://schemas.microsoft.com/office/powerpoint/2010/main" xmlns="" val="1749797692"/>
       </p:ext>
     </p:extLst>
   </p:cSld>
@@ -15842,7 +15354,6 @@
               <a:rPr lang="en-US" sz="2800" dirty="0" smtClean="0"/>
               <a:t>Pagination data</a:t>
             </a:r>
-            <a:endParaRPr lang="en-US" sz="2800" dirty="0" smtClean="0"/>
           </a:p>
           <a:p>
             <a:r>
@@ -15881,14 +15392,13 @@
               <a:rPr lang="en-US" sz="2800" dirty="0" smtClean="0"/>
               <a:t>)</a:t>
             </a:r>
-            <a:endParaRPr lang="en-US" sz="2800" dirty="0" smtClean="0"/>
           </a:p>
         </p:txBody>
       </p:sp>
     </p:spTree>
     <p:extLst>
       <p:ext uri="{BB962C8B-B14F-4D97-AF65-F5344CB8AC3E}">
-        <p14:creationId xmlns:p14="http://schemas.microsoft.com/office/powerpoint/2010/main" val="3082562895"/>
+        <p14:creationId xmlns:p14="http://schemas.microsoft.com/office/powerpoint/2010/main" xmlns="" val="3082562895"/>
       </p:ext>
     </p:extLst>
   </p:cSld>
@@ -16037,7 +15547,7 @@
     </p:spTree>
     <p:extLst>
       <p:ext uri="{BB962C8B-B14F-4D97-AF65-F5344CB8AC3E}">
-        <p14:creationId xmlns:p14="http://schemas.microsoft.com/office/powerpoint/2010/main" val="3972295608"/>
+        <p14:creationId xmlns:p14="http://schemas.microsoft.com/office/powerpoint/2010/main" xmlns="" val="3972295608"/>
       </p:ext>
     </p:extLst>
   </p:cSld>
@@ -16168,7 +15678,7 @@
     </p:spTree>
     <p:extLst>
       <p:ext uri="{BB962C8B-B14F-4D97-AF65-F5344CB8AC3E}">
-        <p14:creationId xmlns:p14="http://schemas.microsoft.com/office/powerpoint/2010/main" val="819861494"/>
+        <p14:creationId xmlns:p14="http://schemas.microsoft.com/office/powerpoint/2010/main" xmlns="" val="819861494"/>
       </p:ext>
     </p:extLst>
   </p:cSld>
@@ -16300,7 +15810,7 @@
           <a:blip r:embed="rId3" cstate="print">
             <a:extLst>
               <a:ext uri="{28A0092B-C50C-407E-A947-70E740481C1C}">
-                <a14:useLocalDpi xmlns:a14="http://schemas.microsoft.com/office/drawing/2010/main" val="0"/>
+                <a14:useLocalDpi xmlns:a14="http://schemas.microsoft.com/office/drawing/2010/main" xmlns="" val="0"/>
               </a:ext>
             </a:extLst>
           </a:blip>
@@ -16324,14 +15834,14 @@
           <a:effectLst/>
           <a:extLst>
             <a:ext uri="{909E8E84-426E-40DD-AFC4-6F175D3DCCD1}">
-              <a14:hiddenFill xmlns:a14="http://schemas.microsoft.com/office/drawing/2010/main">
+              <a14:hiddenFill xmlns:a14="http://schemas.microsoft.com/office/drawing/2010/main" xmlns="">
                 <a:solidFill>
                   <a:schemeClr val="accent1"/>
                 </a:solidFill>
               </a14:hiddenFill>
             </a:ext>
             <a:ext uri="{91240B29-F687-4F45-9708-019B960494DF}">
-              <a14:hiddenLine xmlns:a14="http://schemas.microsoft.com/office/drawing/2010/main" w="9525">
+              <a14:hiddenLine xmlns:a14="http://schemas.microsoft.com/office/drawing/2010/main" xmlns="" w="9525">
                 <a:solidFill>
                   <a:schemeClr val="tx1"/>
                 </a:solidFill>
@@ -16341,7 +15851,7 @@
               </a14:hiddenLine>
             </a:ext>
             <a:ext uri="{AF507438-7753-43E0-B8FC-AC1667EBCBE1}">
-              <a14:hiddenEffects xmlns:a14="http://schemas.microsoft.com/office/drawing/2010/main">
+              <a14:hiddenEffects xmlns:a14="http://schemas.microsoft.com/office/drawing/2010/main" xmlns="">
                 <a:effectLst>
                   <a:outerShdw dist="35921" dir="2700000" algn="ctr" rotWithShape="0">
                     <a:schemeClr val="bg2"/>
@@ -16355,7 +15865,7 @@
     </p:spTree>
     <p:extLst>
       <p:ext uri="{BB962C8B-B14F-4D97-AF65-F5344CB8AC3E}">
-        <p14:creationId xmlns:p14="http://schemas.microsoft.com/office/powerpoint/2010/main" val="343431817"/>
+        <p14:creationId xmlns:p14="http://schemas.microsoft.com/office/powerpoint/2010/main" xmlns="" val="343431817"/>
       </p:ext>
     </p:extLst>
   </p:cSld>
@@ -16508,13 +16018,8 @@
           <a:p>
             <a:r>
               <a:rPr lang="en-US" sz="2800" dirty="0" smtClean="0"/>
-              <a:t>http</a:t>
-            </a:r>
-            <a:r>
-              <a:rPr lang="en-US" sz="2800" dirty="0" smtClean="0"/>
-              <a:t>://biodiversitylibrary.org/data</a:t>
-            </a:r>
-            <a:endParaRPr lang="en-US" sz="2800" dirty="0" smtClean="0"/>
+              <a:t>http://biodiversitylibrary.org/data</a:t>
+            </a:r>
           </a:p>
           <a:p>
             <a:pPr>
@@ -16535,7 +16040,7 @@
     </p:spTree>
     <p:extLst>
       <p:ext uri="{BB962C8B-B14F-4D97-AF65-F5344CB8AC3E}">
-        <p14:creationId xmlns:p14="http://schemas.microsoft.com/office/powerpoint/2010/main" val="4195191575"/>
+        <p14:creationId xmlns:p14="http://schemas.microsoft.com/office/powerpoint/2010/main" xmlns="" val="4195191575"/>
       </p:ext>
     </p:extLst>
   </p:cSld>

--- a/BallroomA_Wednesday_1100_Lichtenberg/BallroomA_Wednesday_1100_Lichtenberg.pptx
+++ b/BallroomA_Wednesday_1100_Lichtenberg/BallroomA_Wednesday_1100_Lichtenberg.pptx
@@ -134,7 +134,7 @@
   </p:defaultTextStyle>
   <p:extLst>
     <p:ext uri="{EFAFB233-063F-42B5-8137-9DF3F51BA10A}">
-      <p15:sldGuideLst xmlns="" xmlns:p15="http://schemas.microsoft.com/office/powerpoint/2012/main">
+      <p15:sldGuideLst xmlns:p15="http://schemas.microsoft.com/office/powerpoint/2012/main" xmlns="">
         <p15:guide id="1" orient="horz" pos="2160">
           <p15:clr>
             <a:srgbClr val="A4A3A4"/>
@@ -234,7 +234,7 @@
             <a:fld id="{A4076B97-77BE-4089-B3C3-FDBC79649A58}" type="datetimeFigureOut">
               <a:rPr lang="en-US" smtClean="0"/>
               <a:pPr/>
-              <a:t>10/1/2017</a:t>
+              <a:t>10/2/2017</a:t>
             </a:fld>
             <a:endParaRPr lang="en-US"/>
           </a:p>
@@ -310,7 +310,7 @@
     </p:spTree>
     <p:extLst>
       <p:ext uri="{BB962C8B-B14F-4D97-AF65-F5344CB8AC3E}">
-        <p14:creationId xmlns:p14="http://schemas.microsoft.com/office/powerpoint/2010/main" xmlns="" val="1542679036"/>
+        <p14:creationId xmlns="" xmlns:p14="http://schemas.microsoft.com/office/powerpoint/2010/main" val="1542679036"/>
       </p:ext>
     </p:extLst>
   </p:cSld>
@@ -401,7 +401,7 @@
             <a:fld id="{0F20EE3F-066A-464D-B097-D1A3B5F04D50}" type="datetimeFigureOut">
               <a:rPr lang="en-US" smtClean="0"/>
               <a:pPr/>
-              <a:t>10/1/2017</a:t>
+              <a:t>10/2/2017</a:t>
             </a:fld>
             <a:endParaRPr lang="en-US"/>
           </a:p>
@@ -570,7 +570,7 @@
     </p:spTree>
     <p:extLst>
       <p:ext uri="{BB962C8B-B14F-4D97-AF65-F5344CB8AC3E}">
-        <p14:creationId xmlns:p14="http://schemas.microsoft.com/office/powerpoint/2010/main" xmlns="" val="1465351002"/>
+        <p14:creationId xmlns="" xmlns:p14="http://schemas.microsoft.com/office/powerpoint/2010/main" val="1465351002"/>
       </p:ext>
     </p:extLst>
   </p:cSld>
@@ -769,7 +769,7 @@
     </p:spTree>
     <p:extLst>
       <p:ext uri="{BB962C8B-B14F-4D97-AF65-F5344CB8AC3E}">
-        <p14:creationId xmlns:p14="http://schemas.microsoft.com/office/powerpoint/2010/main" xmlns="" val="4098884712"/>
+        <p14:creationId xmlns="" xmlns:p14="http://schemas.microsoft.com/office/powerpoint/2010/main" val="4098884712"/>
       </p:ext>
     </p:extLst>
   </p:cSld>
@@ -1087,7 +1087,7 @@
     </p:spTree>
     <p:extLst>
       <p:ext uri="{BB962C8B-B14F-4D97-AF65-F5344CB8AC3E}">
-        <p14:creationId xmlns:p14="http://schemas.microsoft.com/office/powerpoint/2010/main" xmlns="" val="1056626509"/>
+        <p14:creationId xmlns="" xmlns:p14="http://schemas.microsoft.com/office/powerpoint/2010/main" val="1056626509"/>
       </p:ext>
     </p:extLst>
   </p:cSld>
@@ -1283,7 +1283,7 @@
     </p:spTree>
     <p:extLst>
       <p:ext uri="{BB962C8B-B14F-4D97-AF65-F5344CB8AC3E}">
-        <p14:creationId xmlns:p14="http://schemas.microsoft.com/office/powerpoint/2010/main" xmlns="" val="186999312"/>
+        <p14:creationId xmlns="" xmlns:p14="http://schemas.microsoft.com/office/powerpoint/2010/main" val="186999312"/>
       </p:ext>
     </p:extLst>
   </p:cSld>
@@ -1398,7 +1398,7 @@
     </p:spTree>
     <p:extLst>
       <p:ext uri="{BB962C8B-B14F-4D97-AF65-F5344CB8AC3E}">
-        <p14:creationId xmlns:p14="http://schemas.microsoft.com/office/powerpoint/2010/main" xmlns="" val="1984052621"/>
+        <p14:creationId xmlns="" xmlns:p14="http://schemas.microsoft.com/office/powerpoint/2010/main" val="1984052621"/>
       </p:ext>
     </p:extLst>
   </p:cSld>
@@ -1692,7 +1692,7 @@
     </p:spTree>
     <p:extLst>
       <p:ext uri="{BB962C8B-B14F-4D97-AF65-F5344CB8AC3E}">
-        <p14:creationId xmlns:p14="http://schemas.microsoft.com/office/powerpoint/2010/main" xmlns="" val="2255951382"/>
+        <p14:creationId xmlns="" xmlns:p14="http://schemas.microsoft.com/office/powerpoint/2010/main" val="2255951382"/>
       </p:ext>
     </p:extLst>
   </p:cSld>
@@ -1800,7 +1800,7 @@
     </p:spTree>
     <p:extLst>
       <p:ext uri="{BB962C8B-B14F-4D97-AF65-F5344CB8AC3E}">
-        <p14:creationId xmlns:p14="http://schemas.microsoft.com/office/powerpoint/2010/main" xmlns="" val="1368255976"/>
+        <p14:creationId xmlns="" xmlns:p14="http://schemas.microsoft.com/office/powerpoint/2010/main" val="1368255976"/>
       </p:ext>
     </p:extLst>
   </p:cSld>
@@ -1913,7 +1913,7 @@
     </p:spTree>
     <p:extLst>
       <p:ext uri="{BB962C8B-B14F-4D97-AF65-F5344CB8AC3E}">
-        <p14:creationId xmlns:p14="http://schemas.microsoft.com/office/powerpoint/2010/main" xmlns="" val="3091952112"/>
+        <p14:creationId xmlns="" xmlns:p14="http://schemas.microsoft.com/office/powerpoint/2010/main" val="3091952112"/>
       </p:ext>
     </p:extLst>
   </p:cSld>
@@ -2056,7 +2056,7 @@
     </p:spTree>
     <p:extLst>
       <p:ext uri="{BB962C8B-B14F-4D97-AF65-F5344CB8AC3E}">
-        <p14:creationId xmlns:p14="http://schemas.microsoft.com/office/powerpoint/2010/main" xmlns="" val="1420271675"/>
+        <p14:creationId xmlns="" xmlns:p14="http://schemas.microsoft.com/office/powerpoint/2010/main" val="1420271675"/>
       </p:ext>
     </p:extLst>
   </p:cSld>
@@ -2348,7 +2348,7 @@
     </p:spTree>
     <p:extLst>
       <p:ext uri="{BB962C8B-B14F-4D97-AF65-F5344CB8AC3E}">
-        <p14:creationId xmlns:p14="http://schemas.microsoft.com/office/powerpoint/2010/main" xmlns="" val="519396750"/>
+        <p14:creationId xmlns="" xmlns:p14="http://schemas.microsoft.com/office/powerpoint/2010/main" val="519396750"/>
       </p:ext>
     </p:extLst>
   </p:cSld>
@@ -2461,7 +2461,7 @@
     </p:spTree>
     <p:extLst>
       <p:ext uri="{BB962C8B-B14F-4D97-AF65-F5344CB8AC3E}">
-        <p14:creationId xmlns:p14="http://schemas.microsoft.com/office/powerpoint/2010/main" xmlns="" val="2492857078"/>
+        <p14:creationId xmlns="" xmlns:p14="http://schemas.microsoft.com/office/powerpoint/2010/main" val="2492857078"/>
       </p:ext>
     </p:extLst>
   </p:cSld>
@@ -2581,7 +2581,7 @@
     </p:spTree>
     <p:extLst>
       <p:ext uri="{BB962C8B-B14F-4D97-AF65-F5344CB8AC3E}">
-        <p14:creationId xmlns:p14="http://schemas.microsoft.com/office/powerpoint/2010/main" xmlns="" val="3161249615"/>
+        <p14:creationId xmlns="" xmlns:p14="http://schemas.microsoft.com/office/powerpoint/2010/main" val="3161249615"/>
       </p:ext>
     </p:extLst>
   </p:cSld>
@@ -2938,7 +2938,7 @@
     </p:spTree>
     <p:extLst>
       <p:ext uri="{BB962C8B-B14F-4D97-AF65-F5344CB8AC3E}">
-        <p14:creationId xmlns:p14="http://schemas.microsoft.com/office/powerpoint/2010/main" xmlns="" val="2163336662"/>
+        <p14:creationId xmlns="" xmlns:p14="http://schemas.microsoft.com/office/powerpoint/2010/main" val="2163336662"/>
       </p:ext>
     </p:extLst>
   </p:cSld>
@@ -3111,7 +3111,7 @@
     </p:spTree>
     <p:extLst>
       <p:ext uri="{BB962C8B-B14F-4D97-AF65-F5344CB8AC3E}">
-        <p14:creationId xmlns:p14="http://schemas.microsoft.com/office/powerpoint/2010/main" xmlns="" val="1254822975"/>
+        <p14:creationId xmlns="" xmlns:p14="http://schemas.microsoft.com/office/powerpoint/2010/main" val="1254822975"/>
       </p:ext>
     </p:extLst>
   </p:cSld>
@@ -3245,7 +3245,7 @@
     </p:spTree>
     <p:extLst>
       <p:ext uri="{BB962C8B-B14F-4D97-AF65-F5344CB8AC3E}">
-        <p14:creationId xmlns:p14="http://schemas.microsoft.com/office/powerpoint/2010/main" xmlns="" val="3860997776"/>
+        <p14:creationId xmlns="" xmlns:p14="http://schemas.microsoft.com/office/powerpoint/2010/main" val="3860997776"/>
       </p:ext>
     </p:extLst>
   </p:cSld>
@@ -3654,7 +3654,7 @@
     </p:spTree>
     <p:extLst>
       <p:ext uri="{BB962C8B-B14F-4D97-AF65-F5344CB8AC3E}">
-        <p14:creationId xmlns:p14="http://schemas.microsoft.com/office/powerpoint/2010/main" xmlns="" val="881293455"/>
+        <p14:creationId xmlns="" xmlns:p14="http://schemas.microsoft.com/office/powerpoint/2010/main" val="881293455"/>
       </p:ext>
     </p:extLst>
   </p:cSld>
@@ -4325,7 +4325,7 @@
     </p:spTree>
     <p:extLst>
       <p:ext uri="{BB962C8B-B14F-4D97-AF65-F5344CB8AC3E}">
-        <p14:creationId xmlns:p14="http://schemas.microsoft.com/office/powerpoint/2010/main" xmlns="" val="2796509056"/>
+        <p14:creationId xmlns="" xmlns:p14="http://schemas.microsoft.com/office/powerpoint/2010/main" val="2796509056"/>
       </p:ext>
     </p:extLst>
   </p:cSld>
@@ -4471,7 +4471,7 @@
     </p:spTree>
     <p:extLst>
       <p:ext uri="{BB962C8B-B14F-4D97-AF65-F5344CB8AC3E}">
-        <p14:creationId xmlns:p14="http://schemas.microsoft.com/office/powerpoint/2010/main" xmlns="" val="3924599026"/>
+        <p14:creationId xmlns="" xmlns:p14="http://schemas.microsoft.com/office/powerpoint/2010/main" val="3924599026"/>
       </p:ext>
     </p:extLst>
   </p:cSld>
@@ -4627,7 +4627,7 @@
     </p:spTree>
     <p:extLst>
       <p:ext uri="{BB962C8B-B14F-4D97-AF65-F5344CB8AC3E}">
-        <p14:creationId xmlns:p14="http://schemas.microsoft.com/office/powerpoint/2010/main" xmlns="" val="1591452945"/>
+        <p14:creationId xmlns="" xmlns:p14="http://schemas.microsoft.com/office/powerpoint/2010/main" val="1591452945"/>
       </p:ext>
     </p:extLst>
   </p:cSld>
@@ -4858,7 +4858,7 @@
     </p:spTree>
     <p:extLst>
       <p:ext uri="{BB962C8B-B14F-4D97-AF65-F5344CB8AC3E}">
-        <p14:creationId xmlns:p14="http://schemas.microsoft.com/office/powerpoint/2010/main" xmlns="" val="1659397798"/>
+        <p14:creationId xmlns="" xmlns:p14="http://schemas.microsoft.com/office/powerpoint/2010/main" val="1659397798"/>
       </p:ext>
     </p:extLst>
   </p:cSld>
@@ -4980,7 +4980,7 @@
     </p:spTree>
     <p:extLst>
       <p:ext uri="{BB962C8B-B14F-4D97-AF65-F5344CB8AC3E}">
-        <p14:creationId xmlns:p14="http://schemas.microsoft.com/office/powerpoint/2010/main" xmlns="" val="1195562963"/>
+        <p14:creationId xmlns="" xmlns:p14="http://schemas.microsoft.com/office/powerpoint/2010/main" val="1195562963"/>
       </p:ext>
     </p:extLst>
   </p:cSld>
@@ -5133,7 +5133,7 @@
     </p:spTree>
     <p:extLst>
       <p:ext uri="{BB962C8B-B14F-4D97-AF65-F5344CB8AC3E}">
-        <p14:creationId xmlns:p14="http://schemas.microsoft.com/office/powerpoint/2010/main" xmlns="" val="97680472"/>
+        <p14:creationId xmlns="" xmlns:p14="http://schemas.microsoft.com/office/powerpoint/2010/main" val="97680472"/>
       </p:ext>
     </p:extLst>
   </p:cSld>
@@ -5405,7 +5405,7 @@
     </p:spTree>
     <p:extLst>
       <p:ext uri="{BB962C8B-B14F-4D97-AF65-F5344CB8AC3E}">
-        <p14:creationId xmlns:p14="http://schemas.microsoft.com/office/powerpoint/2010/main" xmlns="" val="1462193928"/>
+        <p14:creationId xmlns="" xmlns:p14="http://schemas.microsoft.com/office/powerpoint/2010/main" val="1462193928"/>
       </p:ext>
     </p:extLst>
   </p:cSld>
@@ -5444,7 +5444,7 @@
           <a:blip r:embed="rId2" cstate="print">
             <a:extLst>
               <a:ext uri="{28A0092B-C50C-407E-A947-70E740481C1C}">
-                <a14:useLocalDpi xmlns:a14="http://schemas.microsoft.com/office/drawing/2010/main" xmlns="" val="0"/>
+                <a14:useLocalDpi xmlns="" xmlns:a14="http://schemas.microsoft.com/office/drawing/2010/main" val="0"/>
               </a:ext>
             </a:extLst>
           </a:blip>
@@ -5468,14 +5468,14 @@
           <a:effectLst/>
           <a:extLst>
             <a:ext uri="{909E8E84-426E-40DD-AFC4-6F175D3DCCD1}">
-              <a14:hiddenFill xmlns:a14="http://schemas.microsoft.com/office/drawing/2010/main" xmlns="">
+              <a14:hiddenFill xmlns="" xmlns:a14="http://schemas.microsoft.com/office/drawing/2010/main">
                 <a:solidFill>
                   <a:schemeClr val="accent1"/>
                 </a:solidFill>
               </a14:hiddenFill>
             </a:ext>
             <a:ext uri="{91240B29-F687-4F45-9708-019B960494DF}">
-              <a14:hiddenLine xmlns:a14="http://schemas.microsoft.com/office/drawing/2010/main" xmlns="" w="9525">
+              <a14:hiddenLine xmlns="" xmlns:a14="http://schemas.microsoft.com/office/drawing/2010/main" w="9525">
                 <a:solidFill>
                   <a:schemeClr val="tx1"/>
                 </a:solidFill>
@@ -5485,7 +5485,7 @@
               </a14:hiddenLine>
             </a:ext>
             <a:ext uri="{AF507438-7753-43E0-B8FC-AC1667EBCBE1}">
-              <a14:hiddenEffects xmlns:a14="http://schemas.microsoft.com/office/drawing/2010/main" xmlns="">
+              <a14:hiddenEffects xmlns="" xmlns:a14="http://schemas.microsoft.com/office/drawing/2010/main">
                 <a:effectLst>
                   <a:outerShdw dist="35921" dir="2700000" algn="ctr" rotWithShape="0">
                     <a:schemeClr val="bg2"/>
@@ -5508,7 +5508,7 @@
           <a:blip r:embed="rId3" cstate="print">
             <a:extLst>
               <a:ext uri="{28A0092B-C50C-407E-A947-70E740481C1C}">
-                <a14:useLocalDpi xmlns:a14="http://schemas.microsoft.com/office/drawing/2010/main" xmlns="" val="0"/>
+                <a14:useLocalDpi xmlns="" xmlns:a14="http://schemas.microsoft.com/office/drawing/2010/main" val="0"/>
               </a:ext>
             </a:extLst>
           </a:blip>
@@ -5599,7 +5599,7 @@
     </p:spTree>
     <p:extLst>
       <p:ext uri="{BB962C8B-B14F-4D97-AF65-F5344CB8AC3E}">
-        <p14:creationId xmlns:p14="http://schemas.microsoft.com/office/powerpoint/2010/main" xmlns="" val="2478967282"/>
+        <p14:creationId xmlns="" xmlns:p14="http://schemas.microsoft.com/office/powerpoint/2010/main" val="2478967282"/>
       </p:ext>
     </p:extLst>
   </p:cSld>
@@ -5684,7 +5684,7 @@
           <a:blip r:embed="rId2" cstate="print">
             <a:extLst>
               <a:ext uri="{28A0092B-C50C-407E-A947-70E740481C1C}">
-                <a14:useLocalDpi xmlns:a14="http://schemas.microsoft.com/office/drawing/2010/main" xmlns="" val="0"/>
+                <a14:useLocalDpi xmlns="" xmlns:a14="http://schemas.microsoft.com/office/drawing/2010/main" val="0"/>
               </a:ext>
             </a:extLst>
           </a:blip>
@@ -6038,7 +6038,7 @@
     </p:spTree>
     <p:extLst>
       <p:ext uri="{BB962C8B-B14F-4D97-AF65-F5344CB8AC3E}">
-        <p14:creationId xmlns:p14="http://schemas.microsoft.com/office/powerpoint/2010/main" xmlns="" val="1649327088"/>
+        <p14:creationId xmlns="" xmlns:p14="http://schemas.microsoft.com/office/powerpoint/2010/main" val="1649327088"/>
       </p:ext>
     </p:extLst>
   </p:cSld>
@@ -6463,7 +6463,7 @@
           <a:blip r:embed="rId2" cstate="print">
             <a:extLst>
               <a:ext uri="{28A0092B-C50C-407E-A947-70E740481C1C}">
-                <a14:useLocalDpi xmlns:a14="http://schemas.microsoft.com/office/drawing/2010/main" xmlns="" val="0"/>
+                <a14:useLocalDpi xmlns="" xmlns:a14="http://schemas.microsoft.com/office/drawing/2010/main" val="0"/>
               </a:ext>
             </a:extLst>
           </a:blip>
@@ -6527,7 +6527,7 @@
     </p:spTree>
     <p:extLst>
       <p:ext uri="{BB962C8B-B14F-4D97-AF65-F5344CB8AC3E}">
-        <p14:creationId xmlns:p14="http://schemas.microsoft.com/office/powerpoint/2010/main" xmlns="" val="1675475096"/>
+        <p14:creationId xmlns="" xmlns:p14="http://schemas.microsoft.com/office/powerpoint/2010/main" val="1675475096"/>
       </p:ext>
     </p:extLst>
   </p:cSld>
@@ -6612,7 +6612,7 @@
           <a:blip r:embed="rId2" cstate="print">
             <a:extLst>
               <a:ext uri="{28A0092B-C50C-407E-A947-70E740481C1C}">
-                <a14:useLocalDpi xmlns:a14="http://schemas.microsoft.com/office/drawing/2010/main" xmlns="" val="0"/>
+                <a14:useLocalDpi xmlns="" xmlns:a14="http://schemas.microsoft.com/office/drawing/2010/main" val="0"/>
               </a:ext>
             </a:extLst>
           </a:blip>
@@ -6676,7 +6676,7 @@
     </p:spTree>
     <p:extLst>
       <p:ext uri="{BB962C8B-B14F-4D97-AF65-F5344CB8AC3E}">
-        <p14:creationId xmlns:p14="http://schemas.microsoft.com/office/powerpoint/2010/main" xmlns="" val="3589482103"/>
+        <p14:creationId xmlns="" xmlns:p14="http://schemas.microsoft.com/office/powerpoint/2010/main" val="3589482103"/>
       </p:ext>
     </p:extLst>
   </p:cSld>
@@ -6779,7 +6779,7 @@
     </p:spTree>
     <p:extLst>
       <p:ext uri="{BB962C8B-B14F-4D97-AF65-F5344CB8AC3E}">
-        <p14:creationId xmlns:p14="http://schemas.microsoft.com/office/powerpoint/2010/main" xmlns="" val="3145854839"/>
+        <p14:creationId xmlns="" xmlns:p14="http://schemas.microsoft.com/office/powerpoint/2010/main" val="3145854839"/>
       </p:ext>
     </p:extLst>
   </p:cSld>
@@ -7015,7 +7015,7 @@
           <a:blip r:embed="rId2" cstate="print">
             <a:extLst>
               <a:ext uri="{28A0092B-C50C-407E-A947-70E740481C1C}">
-                <a14:useLocalDpi xmlns:a14="http://schemas.microsoft.com/office/drawing/2010/main" xmlns="" val="0"/>
+                <a14:useLocalDpi xmlns="" xmlns:a14="http://schemas.microsoft.com/office/drawing/2010/main" val="0"/>
               </a:ext>
             </a:extLst>
           </a:blip>
@@ -7082,7 +7082,7 @@
     </p:spTree>
     <p:extLst>
       <p:ext uri="{BB962C8B-B14F-4D97-AF65-F5344CB8AC3E}">
-        <p14:creationId xmlns:p14="http://schemas.microsoft.com/office/powerpoint/2010/main" xmlns="" val="2790897643"/>
+        <p14:creationId xmlns="" xmlns:p14="http://schemas.microsoft.com/office/powerpoint/2010/main" val="2790897643"/>
       </p:ext>
     </p:extLst>
   </p:cSld>
@@ -7167,7 +7167,7 @@
           <a:blip r:embed="rId2" cstate="print">
             <a:extLst>
               <a:ext uri="{28A0092B-C50C-407E-A947-70E740481C1C}">
-                <a14:useLocalDpi xmlns:a14="http://schemas.microsoft.com/office/drawing/2010/main" xmlns="" val="0"/>
+                <a14:useLocalDpi xmlns="" xmlns:a14="http://schemas.microsoft.com/office/drawing/2010/main" val="0"/>
               </a:ext>
             </a:extLst>
           </a:blip>
@@ -7231,7 +7231,7 @@
     </p:spTree>
     <p:extLst>
       <p:ext uri="{BB962C8B-B14F-4D97-AF65-F5344CB8AC3E}">
-        <p14:creationId xmlns:p14="http://schemas.microsoft.com/office/powerpoint/2010/main" xmlns="" val="2318148184"/>
+        <p14:creationId xmlns="" xmlns:p14="http://schemas.microsoft.com/office/powerpoint/2010/main" val="2318148184"/>
       </p:ext>
     </p:extLst>
   </p:cSld>
@@ -7316,7 +7316,7 @@
           <a:blip r:embed="rId2" cstate="print">
             <a:extLst>
               <a:ext uri="{28A0092B-C50C-407E-A947-70E740481C1C}">
-                <a14:useLocalDpi xmlns:a14="http://schemas.microsoft.com/office/drawing/2010/main" xmlns="" val="0"/>
+                <a14:useLocalDpi xmlns="" xmlns:a14="http://schemas.microsoft.com/office/drawing/2010/main" val="0"/>
               </a:ext>
             </a:extLst>
           </a:blip>
@@ -7380,7 +7380,7 @@
     </p:spTree>
     <p:extLst>
       <p:ext uri="{BB962C8B-B14F-4D97-AF65-F5344CB8AC3E}">
-        <p14:creationId xmlns:p14="http://schemas.microsoft.com/office/powerpoint/2010/main" xmlns="" val="20454123"/>
+        <p14:creationId xmlns="" xmlns:p14="http://schemas.microsoft.com/office/powerpoint/2010/main" val="20454123"/>
       </p:ext>
     </p:extLst>
   </p:cSld>
@@ -7465,7 +7465,7 @@
           <a:blip r:embed="rId2" cstate="print">
             <a:extLst>
               <a:ext uri="{28A0092B-C50C-407E-A947-70E740481C1C}">
-                <a14:useLocalDpi xmlns:a14="http://schemas.microsoft.com/office/drawing/2010/main" xmlns="" val="0"/>
+                <a14:useLocalDpi xmlns="" xmlns:a14="http://schemas.microsoft.com/office/drawing/2010/main" val="0"/>
               </a:ext>
             </a:extLst>
           </a:blip>
@@ -7529,7 +7529,7 @@
     </p:spTree>
     <p:extLst>
       <p:ext uri="{BB962C8B-B14F-4D97-AF65-F5344CB8AC3E}">
-        <p14:creationId xmlns:p14="http://schemas.microsoft.com/office/powerpoint/2010/main" xmlns="" val="20454123"/>
+        <p14:creationId xmlns="" xmlns:p14="http://schemas.microsoft.com/office/powerpoint/2010/main" val="20454123"/>
       </p:ext>
     </p:extLst>
   </p:cSld>
@@ -7614,7 +7614,7 @@
           <a:blip r:embed="rId2" cstate="print">
             <a:extLst>
               <a:ext uri="{28A0092B-C50C-407E-A947-70E740481C1C}">
-                <a14:useLocalDpi xmlns:a14="http://schemas.microsoft.com/office/drawing/2010/main" xmlns="" val="0"/>
+                <a14:useLocalDpi xmlns="" xmlns:a14="http://schemas.microsoft.com/office/drawing/2010/main" val="0"/>
               </a:ext>
             </a:extLst>
           </a:blip>
@@ -7678,7 +7678,7 @@
     </p:spTree>
     <p:extLst>
       <p:ext uri="{BB962C8B-B14F-4D97-AF65-F5344CB8AC3E}">
-        <p14:creationId xmlns:p14="http://schemas.microsoft.com/office/powerpoint/2010/main" xmlns="" val="20454123"/>
+        <p14:creationId xmlns="" xmlns:p14="http://schemas.microsoft.com/office/powerpoint/2010/main" val="20454123"/>
       </p:ext>
     </p:extLst>
   </p:cSld>
@@ -7763,7 +7763,7 @@
           <a:blip r:embed="rId2" cstate="print">
             <a:extLst>
               <a:ext uri="{28A0092B-C50C-407E-A947-70E740481C1C}">
-                <a14:useLocalDpi xmlns:a14="http://schemas.microsoft.com/office/drawing/2010/main" xmlns="" val="0"/>
+                <a14:useLocalDpi xmlns="" xmlns:a14="http://schemas.microsoft.com/office/drawing/2010/main" val="0"/>
               </a:ext>
             </a:extLst>
           </a:blip>
@@ -7827,7 +7827,7 @@
     </p:spTree>
     <p:extLst>
       <p:ext uri="{BB962C8B-B14F-4D97-AF65-F5344CB8AC3E}">
-        <p14:creationId xmlns:p14="http://schemas.microsoft.com/office/powerpoint/2010/main" xmlns="" val="20454123"/>
+        <p14:creationId xmlns="" xmlns:p14="http://schemas.microsoft.com/office/powerpoint/2010/main" val="20454123"/>
       </p:ext>
     </p:extLst>
   </p:cSld>
@@ -7866,7 +7866,7 @@
           <a:blip r:embed="rId2" cstate="print">
             <a:extLst>
               <a:ext uri="{28A0092B-C50C-407E-A947-70E740481C1C}">
-                <a14:useLocalDpi xmlns:a14="http://schemas.microsoft.com/office/drawing/2010/main" xmlns="" val="0"/>
+                <a14:useLocalDpi xmlns="" xmlns:a14="http://schemas.microsoft.com/office/drawing/2010/main" val="0"/>
               </a:ext>
             </a:extLst>
           </a:blip>
@@ -7890,14 +7890,14 @@
           <a:effectLst/>
           <a:extLst>
             <a:ext uri="{909E8E84-426E-40DD-AFC4-6F175D3DCCD1}">
-              <a14:hiddenFill xmlns:a14="http://schemas.microsoft.com/office/drawing/2010/main" xmlns="">
+              <a14:hiddenFill xmlns="" xmlns:a14="http://schemas.microsoft.com/office/drawing/2010/main">
                 <a:solidFill>
                   <a:schemeClr val="accent1"/>
                 </a:solidFill>
               </a14:hiddenFill>
             </a:ext>
             <a:ext uri="{91240B29-F687-4F45-9708-019B960494DF}">
-              <a14:hiddenLine xmlns:a14="http://schemas.microsoft.com/office/drawing/2010/main" xmlns="" w="9525">
+              <a14:hiddenLine xmlns="" xmlns:a14="http://schemas.microsoft.com/office/drawing/2010/main" w="9525">
                 <a:solidFill>
                   <a:schemeClr val="tx1"/>
                 </a:solidFill>
@@ -7907,7 +7907,7 @@
               </a14:hiddenLine>
             </a:ext>
             <a:ext uri="{AF507438-7753-43E0-B8FC-AC1667EBCBE1}">
-              <a14:hiddenEffects xmlns:a14="http://schemas.microsoft.com/office/drawing/2010/main" xmlns="">
+              <a14:hiddenEffects xmlns="" xmlns:a14="http://schemas.microsoft.com/office/drawing/2010/main">
                 <a:effectLst>
                   <a:outerShdw dist="35921" dir="2700000" algn="ctr" rotWithShape="0">
                     <a:schemeClr val="bg2"/>
@@ -7965,7 +7965,7 @@
           <a:blip r:embed="rId3" cstate="print">
             <a:extLst>
               <a:ext uri="{28A0092B-C50C-407E-A947-70E740481C1C}">
-                <a14:useLocalDpi xmlns:a14="http://schemas.microsoft.com/office/drawing/2010/main" xmlns="" val="0"/>
+                <a14:useLocalDpi xmlns="" xmlns:a14="http://schemas.microsoft.com/office/drawing/2010/main" val="0"/>
               </a:ext>
             </a:extLst>
           </a:blip>
@@ -7986,7 +7986,7 @@
     </p:spTree>
     <p:extLst>
       <p:ext uri="{BB962C8B-B14F-4D97-AF65-F5344CB8AC3E}">
-        <p14:creationId xmlns:p14="http://schemas.microsoft.com/office/powerpoint/2010/main" xmlns="" val="2678290118"/>
+        <p14:creationId xmlns="" xmlns:p14="http://schemas.microsoft.com/office/powerpoint/2010/main" val="2678290118"/>
       </p:ext>
     </p:extLst>
   </p:cSld>
@@ -8071,7 +8071,7 @@
           <a:blip r:embed="rId2" cstate="print">
             <a:extLst>
               <a:ext uri="{28A0092B-C50C-407E-A947-70E740481C1C}">
-                <a14:useLocalDpi xmlns:a14="http://schemas.microsoft.com/office/drawing/2010/main" xmlns="" val="0"/>
+                <a14:useLocalDpi xmlns="" xmlns:a14="http://schemas.microsoft.com/office/drawing/2010/main" val="0"/>
               </a:ext>
             </a:extLst>
           </a:blip>
@@ -8135,7 +8135,7 @@
     </p:spTree>
     <p:extLst>
       <p:ext uri="{BB962C8B-B14F-4D97-AF65-F5344CB8AC3E}">
-        <p14:creationId xmlns:p14="http://schemas.microsoft.com/office/powerpoint/2010/main" xmlns="" val="1664427782"/>
+        <p14:creationId xmlns="" xmlns:p14="http://schemas.microsoft.com/office/powerpoint/2010/main" val="1664427782"/>
       </p:ext>
     </p:extLst>
   </p:cSld>
@@ -8220,7 +8220,7 @@
           <a:blip r:embed="rId2" cstate="print">
             <a:extLst>
               <a:ext uri="{28A0092B-C50C-407E-A947-70E740481C1C}">
-                <a14:useLocalDpi xmlns:a14="http://schemas.microsoft.com/office/drawing/2010/main" xmlns="" val="0"/>
+                <a14:useLocalDpi xmlns="" xmlns:a14="http://schemas.microsoft.com/office/drawing/2010/main" val="0"/>
               </a:ext>
             </a:extLst>
           </a:blip>
@@ -8250,7 +8250,7 @@
           <a:blip r:embed="rId3" cstate="print">
             <a:extLst>
               <a:ext uri="{28A0092B-C50C-407E-A947-70E740481C1C}">
-                <a14:useLocalDpi xmlns:a14="http://schemas.microsoft.com/office/drawing/2010/main" xmlns="" val="0"/>
+                <a14:useLocalDpi xmlns="" xmlns:a14="http://schemas.microsoft.com/office/drawing/2010/main" val="0"/>
               </a:ext>
             </a:extLst>
           </a:blip>
@@ -8271,7 +8271,7 @@
     </p:spTree>
     <p:extLst>
       <p:ext uri="{BB962C8B-B14F-4D97-AF65-F5344CB8AC3E}">
-        <p14:creationId xmlns:p14="http://schemas.microsoft.com/office/powerpoint/2010/main" xmlns="" val="1430256493"/>
+        <p14:creationId xmlns="" xmlns:p14="http://schemas.microsoft.com/office/powerpoint/2010/main" val="1430256493"/>
       </p:ext>
     </p:extLst>
   </p:cSld>
@@ -8356,7 +8356,7 @@
           <a:blip r:embed="rId2" cstate="print">
             <a:extLst>
               <a:ext uri="{28A0092B-C50C-407E-A947-70E740481C1C}">
-                <a14:useLocalDpi xmlns:a14="http://schemas.microsoft.com/office/drawing/2010/main" xmlns="" val="0"/>
+                <a14:useLocalDpi xmlns="" xmlns:a14="http://schemas.microsoft.com/office/drawing/2010/main" val="0"/>
               </a:ext>
             </a:extLst>
           </a:blip>
@@ -8490,7 +8490,7 @@
     </p:spTree>
     <p:extLst>
       <p:ext uri="{BB962C8B-B14F-4D97-AF65-F5344CB8AC3E}">
-        <p14:creationId xmlns:p14="http://schemas.microsoft.com/office/powerpoint/2010/main" xmlns="" val="3135013638"/>
+        <p14:creationId xmlns="" xmlns:p14="http://schemas.microsoft.com/office/powerpoint/2010/main" val="3135013638"/>
       </p:ext>
     </p:extLst>
   </p:cSld>
@@ -8575,7 +8575,7 @@
           <a:blip r:embed="rId2" cstate="print">
             <a:extLst>
               <a:ext uri="{28A0092B-C50C-407E-A947-70E740481C1C}">
-                <a14:useLocalDpi xmlns:a14="http://schemas.microsoft.com/office/drawing/2010/main" xmlns="" val="0"/>
+                <a14:useLocalDpi xmlns="" xmlns:a14="http://schemas.microsoft.com/office/drawing/2010/main" val="0"/>
               </a:ext>
             </a:extLst>
           </a:blip>
@@ -8739,7 +8739,7 @@
     </p:spTree>
     <p:extLst>
       <p:ext uri="{BB962C8B-B14F-4D97-AF65-F5344CB8AC3E}">
-        <p14:creationId xmlns:p14="http://schemas.microsoft.com/office/powerpoint/2010/main" xmlns="" val="3072449041"/>
+        <p14:creationId xmlns="" xmlns:p14="http://schemas.microsoft.com/office/powerpoint/2010/main" val="3072449041"/>
       </p:ext>
     </p:extLst>
   </p:cSld>
@@ -8824,7 +8824,7 @@
           <a:blip r:embed="rId2" cstate="print">
             <a:extLst>
               <a:ext uri="{28A0092B-C50C-407E-A947-70E740481C1C}">
-                <a14:useLocalDpi xmlns:a14="http://schemas.microsoft.com/office/drawing/2010/main" xmlns="" val="0"/>
+                <a14:useLocalDpi xmlns="" xmlns:a14="http://schemas.microsoft.com/office/drawing/2010/main" val="0"/>
               </a:ext>
             </a:extLst>
           </a:blip>
@@ -8996,7 +8996,7 @@
     </p:spTree>
     <p:extLst>
       <p:ext uri="{BB962C8B-B14F-4D97-AF65-F5344CB8AC3E}">
-        <p14:creationId xmlns:p14="http://schemas.microsoft.com/office/powerpoint/2010/main" xmlns="" val="994759595"/>
+        <p14:creationId xmlns="" xmlns:p14="http://schemas.microsoft.com/office/powerpoint/2010/main" val="994759595"/>
       </p:ext>
     </p:extLst>
   </p:cSld>
@@ -9081,7 +9081,7 @@
           <a:blip r:embed="rId2" cstate="print">
             <a:extLst>
               <a:ext uri="{28A0092B-C50C-407E-A947-70E740481C1C}">
-                <a14:useLocalDpi xmlns:a14="http://schemas.microsoft.com/office/drawing/2010/main" xmlns="" val="0"/>
+                <a14:useLocalDpi xmlns="" xmlns:a14="http://schemas.microsoft.com/office/drawing/2010/main" val="0"/>
               </a:ext>
             </a:extLst>
           </a:blip>
@@ -9284,7 +9284,7 @@
     </p:spTree>
     <p:extLst>
       <p:ext uri="{BB962C8B-B14F-4D97-AF65-F5344CB8AC3E}">
-        <p14:creationId xmlns:p14="http://schemas.microsoft.com/office/powerpoint/2010/main" xmlns="" val="2174007619"/>
+        <p14:creationId xmlns="" xmlns:p14="http://schemas.microsoft.com/office/powerpoint/2010/main" val="2174007619"/>
       </p:ext>
     </p:extLst>
   </p:cSld>
@@ -9554,7 +9554,7 @@
           <a:blip r:embed="rId2" cstate="print">
             <a:extLst>
               <a:ext uri="{28A0092B-C50C-407E-A947-70E740481C1C}">
-                <a14:useLocalDpi xmlns:a14="http://schemas.microsoft.com/office/drawing/2010/main" xmlns="" val="0"/>
+                <a14:useLocalDpi xmlns="" xmlns:a14="http://schemas.microsoft.com/office/drawing/2010/main" val="0"/>
               </a:ext>
             </a:extLst>
           </a:blip>
@@ -9618,7 +9618,7 @@
     </p:spTree>
     <p:extLst>
       <p:ext uri="{BB962C8B-B14F-4D97-AF65-F5344CB8AC3E}">
-        <p14:creationId xmlns:p14="http://schemas.microsoft.com/office/powerpoint/2010/main" xmlns="" val="4189991210"/>
+        <p14:creationId xmlns="" xmlns:p14="http://schemas.microsoft.com/office/powerpoint/2010/main" val="4189991210"/>
       </p:ext>
     </p:extLst>
   </p:cSld>
@@ -9767,7 +9767,7 @@
           <a:blip r:embed="rId2" cstate="print">
             <a:extLst>
               <a:ext uri="{28A0092B-C50C-407E-A947-70E740481C1C}">
-                <a14:useLocalDpi xmlns:a14="http://schemas.microsoft.com/office/drawing/2010/main" xmlns="" val="0"/>
+                <a14:useLocalDpi xmlns="" xmlns:a14="http://schemas.microsoft.com/office/drawing/2010/main" val="0"/>
               </a:ext>
             </a:extLst>
           </a:blip>
@@ -9931,7 +9931,7 @@
     </p:spTree>
     <p:extLst>
       <p:ext uri="{BB962C8B-B14F-4D97-AF65-F5344CB8AC3E}">
-        <p14:creationId xmlns:p14="http://schemas.microsoft.com/office/powerpoint/2010/main" xmlns="" val="2761385501"/>
+        <p14:creationId xmlns="" xmlns:p14="http://schemas.microsoft.com/office/powerpoint/2010/main" val="2761385501"/>
       </p:ext>
     </p:extLst>
   </p:cSld>
@@ -10267,7 +10267,7 @@
     </p:spTree>
     <p:extLst>
       <p:ext uri="{BB962C8B-B14F-4D97-AF65-F5344CB8AC3E}">
-        <p14:creationId xmlns:p14="http://schemas.microsoft.com/office/powerpoint/2010/main" xmlns="" val="879668439"/>
+        <p14:creationId xmlns="" xmlns:p14="http://schemas.microsoft.com/office/powerpoint/2010/main" val="879668439"/>
       </p:ext>
     </p:extLst>
   </p:cSld>
@@ -10357,7 +10357,7 @@
           <a:blip r:embed="rId23" cstate="print">
             <a:extLst>
               <a:ext uri="{28A0092B-C50C-407E-A947-70E740481C1C}">
-                <a14:useLocalDpi xmlns:a14="http://schemas.microsoft.com/office/drawing/2010/main" xmlns="" val="0"/>
+                <a14:useLocalDpi xmlns="" xmlns:a14="http://schemas.microsoft.com/office/drawing/2010/main" val="0"/>
               </a:ext>
             </a:extLst>
           </a:blip>
@@ -10378,7 +10378,7 @@
     </p:spTree>
     <p:extLst>
       <p:ext uri="{BB962C8B-B14F-4D97-AF65-F5344CB8AC3E}">
-        <p14:creationId xmlns:p14="http://schemas.microsoft.com/office/powerpoint/2010/main" xmlns="" val="3044589780"/>
+        <p14:creationId xmlns="" xmlns:p14="http://schemas.microsoft.com/office/powerpoint/2010/main" val="3044589780"/>
       </p:ext>
     </p:extLst>
   </p:cSld>
@@ -11043,7 +11043,7 @@
     </p:spTree>
     <p:extLst>
       <p:ext uri="{BB962C8B-B14F-4D97-AF65-F5344CB8AC3E}">
-        <p14:creationId xmlns:p14="http://schemas.microsoft.com/office/powerpoint/2010/main" xmlns="" val="2337725177"/>
+        <p14:creationId xmlns="" xmlns:p14="http://schemas.microsoft.com/office/powerpoint/2010/main" val="2337725177"/>
       </p:ext>
     </p:extLst>
   </p:cSld>
@@ -11268,7 +11268,7 @@
     </p:spTree>
     <p:extLst>
       <p:ext uri="{BB962C8B-B14F-4D97-AF65-F5344CB8AC3E}">
-        <p14:creationId xmlns:p14="http://schemas.microsoft.com/office/powerpoint/2010/main" xmlns="" val="3507990499"/>
+        <p14:creationId xmlns="" xmlns:p14="http://schemas.microsoft.com/office/powerpoint/2010/main" val="3507990499"/>
       </p:ext>
     </p:extLst>
   </p:cSld>
@@ -11411,7 +11411,7 @@
     </p:spTree>
     <p:extLst>
       <p:ext uri="{BB962C8B-B14F-4D97-AF65-F5344CB8AC3E}">
-        <p14:creationId xmlns:p14="http://schemas.microsoft.com/office/powerpoint/2010/main" xmlns="" val="4021351983"/>
+        <p14:creationId xmlns="" xmlns:p14="http://schemas.microsoft.com/office/powerpoint/2010/main" val="4021351983"/>
       </p:ext>
     </p:extLst>
   </p:cSld>
@@ -11506,7 +11506,7 @@
     </p:spTree>
     <p:extLst>
       <p:ext uri="{BB962C8B-B14F-4D97-AF65-F5344CB8AC3E}">
-        <p14:creationId xmlns:p14="http://schemas.microsoft.com/office/powerpoint/2010/main" xmlns="" val="269176317"/>
+        <p14:creationId xmlns="" xmlns:p14="http://schemas.microsoft.com/office/powerpoint/2010/main" val="269176317"/>
       </p:ext>
     </p:extLst>
   </p:cSld>
@@ -11642,7 +11642,11 @@
             <a:pPr lvl="1"/>
             <a:r>
               <a:rPr lang="en-US" sz="2400" dirty="0" smtClean="0"/>
-              <a:t>http://biodiversitylibrary.org/getapikey.aspx</a:t>
+              <a:t>https://</a:t>
+            </a:r>
+            <a:r>
+              <a:rPr lang="en-US" sz="2400" dirty="0" smtClean="0"/>
+              <a:t>biodiversitylibrary.org/getapikey.aspx</a:t>
             </a:r>
           </a:p>
           <a:p>
@@ -11654,7 +11658,7 @@
     </p:spTree>
     <p:extLst>
       <p:ext uri="{BB962C8B-B14F-4D97-AF65-F5344CB8AC3E}">
-        <p14:creationId xmlns:p14="http://schemas.microsoft.com/office/powerpoint/2010/main" xmlns="" val="3617054278"/>
+        <p14:creationId xmlns="" xmlns:p14="http://schemas.microsoft.com/office/powerpoint/2010/main" val="3617054278"/>
       </p:ext>
     </p:extLst>
   </p:cSld>
@@ -11749,7 +11753,7 @@
     </p:spTree>
     <p:extLst>
       <p:ext uri="{BB962C8B-B14F-4D97-AF65-F5344CB8AC3E}">
-        <p14:creationId xmlns:p14="http://schemas.microsoft.com/office/powerpoint/2010/main" xmlns="" val="3057094392"/>
+        <p14:creationId xmlns="" xmlns:p14="http://schemas.microsoft.com/office/powerpoint/2010/main" val="3057094392"/>
       </p:ext>
     </p:extLst>
   </p:cSld>
@@ -13085,7 +13089,7 @@
     </p:spTree>
     <p:extLst>
       <p:ext uri="{BB962C8B-B14F-4D97-AF65-F5344CB8AC3E}">
-        <p14:creationId xmlns:p14="http://schemas.microsoft.com/office/powerpoint/2010/main" xmlns="" val="1445642125"/>
+        <p14:creationId xmlns="" xmlns:p14="http://schemas.microsoft.com/office/powerpoint/2010/main" val="1445642125"/>
       </p:ext>
     </p:extLst>
   </p:cSld>
@@ -13211,7 +13215,7 @@
           <a:blip r:embed="rId3" cstate="print">
             <a:extLst>
               <a:ext uri="{28A0092B-C50C-407E-A947-70E740481C1C}">
-                <a14:useLocalDpi xmlns:a14="http://schemas.microsoft.com/office/drawing/2010/main" xmlns="" val="0"/>
+                <a14:useLocalDpi xmlns="" xmlns:a14="http://schemas.microsoft.com/office/drawing/2010/main" val="0"/>
               </a:ext>
             </a:extLst>
           </a:blip>
@@ -13235,14 +13239,14 @@
           <a:effectLst/>
           <a:extLst>
             <a:ext uri="{909E8E84-426E-40DD-AFC4-6F175D3DCCD1}">
-              <a14:hiddenFill xmlns:a14="http://schemas.microsoft.com/office/drawing/2010/main" xmlns="">
+              <a14:hiddenFill xmlns="" xmlns:a14="http://schemas.microsoft.com/office/drawing/2010/main">
                 <a:solidFill>
                   <a:schemeClr val="accent1"/>
                 </a:solidFill>
               </a14:hiddenFill>
             </a:ext>
             <a:ext uri="{91240B29-F687-4F45-9708-019B960494DF}">
-              <a14:hiddenLine xmlns:a14="http://schemas.microsoft.com/office/drawing/2010/main" xmlns="" w="9525">
+              <a14:hiddenLine xmlns="" xmlns:a14="http://schemas.microsoft.com/office/drawing/2010/main" w="9525">
                 <a:solidFill>
                   <a:schemeClr val="tx1"/>
                 </a:solidFill>
@@ -13252,7 +13256,7 @@
               </a14:hiddenLine>
             </a:ext>
             <a:ext uri="{AF507438-7753-43E0-B8FC-AC1667EBCBE1}">
-              <a14:hiddenEffects xmlns:a14="http://schemas.microsoft.com/office/drawing/2010/main" xmlns="">
+              <a14:hiddenEffects xmlns="" xmlns:a14="http://schemas.microsoft.com/office/drawing/2010/main">
                 <a:effectLst>
                   <a:outerShdw dist="35921" dir="2700000" algn="ctr" rotWithShape="0">
                     <a:schemeClr val="bg2"/>
@@ -13266,7 +13270,7 @@
     </p:spTree>
     <p:extLst>
       <p:ext uri="{BB962C8B-B14F-4D97-AF65-F5344CB8AC3E}">
-        <p14:creationId xmlns:p14="http://schemas.microsoft.com/office/powerpoint/2010/main" xmlns="" val="1235334137"/>
+        <p14:creationId xmlns="" xmlns:p14="http://schemas.microsoft.com/office/powerpoint/2010/main" val="1235334137"/>
       </p:ext>
     </p:extLst>
   </p:cSld>
@@ -13420,7 +13424,7 @@
     </p:spTree>
     <p:extLst>
       <p:ext uri="{BB962C8B-B14F-4D97-AF65-F5344CB8AC3E}">
-        <p14:creationId xmlns:p14="http://schemas.microsoft.com/office/powerpoint/2010/main" xmlns="" val="2182676377"/>
+        <p14:creationId xmlns="" xmlns:p14="http://schemas.microsoft.com/office/powerpoint/2010/main" val="2182676377"/>
       </p:ext>
     </p:extLst>
   </p:cSld>
@@ -13524,11 +13528,7 @@
             <a:pPr lvl="1"/>
             <a:r>
               <a:rPr lang="en-US" sz="2400" dirty="0" smtClean="0"/>
-              <a:t>https</a:t>
-            </a:r>
-            <a:r>
-              <a:rPr lang="en-US" sz="2400" dirty="0" smtClean="0"/>
-              <a:t>://biodivlib.wikispaces.com/Data+Exports</a:t>
+              <a:t>https://biodivlib.wikispaces.com/Data+Exports</a:t>
             </a:r>
           </a:p>
           <a:p>
@@ -13542,7 +13542,11 @@
             <a:pPr lvl="1"/>
             <a:r>
               <a:rPr lang="en-US" sz="2400" dirty="0" smtClean="0"/>
-              <a:t>http://biodiversitylibrary.org/api2/docs/docs.html</a:t>
+              <a:t>https://</a:t>
+            </a:r>
+            <a:r>
+              <a:rPr lang="en-US" sz="2400" dirty="0" smtClean="0"/>
+              <a:t>biodiversitylibrary.org/api2/docs/docs.html</a:t>
             </a:r>
           </a:p>
           <a:p>
@@ -13580,7 +13584,7 @@
           <a:blip r:embed="rId3" cstate="print">
             <a:extLst>
               <a:ext uri="{28A0092B-C50C-407E-A947-70E740481C1C}">
-                <a14:useLocalDpi xmlns:a14="http://schemas.microsoft.com/office/drawing/2010/main" xmlns="" val="0"/>
+                <a14:useLocalDpi xmlns="" xmlns:a14="http://schemas.microsoft.com/office/drawing/2010/main" val="0"/>
               </a:ext>
             </a:extLst>
           </a:blip>
@@ -13601,7 +13605,7 @@
     </p:spTree>
     <p:extLst>
       <p:ext uri="{BB962C8B-B14F-4D97-AF65-F5344CB8AC3E}">
-        <p14:creationId xmlns:p14="http://schemas.microsoft.com/office/powerpoint/2010/main" xmlns="" val="2109476903"/>
+        <p14:creationId xmlns="" xmlns:p14="http://schemas.microsoft.com/office/powerpoint/2010/main" val="2109476903"/>
       </p:ext>
     </p:extLst>
   </p:cSld>
@@ -13928,7 +13932,7 @@
           <a:blip r:embed="rId3" cstate="print">
             <a:extLst>
               <a:ext uri="{28A0092B-C50C-407E-A947-70E740481C1C}">
-                <a14:useLocalDpi xmlns:a14="http://schemas.microsoft.com/office/drawing/2010/main" xmlns="" val="0"/>
+                <a14:useLocalDpi xmlns="" xmlns:a14="http://schemas.microsoft.com/office/drawing/2010/main" val="0"/>
               </a:ext>
             </a:extLst>
           </a:blip>
@@ -14016,7 +14020,7 @@
     </p:spTree>
     <p:extLst>
       <p:ext uri="{BB962C8B-B14F-4D97-AF65-F5344CB8AC3E}">
-        <p14:creationId xmlns:p14="http://schemas.microsoft.com/office/powerpoint/2010/main" xmlns="" val="169160865"/>
+        <p14:creationId xmlns="" xmlns:p14="http://schemas.microsoft.com/office/powerpoint/2010/main" val="169160865"/>
       </p:ext>
     </p:extLst>
   </p:cSld>
@@ -14146,7 +14150,7 @@
           <a:blip r:embed="rId3" cstate="print">
             <a:extLst>
               <a:ext uri="{28A0092B-C50C-407E-A947-70E740481C1C}">
-                <a14:useLocalDpi xmlns:a14="http://schemas.microsoft.com/office/drawing/2010/main" xmlns="" val="0"/>
+                <a14:useLocalDpi xmlns="" xmlns:a14="http://schemas.microsoft.com/office/drawing/2010/main" val="0"/>
               </a:ext>
             </a:extLst>
           </a:blip>
@@ -14170,14 +14174,14 @@
           <a:effectLst/>
           <a:extLst>
             <a:ext uri="{909E8E84-426E-40DD-AFC4-6F175D3DCCD1}">
-              <a14:hiddenFill xmlns:a14="http://schemas.microsoft.com/office/drawing/2010/main" xmlns="">
+              <a14:hiddenFill xmlns="" xmlns:a14="http://schemas.microsoft.com/office/drawing/2010/main">
                 <a:solidFill>
                   <a:schemeClr val="accent1"/>
                 </a:solidFill>
               </a14:hiddenFill>
             </a:ext>
             <a:ext uri="{91240B29-F687-4F45-9708-019B960494DF}">
-              <a14:hiddenLine xmlns:a14="http://schemas.microsoft.com/office/drawing/2010/main" xmlns="" w="9525">
+              <a14:hiddenLine xmlns="" xmlns:a14="http://schemas.microsoft.com/office/drawing/2010/main" w="9525">
                 <a:solidFill>
                   <a:schemeClr val="tx1"/>
                 </a:solidFill>
@@ -14187,7 +14191,7 @@
               </a14:hiddenLine>
             </a:ext>
             <a:ext uri="{AF507438-7753-43E0-B8FC-AC1667EBCBE1}">
-              <a14:hiddenEffects xmlns:a14="http://schemas.microsoft.com/office/drawing/2010/main" xmlns="">
+              <a14:hiddenEffects xmlns="" xmlns:a14="http://schemas.microsoft.com/office/drawing/2010/main">
                 <a:effectLst>
                   <a:outerShdw dist="35921" dir="2700000" algn="ctr" rotWithShape="0">
                     <a:schemeClr val="bg2"/>
@@ -14201,7 +14205,7 @@
     </p:spTree>
     <p:extLst>
       <p:ext uri="{BB962C8B-B14F-4D97-AF65-F5344CB8AC3E}">
-        <p14:creationId xmlns:p14="http://schemas.microsoft.com/office/powerpoint/2010/main" xmlns="" val="1463292228"/>
+        <p14:creationId xmlns="" xmlns:p14="http://schemas.microsoft.com/office/powerpoint/2010/main" val="1463292228"/>
       </p:ext>
     </p:extLst>
   </p:cSld>
@@ -14474,7 +14478,7 @@
     </p:spTree>
     <p:extLst>
       <p:ext uri="{BB962C8B-B14F-4D97-AF65-F5344CB8AC3E}">
-        <p14:creationId xmlns:p14="http://schemas.microsoft.com/office/powerpoint/2010/main" xmlns="" val="1530659656"/>
+        <p14:creationId xmlns="" xmlns:p14="http://schemas.microsoft.com/office/powerpoint/2010/main" val="1530659656"/>
       </p:ext>
     </p:extLst>
   </p:cSld>
@@ -14632,7 +14636,7 @@
     </p:spTree>
     <p:extLst>
       <p:ext uri="{BB962C8B-B14F-4D97-AF65-F5344CB8AC3E}">
-        <p14:creationId xmlns:p14="http://schemas.microsoft.com/office/powerpoint/2010/main" xmlns="" val="3624246759"/>
+        <p14:creationId xmlns="" xmlns:p14="http://schemas.microsoft.com/office/powerpoint/2010/main" val="3624246759"/>
       </p:ext>
     </p:extLst>
   </p:cSld>
@@ -14810,7 +14814,7 @@
     </p:spTree>
     <p:extLst>
       <p:ext uri="{BB962C8B-B14F-4D97-AF65-F5344CB8AC3E}">
-        <p14:creationId xmlns:p14="http://schemas.microsoft.com/office/powerpoint/2010/main" xmlns="" val="128529910"/>
+        <p14:creationId xmlns="" xmlns:p14="http://schemas.microsoft.com/office/powerpoint/2010/main" val="128529910"/>
       </p:ext>
     </p:extLst>
   </p:cSld>
@@ -15200,7 +15204,7 @@
           <a:blip r:embed="rId3" cstate="print">
             <a:extLst>
               <a:ext uri="{28A0092B-C50C-407E-A947-70E740481C1C}">
-                <a14:useLocalDpi xmlns:a14="http://schemas.microsoft.com/office/drawing/2010/main" xmlns="" val="0"/>
+                <a14:useLocalDpi xmlns="" xmlns:a14="http://schemas.microsoft.com/office/drawing/2010/main" val="0"/>
               </a:ext>
             </a:extLst>
           </a:blip>
@@ -15224,14 +15228,14 @@
           <a:effectLst/>
           <a:extLst>
             <a:ext uri="{909E8E84-426E-40DD-AFC4-6F175D3DCCD1}">
-              <a14:hiddenFill xmlns:a14="http://schemas.microsoft.com/office/drawing/2010/main" xmlns="">
+              <a14:hiddenFill xmlns="" xmlns:a14="http://schemas.microsoft.com/office/drawing/2010/main">
                 <a:solidFill>
                   <a:schemeClr val="accent1"/>
                 </a:solidFill>
               </a14:hiddenFill>
             </a:ext>
             <a:ext uri="{91240B29-F687-4F45-9708-019B960494DF}">
-              <a14:hiddenLine xmlns:a14="http://schemas.microsoft.com/office/drawing/2010/main" xmlns="" w="9525">
+              <a14:hiddenLine xmlns="" xmlns:a14="http://schemas.microsoft.com/office/drawing/2010/main" w="9525">
                 <a:solidFill>
                   <a:schemeClr val="tx1"/>
                 </a:solidFill>
@@ -15241,7 +15245,7 @@
               </a14:hiddenLine>
             </a:ext>
             <a:ext uri="{AF507438-7753-43E0-B8FC-AC1667EBCBE1}">
-              <a14:hiddenEffects xmlns:a14="http://schemas.microsoft.com/office/drawing/2010/main" xmlns="">
+              <a14:hiddenEffects xmlns="" xmlns:a14="http://schemas.microsoft.com/office/drawing/2010/main">
                 <a:effectLst>
                   <a:outerShdw dist="35921" dir="2700000" algn="ctr" rotWithShape="0">
                     <a:schemeClr val="bg2"/>
@@ -15255,7 +15259,7 @@
     </p:spTree>
     <p:extLst>
       <p:ext uri="{BB962C8B-B14F-4D97-AF65-F5344CB8AC3E}">
-        <p14:creationId xmlns:p14="http://schemas.microsoft.com/office/powerpoint/2010/main" xmlns="" val="1749797692"/>
+        <p14:creationId xmlns="" xmlns:p14="http://schemas.microsoft.com/office/powerpoint/2010/main" val="1749797692"/>
       </p:ext>
     </p:extLst>
   </p:cSld>
@@ -15398,7 +15402,7 @@
     </p:spTree>
     <p:extLst>
       <p:ext uri="{BB962C8B-B14F-4D97-AF65-F5344CB8AC3E}">
-        <p14:creationId xmlns:p14="http://schemas.microsoft.com/office/powerpoint/2010/main" xmlns="" val="3082562895"/>
+        <p14:creationId xmlns="" xmlns:p14="http://schemas.microsoft.com/office/powerpoint/2010/main" val="3082562895"/>
       </p:ext>
     </p:extLst>
   </p:cSld>
@@ -15547,7 +15551,7 @@
     </p:spTree>
     <p:extLst>
       <p:ext uri="{BB962C8B-B14F-4D97-AF65-F5344CB8AC3E}">
-        <p14:creationId xmlns:p14="http://schemas.microsoft.com/office/powerpoint/2010/main" xmlns="" val="3972295608"/>
+        <p14:creationId xmlns="" xmlns:p14="http://schemas.microsoft.com/office/powerpoint/2010/main" val="3972295608"/>
       </p:ext>
     </p:extLst>
   </p:cSld>
@@ -15678,7 +15682,7 @@
     </p:spTree>
     <p:extLst>
       <p:ext uri="{BB962C8B-B14F-4D97-AF65-F5344CB8AC3E}">
-        <p14:creationId xmlns:p14="http://schemas.microsoft.com/office/powerpoint/2010/main" xmlns="" val="819861494"/>
+        <p14:creationId xmlns="" xmlns:p14="http://schemas.microsoft.com/office/powerpoint/2010/main" val="819861494"/>
       </p:ext>
     </p:extLst>
   </p:cSld>
@@ -15810,7 +15814,7 @@
           <a:blip r:embed="rId3" cstate="print">
             <a:extLst>
               <a:ext uri="{28A0092B-C50C-407E-A947-70E740481C1C}">
-                <a14:useLocalDpi xmlns:a14="http://schemas.microsoft.com/office/drawing/2010/main" xmlns="" val="0"/>
+                <a14:useLocalDpi xmlns="" xmlns:a14="http://schemas.microsoft.com/office/drawing/2010/main" val="0"/>
               </a:ext>
             </a:extLst>
           </a:blip>
@@ -15834,14 +15838,14 @@
           <a:effectLst/>
           <a:extLst>
             <a:ext uri="{909E8E84-426E-40DD-AFC4-6F175D3DCCD1}">
-              <a14:hiddenFill xmlns:a14="http://schemas.microsoft.com/office/drawing/2010/main" xmlns="">
+              <a14:hiddenFill xmlns="" xmlns:a14="http://schemas.microsoft.com/office/drawing/2010/main">
                 <a:solidFill>
                   <a:schemeClr val="accent1"/>
                 </a:solidFill>
               </a14:hiddenFill>
             </a:ext>
             <a:ext uri="{91240B29-F687-4F45-9708-019B960494DF}">
-              <a14:hiddenLine xmlns:a14="http://schemas.microsoft.com/office/drawing/2010/main" xmlns="" w="9525">
+              <a14:hiddenLine xmlns="" xmlns:a14="http://schemas.microsoft.com/office/drawing/2010/main" w="9525">
                 <a:solidFill>
                   <a:schemeClr val="tx1"/>
                 </a:solidFill>
@@ -15851,7 +15855,7 @@
               </a14:hiddenLine>
             </a:ext>
             <a:ext uri="{AF507438-7753-43E0-B8FC-AC1667EBCBE1}">
-              <a14:hiddenEffects xmlns:a14="http://schemas.microsoft.com/office/drawing/2010/main" xmlns="">
+              <a14:hiddenEffects xmlns="" xmlns:a14="http://schemas.microsoft.com/office/drawing/2010/main">
                 <a:effectLst>
                   <a:outerShdw dist="35921" dir="2700000" algn="ctr" rotWithShape="0">
                     <a:schemeClr val="bg2"/>
@@ -15865,7 +15869,7 @@
     </p:spTree>
     <p:extLst>
       <p:ext uri="{BB962C8B-B14F-4D97-AF65-F5344CB8AC3E}">
-        <p14:creationId xmlns:p14="http://schemas.microsoft.com/office/powerpoint/2010/main" xmlns="" val="343431817"/>
+        <p14:creationId xmlns="" xmlns:p14="http://schemas.microsoft.com/office/powerpoint/2010/main" val="343431817"/>
       </p:ext>
     </p:extLst>
   </p:cSld>
@@ -16018,7 +16022,11 @@
           <a:p>
             <a:r>
               <a:rPr lang="en-US" sz="2800" dirty="0" smtClean="0"/>
-              <a:t>http://biodiversitylibrary.org/data</a:t>
+              <a:t>https://</a:t>
+            </a:r>
+            <a:r>
+              <a:rPr lang="en-US" sz="2800" dirty="0" smtClean="0"/>
+              <a:t>biodiversitylibrary.org/data</a:t>
             </a:r>
           </a:p>
           <a:p>
@@ -16040,7 +16048,7 @@
     </p:spTree>
     <p:extLst>
       <p:ext uri="{BB962C8B-B14F-4D97-AF65-F5344CB8AC3E}">
-        <p14:creationId xmlns:p14="http://schemas.microsoft.com/office/powerpoint/2010/main" xmlns="" val="4195191575"/>
+        <p14:creationId xmlns="" xmlns:p14="http://schemas.microsoft.com/office/powerpoint/2010/main" val="4195191575"/>
       </p:ext>
     </p:extLst>
   </p:cSld>

--- a/BallroomA_Wednesday_1100_Lichtenberg/BallroomA_Wednesday_1100_Lichtenberg.pptx
+++ b/BallroomA_Wednesday_1100_Lichtenberg/BallroomA_Wednesday_1100_Lichtenberg.pptx
@@ -134,7 +134,7 @@
   </p:defaultTextStyle>
   <p:extLst>
     <p:ext uri="{EFAFB233-063F-42B5-8137-9DF3F51BA10A}">
-      <p15:sldGuideLst xmlns:p15="http://schemas.microsoft.com/office/powerpoint/2012/main" xmlns="">
+      <p15:sldGuideLst xmlns="" xmlns:p15="http://schemas.microsoft.com/office/powerpoint/2012/main">
         <p15:guide id="1" orient="horz" pos="2160">
           <p15:clr>
             <a:srgbClr val="A4A3A4"/>
@@ -234,7 +234,7 @@
             <a:fld id="{A4076B97-77BE-4089-B3C3-FDBC79649A58}" type="datetimeFigureOut">
               <a:rPr lang="en-US" smtClean="0"/>
               <a:pPr/>
-              <a:t>10/2/2017</a:t>
+              <a:t>10/3/2017</a:t>
             </a:fld>
             <a:endParaRPr lang="en-US"/>
           </a:p>
@@ -310,7 +310,7 @@
     </p:spTree>
     <p:extLst>
       <p:ext uri="{BB962C8B-B14F-4D97-AF65-F5344CB8AC3E}">
-        <p14:creationId xmlns="" xmlns:p14="http://schemas.microsoft.com/office/powerpoint/2010/main" val="1542679036"/>
+        <p14:creationId xmlns:p14="http://schemas.microsoft.com/office/powerpoint/2010/main" xmlns="" val="1542679036"/>
       </p:ext>
     </p:extLst>
   </p:cSld>
@@ -401,7 +401,7 @@
             <a:fld id="{0F20EE3F-066A-464D-B097-D1A3B5F04D50}" type="datetimeFigureOut">
               <a:rPr lang="en-US" smtClean="0"/>
               <a:pPr/>
-              <a:t>10/2/2017</a:t>
+              <a:t>10/3/2017</a:t>
             </a:fld>
             <a:endParaRPr lang="en-US"/>
           </a:p>
@@ -570,7 +570,7 @@
     </p:spTree>
     <p:extLst>
       <p:ext uri="{BB962C8B-B14F-4D97-AF65-F5344CB8AC3E}">
-        <p14:creationId xmlns="" xmlns:p14="http://schemas.microsoft.com/office/powerpoint/2010/main" val="1465351002"/>
+        <p14:creationId xmlns:p14="http://schemas.microsoft.com/office/powerpoint/2010/main" xmlns="" val="1465351002"/>
       </p:ext>
     </p:extLst>
   </p:cSld>
@@ -720,8 +720,12 @@
           <a:lstStyle/>
           <a:p>
             <a:r>
+              <a:rPr lang="en-US" smtClean="0"/>
+              <a:t>Good morning, </a:t>
+            </a:r>
+            <a:r>
               <a:rPr lang="en-US" dirty="0" smtClean="0"/>
-              <a:t>Hello, my name is Mike Lichtenberg, and I am a developer for</a:t>
+              <a:t>my name is Mike Lichtenberg, and I am a developer for</a:t>
             </a:r>
             <a:r>
               <a:rPr lang="en-US" baseline="0" dirty="0" smtClean="0"/>
@@ -769,7 +773,7 @@
     </p:spTree>
     <p:extLst>
       <p:ext uri="{BB962C8B-B14F-4D97-AF65-F5344CB8AC3E}">
-        <p14:creationId xmlns="" xmlns:p14="http://schemas.microsoft.com/office/powerpoint/2010/main" val="4098884712"/>
+        <p14:creationId xmlns:p14="http://schemas.microsoft.com/office/powerpoint/2010/main" xmlns="" val="4098884712"/>
       </p:ext>
     </p:extLst>
   </p:cSld>
@@ -1087,7 +1091,7 @@
     </p:spTree>
     <p:extLst>
       <p:ext uri="{BB962C8B-B14F-4D97-AF65-F5344CB8AC3E}">
-        <p14:creationId xmlns="" xmlns:p14="http://schemas.microsoft.com/office/powerpoint/2010/main" val="1056626509"/>
+        <p14:creationId xmlns:p14="http://schemas.microsoft.com/office/powerpoint/2010/main" xmlns="" val="1056626509"/>
       </p:ext>
     </p:extLst>
   </p:cSld>
@@ -1283,7 +1287,7 @@
     </p:spTree>
     <p:extLst>
       <p:ext uri="{BB962C8B-B14F-4D97-AF65-F5344CB8AC3E}">
-        <p14:creationId xmlns="" xmlns:p14="http://schemas.microsoft.com/office/powerpoint/2010/main" val="186999312"/>
+        <p14:creationId xmlns:p14="http://schemas.microsoft.com/office/powerpoint/2010/main" xmlns="" val="186999312"/>
       </p:ext>
     </p:extLst>
   </p:cSld>
@@ -1398,7 +1402,7 @@
     </p:spTree>
     <p:extLst>
       <p:ext uri="{BB962C8B-B14F-4D97-AF65-F5344CB8AC3E}">
-        <p14:creationId xmlns="" xmlns:p14="http://schemas.microsoft.com/office/powerpoint/2010/main" val="1984052621"/>
+        <p14:creationId xmlns:p14="http://schemas.microsoft.com/office/powerpoint/2010/main" xmlns="" val="1984052621"/>
       </p:ext>
     </p:extLst>
   </p:cSld>
@@ -1692,7 +1696,7 @@
     </p:spTree>
     <p:extLst>
       <p:ext uri="{BB962C8B-B14F-4D97-AF65-F5344CB8AC3E}">
-        <p14:creationId xmlns="" xmlns:p14="http://schemas.microsoft.com/office/powerpoint/2010/main" val="2255951382"/>
+        <p14:creationId xmlns:p14="http://schemas.microsoft.com/office/powerpoint/2010/main" xmlns="" val="2255951382"/>
       </p:ext>
     </p:extLst>
   </p:cSld>
@@ -1800,7 +1804,7 @@
     </p:spTree>
     <p:extLst>
       <p:ext uri="{BB962C8B-B14F-4D97-AF65-F5344CB8AC3E}">
-        <p14:creationId xmlns="" xmlns:p14="http://schemas.microsoft.com/office/powerpoint/2010/main" val="1368255976"/>
+        <p14:creationId xmlns:p14="http://schemas.microsoft.com/office/powerpoint/2010/main" xmlns="" val="1368255976"/>
       </p:ext>
     </p:extLst>
   </p:cSld>
@@ -1869,7 +1873,15 @@
           <a:p>
             <a:r>
               <a:rPr lang="en-US" baseline="0" dirty="0" smtClean="0"/>
-              <a:t>The table presented here summarizes the key points.  It shows the types of data that each access method makes available, as well as some other characteristics of each method.</a:t>
+              <a:t>The table presented here summarizes the key </a:t>
+            </a:r>
+            <a:r>
+              <a:rPr lang="en-US" baseline="0" dirty="0" smtClean="0"/>
+              <a:t>points.  </a:t>
+            </a:r>
+            <a:r>
+              <a:rPr lang="en-US" baseline="0" dirty="0" smtClean="0"/>
+              <a:t>It shows the types of data that each access method makes available, as well as some other characteristics of each method.</a:t>
             </a:r>
           </a:p>
           <a:p>
@@ -1913,7 +1925,7 @@
     </p:spTree>
     <p:extLst>
       <p:ext uri="{BB962C8B-B14F-4D97-AF65-F5344CB8AC3E}">
-        <p14:creationId xmlns="" xmlns:p14="http://schemas.microsoft.com/office/powerpoint/2010/main" val="3091952112"/>
+        <p14:creationId xmlns:p14="http://schemas.microsoft.com/office/powerpoint/2010/main" xmlns="" val="3091952112"/>
       </p:ext>
     </p:extLst>
   </p:cSld>
@@ -1988,12 +2000,29 @@
           <a:p>
             <a:r>
               <a:rPr lang="en-US" dirty="0" smtClean="0"/>
-              <a:t>Digital libraries</a:t>
+              <a:t>To</a:t>
             </a:r>
             <a:r>
               <a:rPr lang="en-US" baseline="0" dirty="0" smtClean="0"/>
-              <a:t> have integrated BHL metadata into their catalogs.  Individual developers have created interesting visualizations of the data.  An group of researchers created at R Library that wraps the BHL APIs.</a:t>
-            </a:r>
+              <a:t> date, we have seen BHL data put to use in a variety of ways.  </a:t>
+            </a:r>
+            <a:r>
+              <a:rPr lang="en-US" dirty="0" smtClean="0"/>
+              <a:t>Digital </a:t>
+            </a:r>
+            <a:r>
+              <a:rPr lang="en-US" dirty="0" smtClean="0"/>
+              <a:t>libraries</a:t>
+            </a:r>
+            <a:r>
+              <a:rPr lang="en-US" baseline="0" dirty="0" smtClean="0"/>
+              <a:t> have integrated BHL metadata into their catalogs.  Individual developers have created interesting visualizations of the data.  </a:t>
+            </a:r>
+            <a:r>
+              <a:rPr lang="en-US" baseline="0" dirty="0" smtClean="0"/>
+              <a:t>Individual contributors have created wrappers for the BHL APIs in Ruby and R, so that BHL data can easily be consumed in applications written in those languages.</a:t>
+            </a:r>
+            <a:endParaRPr lang="en-US" baseline="0" dirty="0" smtClean="0"/>
           </a:p>
           <a:p>
             <a:endParaRPr lang="en-US" baseline="0" dirty="0" smtClean="0"/>
@@ -2018,7 +2047,11 @@
             </a:pPr>
             <a:r>
               <a:rPr lang="en-US" baseline="0" dirty="0" smtClean="0"/>
-              <a:t>What we have not seen third parties attempt is Big Data Analysis of the BHL collection.  A common definition of Big Data Analysis is “the process of examining large data sets and uncovering previously unknown patterns, correlations, and trends”.  With that in mind, what are some potential “Big Data” uses of the data?</a:t>
+              <a:t>A common definition of Big Data Analysis is “the process of examining large data sets and uncovering previously unknown patterns, correlations, and trends”.  This is an area that has not seen as much development.  The 53+ million pages and (roughly) 17 billion words in BHL would seem to be a great data source for such analysis.  So, </a:t>
+            </a:r>
+            <a:r>
+              <a:rPr lang="en-US" baseline="0" dirty="0" smtClean="0"/>
+              <a:t>what are some potential “Big Data” uses of the data?</a:t>
             </a:r>
           </a:p>
           <a:p>
@@ -2056,7 +2089,7 @@
     </p:spTree>
     <p:extLst>
       <p:ext uri="{BB962C8B-B14F-4D97-AF65-F5344CB8AC3E}">
-        <p14:creationId xmlns="" xmlns:p14="http://schemas.microsoft.com/office/powerpoint/2010/main" val="1420271675"/>
+        <p14:creationId xmlns:p14="http://schemas.microsoft.com/office/powerpoint/2010/main" xmlns="" val="1420271675"/>
       </p:ext>
     </p:extLst>
   </p:cSld>
@@ -2115,15 +2148,6 @@
           <a:bodyPr/>
           <a:lstStyle/>
           <a:p>
-            <a:r>
-              <a:rPr lang="en-US" baseline="0" dirty="0" smtClean="0"/>
-              <a:t>This question is for you, the audience, to decide… what do you want to do with BHL data?</a:t>
-            </a:r>
-          </a:p>
-          <a:p>
-            <a:endParaRPr lang="en-US" baseline="0" dirty="0" smtClean="0"/>
-          </a:p>
-          <a:p>
             <a:pPr marL="0" marR="0" indent="0" algn="l" defTabSz="457200" rtl="0" eaLnBrk="1" fontAlgn="auto" latinLnBrk="0" hangingPunct="1">
               <a:lnSpc>
                 <a:spcPct val="100000"/>
@@ -2143,8 +2167,17 @@
             </a:pPr>
             <a:r>
               <a:rPr lang="en-US" baseline="0" dirty="0" smtClean="0"/>
-              <a:t>To spark your imagination, here are some possibilities for Big Data Analysis of BHL data that I came up with.</a:t>
-            </a:r>
+              <a:t>Here </a:t>
+            </a:r>
+            <a:r>
+              <a:rPr lang="en-US" baseline="0" dirty="0" smtClean="0"/>
+              <a:t>are some possibilities for Big Data Analysis of BHL </a:t>
+            </a:r>
+            <a:r>
+              <a:rPr lang="en-US" baseline="0" dirty="0" smtClean="0"/>
+              <a:t>data.</a:t>
+            </a:r>
+            <a:endParaRPr lang="en-US" baseline="0" dirty="0" smtClean="0"/>
           </a:p>
           <a:p>
             <a:pPr marL="0" marR="0" indent="0" algn="l" defTabSz="457200" rtl="0" eaLnBrk="1" fontAlgn="auto" latinLnBrk="0" hangingPunct="1">
@@ -2186,8 +2219,21 @@
             </a:pPr>
             <a:r>
               <a:rPr lang="en-US" baseline="0" dirty="0" smtClean="0"/>
-              <a:t>Improved identification of scientific and common names (Global Names continues work on this)</a:t>
-            </a:r>
+              <a:t>Improved identification of scientific and common names </a:t>
+            </a:r>
+            <a:r>
+              <a:rPr lang="en-US" baseline="0" dirty="0" smtClean="0"/>
+              <a:t>(The Global </a:t>
+            </a:r>
+            <a:r>
+              <a:rPr lang="en-US" baseline="0" dirty="0" smtClean="0"/>
+              <a:t>Names </a:t>
+            </a:r>
+            <a:r>
+              <a:rPr lang="en-US" baseline="0" dirty="0" smtClean="0"/>
+              <a:t>team is already working on this)</a:t>
+            </a:r>
+            <a:endParaRPr lang="en-US" baseline="0" dirty="0" smtClean="0"/>
           </a:p>
           <a:p>
             <a:pPr marL="171450" marR="0" indent="-171450" algn="l" defTabSz="457200" rtl="0" eaLnBrk="1" fontAlgn="auto" latinLnBrk="0" hangingPunct="1">
@@ -2209,8 +2255,21 @@
             </a:pPr>
             <a:r>
               <a:rPr lang="en-US" baseline="0" dirty="0" smtClean="0"/>
-              <a:t>Image recognition.  There are already commercial services for this from the big players (Amazon, Microsoft, IBM)</a:t>
-            </a:r>
+              <a:t>Image recognition.  </a:t>
+            </a:r>
+            <a:r>
+              <a:rPr lang="en-US" baseline="0" dirty="0" smtClean="0"/>
+              <a:t>That is, programmatically examining an illustration and determining what it is an image of.  There </a:t>
+            </a:r>
+            <a:r>
+              <a:rPr lang="en-US" baseline="0" dirty="0" smtClean="0"/>
+              <a:t>are already commercial services for this from the big players (Amazon, Microsoft, IBM</a:t>
+            </a:r>
+            <a:r>
+              <a:rPr lang="en-US" baseline="0" dirty="0" smtClean="0"/>
+              <a:t>).</a:t>
+            </a:r>
+            <a:endParaRPr lang="en-US" baseline="0" dirty="0" smtClean="0"/>
           </a:p>
           <a:p>
             <a:pPr marL="171450" marR="0" indent="-171450" algn="l" defTabSz="457200" rtl="0" eaLnBrk="1" fontAlgn="auto" latinLnBrk="0" hangingPunct="1">
@@ -2255,8 +2314,13 @@
             </a:pPr>
             <a:r>
               <a:rPr lang="en-US" baseline="0" dirty="0" smtClean="0"/>
-              <a:t>Extract information about organisms, climate, and geography from text.</a:t>
-            </a:r>
+              <a:t>Extract information about organisms, climate, and geography from </a:t>
+            </a:r>
+            <a:r>
+              <a:rPr lang="en-US" baseline="0" dirty="0" smtClean="0"/>
+              <a:t>text, and find correlations between them.</a:t>
+            </a:r>
+            <a:endParaRPr lang="en-US" baseline="0" dirty="0" smtClean="0"/>
           </a:p>
           <a:p>
             <a:pPr marL="171450" marR="0" indent="-171450" algn="l" defTabSz="457200" rtl="0" eaLnBrk="1" fontAlgn="auto" latinLnBrk="0" hangingPunct="1">
@@ -2278,8 +2342,9 @@
             </a:pPr>
             <a:r>
               <a:rPr lang="en-US" baseline="0" dirty="0" smtClean="0"/>
-              <a:t>Find correlations between names, dates, climate data, and geographic data.</a:t>
-            </a:r>
+              <a:t>Include page and bibliographic metadata to expand the scope of text analysis.  Dates in particular may be valuable.</a:t>
+            </a:r>
+            <a:endParaRPr lang="en-US" baseline="0" dirty="0" smtClean="0"/>
           </a:p>
           <a:p>
             <a:pPr marL="0" marR="0" indent="0" algn="l" defTabSz="457200" rtl="0" eaLnBrk="1" fontAlgn="auto" latinLnBrk="0" hangingPunct="1">
@@ -2302,22 +2367,31 @@
             <a:endParaRPr lang="en-US" baseline="0" dirty="0" smtClean="0"/>
           </a:p>
           <a:p>
+            <a:pPr marL="0" marR="0" indent="0" algn="l" defTabSz="457200" rtl="0" eaLnBrk="1" fontAlgn="auto" latinLnBrk="0" hangingPunct="1">
+              <a:lnSpc>
+                <a:spcPct val="100000"/>
+              </a:lnSpc>
+              <a:spcBef>
+                <a:spcPts val="0"/>
+              </a:spcBef>
+              <a:spcAft>
+                <a:spcPts val="0"/>
+              </a:spcAft>
+              <a:buClrTx/>
+              <a:buSzTx/>
+              <a:buFontTx/>
+              <a:buNone/>
+              <a:tabLst/>
+              <a:defRPr/>
+            </a:pPr>
+            <a:r>
+              <a:rPr lang="en-US" baseline="0" dirty="0" smtClean="0"/>
+              <a:t>These are just some ideas that I have though of; I’m sure the audience can come up with many more possibilities.</a:t>
+            </a:r>
             <a:endParaRPr lang="en-US" baseline="0" dirty="0" smtClean="0"/>
           </a:p>
           <a:p>
             <a:endParaRPr lang="en-US" baseline="0" dirty="0" smtClean="0"/>
-          </a:p>
-          <a:p>
-            <a:endParaRPr lang="en-US" baseline="0" dirty="0" smtClean="0"/>
-          </a:p>
-          <a:p>
-            <a:endParaRPr lang="en-US" baseline="0" dirty="0" smtClean="0"/>
-          </a:p>
-          <a:p>
-            <a:endParaRPr lang="en-US" dirty="0" smtClean="0"/>
-          </a:p>
-          <a:p>
-            <a:endParaRPr lang="en-US" dirty="0"/>
           </a:p>
         </p:txBody>
       </p:sp>
@@ -2348,7 +2422,7 @@
     </p:spTree>
     <p:extLst>
       <p:ext uri="{BB962C8B-B14F-4D97-AF65-F5344CB8AC3E}">
-        <p14:creationId xmlns="" xmlns:p14="http://schemas.microsoft.com/office/powerpoint/2010/main" val="519396750"/>
+        <p14:creationId xmlns:p14="http://schemas.microsoft.com/office/powerpoint/2010/main" xmlns="" val="519396750"/>
       </p:ext>
     </p:extLst>
   </p:cSld>
@@ -2413,8 +2487,13 @@
             </a:r>
             <a:r>
               <a:rPr lang="en-US" baseline="0" dirty="0" smtClean="0"/>
-              <a:t> my presentation.</a:t>
-            </a:r>
+              <a:t> my presentation</a:t>
+            </a:r>
+            <a:r>
+              <a:rPr lang="en-US" baseline="0" dirty="0" smtClean="0"/>
+              <a:t>.  I hope you have learned something about the data in BHL and how to get it, and I hope you have interesting ideas about how it can be used.</a:t>
+            </a:r>
+            <a:endParaRPr lang="en-US" baseline="0" dirty="0" smtClean="0"/>
           </a:p>
           <a:p>
             <a:endParaRPr lang="en-US" baseline="0" dirty="0" smtClean="0"/>
@@ -2461,7 +2540,7 @@
     </p:spTree>
     <p:extLst>
       <p:ext uri="{BB962C8B-B14F-4D97-AF65-F5344CB8AC3E}">
-        <p14:creationId xmlns="" xmlns:p14="http://schemas.microsoft.com/office/powerpoint/2010/main" val="2492857078"/>
+        <p14:creationId xmlns:p14="http://schemas.microsoft.com/office/powerpoint/2010/main" xmlns="" val="2492857078"/>
       </p:ext>
     </p:extLst>
   </p:cSld>
@@ -2581,7 +2660,7 @@
     </p:spTree>
     <p:extLst>
       <p:ext uri="{BB962C8B-B14F-4D97-AF65-F5344CB8AC3E}">
-        <p14:creationId xmlns="" xmlns:p14="http://schemas.microsoft.com/office/powerpoint/2010/main" val="3161249615"/>
+        <p14:creationId xmlns:p14="http://schemas.microsoft.com/office/powerpoint/2010/main" xmlns="" val="3161249615"/>
       </p:ext>
     </p:extLst>
   </p:cSld>
@@ -2938,7 +3017,7 @@
     </p:spTree>
     <p:extLst>
       <p:ext uri="{BB962C8B-B14F-4D97-AF65-F5344CB8AC3E}">
-        <p14:creationId xmlns="" xmlns:p14="http://schemas.microsoft.com/office/powerpoint/2010/main" val="2163336662"/>
+        <p14:creationId xmlns:p14="http://schemas.microsoft.com/office/powerpoint/2010/main" xmlns="" val="2163336662"/>
       </p:ext>
     </p:extLst>
   </p:cSld>
@@ -3111,7 +3190,7 @@
     </p:spTree>
     <p:extLst>
       <p:ext uri="{BB962C8B-B14F-4D97-AF65-F5344CB8AC3E}">
-        <p14:creationId xmlns="" xmlns:p14="http://schemas.microsoft.com/office/powerpoint/2010/main" val="1254822975"/>
+        <p14:creationId xmlns:p14="http://schemas.microsoft.com/office/powerpoint/2010/main" xmlns="" val="1254822975"/>
       </p:ext>
     </p:extLst>
   </p:cSld>
@@ -3245,7 +3324,7 @@
     </p:spTree>
     <p:extLst>
       <p:ext uri="{BB962C8B-B14F-4D97-AF65-F5344CB8AC3E}">
-        <p14:creationId xmlns="" xmlns:p14="http://schemas.microsoft.com/office/powerpoint/2010/main" val="3860997776"/>
+        <p14:creationId xmlns:p14="http://schemas.microsoft.com/office/powerpoint/2010/main" xmlns="" val="3860997776"/>
       </p:ext>
     </p:extLst>
   </p:cSld>
@@ -3654,7 +3733,7 @@
     </p:spTree>
     <p:extLst>
       <p:ext uri="{BB962C8B-B14F-4D97-AF65-F5344CB8AC3E}">
-        <p14:creationId xmlns="" xmlns:p14="http://schemas.microsoft.com/office/powerpoint/2010/main" val="881293455"/>
+        <p14:creationId xmlns:p14="http://schemas.microsoft.com/office/powerpoint/2010/main" xmlns="" val="881293455"/>
       </p:ext>
     </p:extLst>
   </p:cSld>
@@ -4325,7 +4404,7 @@
     </p:spTree>
     <p:extLst>
       <p:ext uri="{BB962C8B-B14F-4D97-AF65-F5344CB8AC3E}">
-        <p14:creationId xmlns="" xmlns:p14="http://schemas.microsoft.com/office/powerpoint/2010/main" val="2796509056"/>
+        <p14:creationId xmlns:p14="http://schemas.microsoft.com/office/powerpoint/2010/main" xmlns="" val="2796509056"/>
       </p:ext>
     </p:extLst>
   </p:cSld>
@@ -4399,15 +4478,7 @@
           <a:p>
             <a:r>
               <a:rPr lang="en-US" baseline="0" dirty="0" smtClean="0"/>
-              <a:t>1) Metadata describing </a:t>
-            </a:r>
-            <a:r>
-              <a:rPr lang="en-US" baseline="0" smtClean="0"/>
-              <a:t>the elements in </a:t>
-            </a:r>
-            <a:r>
-              <a:rPr lang="en-US" baseline="0" dirty="0" smtClean="0"/>
-              <a:t>the collection.</a:t>
+              <a:t>1) Metadata describing the elements in the collection.</a:t>
             </a:r>
           </a:p>
           <a:p>
@@ -4436,7 +4507,15 @@
           <a:p>
             <a:r>
               <a:rPr lang="en-US" baseline="0" dirty="0" smtClean="0"/>
-              <a:t>3) Text for all 52+ million BHL-hosted pages in the collection.</a:t>
+              <a:t>3) Text for all </a:t>
+            </a:r>
+            <a:r>
+              <a:rPr lang="en-US" baseline="0" dirty="0" smtClean="0"/>
+              <a:t>53+ </a:t>
+            </a:r>
+            <a:r>
+              <a:rPr lang="en-US" baseline="0" dirty="0" smtClean="0"/>
+              <a:t>million BHL-hosted pages in the collection.</a:t>
             </a:r>
           </a:p>
           <a:p>
@@ -4471,7 +4550,7 @@
     </p:spTree>
     <p:extLst>
       <p:ext uri="{BB962C8B-B14F-4D97-AF65-F5344CB8AC3E}">
-        <p14:creationId xmlns="" xmlns:p14="http://schemas.microsoft.com/office/powerpoint/2010/main" val="3924599026"/>
+        <p14:creationId xmlns:p14="http://schemas.microsoft.com/office/powerpoint/2010/main" xmlns="" val="3924599026"/>
       </p:ext>
     </p:extLst>
   </p:cSld>
@@ -4574,7 +4653,15 @@
             </a:pPr>
             <a:r>
               <a:rPr lang="en-US" baseline="0" dirty="0" smtClean="0"/>
-              <a:t>Scientific names.   With the help that of the Global Names project, BHL has recorded 177+ million occurrences of scientific names within the text of the collection.</a:t>
+              <a:t>Scientific names.   With the help that of the Global Names project, BHL has recorded </a:t>
+            </a:r>
+            <a:r>
+              <a:rPr lang="en-US" baseline="0" dirty="0" smtClean="0"/>
+              <a:t>178+ </a:t>
+            </a:r>
+            <a:r>
+              <a:rPr lang="en-US" baseline="0" dirty="0" smtClean="0"/>
+              <a:t>million occurrences of scientific names within the text of the collection.</a:t>
             </a:r>
           </a:p>
           <a:p>
@@ -4627,7 +4714,7 @@
     </p:spTree>
     <p:extLst>
       <p:ext uri="{BB962C8B-B14F-4D97-AF65-F5344CB8AC3E}">
-        <p14:creationId xmlns="" xmlns:p14="http://schemas.microsoft.com/office/powerpoint/2010/main" val="1591452945"/>
+        <p14:creationId xmlns:p14="http://schemas.microsoft.com/office/powerpoint/2010/main" xmlns="" val="1591452945"/>
       </p:ext>
     </p:extLst>
   </p:cSld>
@@ -4858,7 +4945,7 @@
     </p:spTree>
     <p:extLst>
       <p:ext uri="{BB962C8B-B14F-4D97-AF65-F5344CB8AC3E}">
-        <p14:creationId xmlns="" xmlns:p14="http://schemas.microsoft.com/office/powerpoint/2010/main" val="1659397798"/>
+        <p14:creationId xmlns:p14="http://schemas.microsoft.com/office/powerpoint/2010/main" xmlns="" val="1659397798"/>
       </p:ext>
     </p:extLst>
   </p:cSld>
@@ -4932,8 +5019,30 @@
           <a:p>
             <a:r>
               <a:rPr lang="en-US" baseline="0" dirty="0" smtClean="0"/>
-              <a:t>With 52+ million pages in BHL, there are approximately 17 billion individual words contained in the text of the BHL collection.</a:t>
-            </a:r>
+              <a:t>With </a:t>
+            </a:r>
+            <a:r>
+              <a:rPr lang="en-US" baseline="0" dirty="0" smtClean="0"/>
+              <a:t>53+ </a:t>
+            </a:r>
+            <a:r>
+              <a:rPr lang="en-US" baseline="0" dirty="0" smtClean="0"/>
+              <a:t>million pages in BHL, there are approximately 17 billion individual words contained in the text of the BHL </a:t>
+            </a:r>
+            <a:r>
+              <a:rPr lang="en-US" baseline="0" dirty="0" smtClean="0"/>
+              <a:t>collection.</a:t>
+            </a:r>
+          </a:p>
+          <a:p>
+            <a:endParaRPr lang="en-US" baseline="0" dirty="0" smtClean="0"/>
+          </a:p>
+          <a:p>
+            <a:r>
+              <a:rPr lang="en-US" baseline="0" dirty="0" smtClean="0"/>
+              <a:t>These text documents represent a rich source of information for Big Data analysis.</a:t>
+            </a:r>
+            <a:endParaRPr lang="en-US" baseline="0" dirty="0" smtClean="0"/>
           </a:p>
           <a:p>
             <a:endParaRPr lang="en-US" baseline="0" dirty="0" smtClean="0"/>
@@ -4980,7 +5089,7 @@
     </p:spTree>
     <p:extLst>
       <p:ext uri="{BB962C8B-B14F-4D97-AF65-F5344CB8AC3E}">
-        <p14:creationId xmlns="" xmlns:p14="http://schemas.microsoft.com/office/powerpoint/2010/main" val="1195562963"/>
+        <p14:creationId xmlns:p14="http://schemas.microsoft.com/office/powerpoint/2010/main" xmlns="" val="1195562963"/>
       </p:ext>
     </p:extLst>
   </p:cSld>
@@ -5133,7 +5242,7 @@
     </p:spTree>
     <p:extLst>
       <p:ext uri="{BB962C8B-B14F-4D97-AF65-F5344CB8AC3E}">
-        <p14:creationId xmlns="" xmlns:p14="http://schemas.microsoft.com/office/powerpoint/2010/main" val="97680472"/>
+        <p14:creationId xmlns:p14="http://schemas.microsoft.com/office/powerpoint/2010/main" xmlns="" val="97680472"/>
       </p:ext>
     </p:extLst>
   </p:cSld>
@@ -5405,7 +5514,7 @@
     </p:spTree>
     <p:extLst>
       <p:ext uri="{BB962C8B-B14F-4D97-AF65-F5344CB8AC3E}">
-        <p14:creationId xmlns="" xmlns:p14="http://schemas.microsoft.com/office/powerpoint/2010/main" val="1462193928"/>
+        <p14:creationId xmlns:p14="http://schemas.microsoft.com/office/powerpoint/2010/main" xmlns="" val="1462193928"/>
       </p:ext>
     </p:extLst>
   </p:cSld>
@@ -5444,7 +5553,7 @@
           <a:blip r:embed="rId2" cstate="print">
             <a:extLst>
               <a:ext uri="{28A0092B-C50C-407E-A947-70E740481C1C}">
-                <a14:useLocalDpi xmlns="" xmlns:a14="http://schemas.microsoft.com/office/drawing/2010/main" val="0"/>
+                <a14:useLocalDpi xmlns:a14="http://schemas.microsoft.com/office/drawing/2010/main" xmlns="" val="0"/>
               </a:ext>
             </a:extLst>
           </a:blip>
@@ -5468,14 +5577,14 @@
           <a:effectLst/>
           <a:extLst>
             <a:ext uri="{909E8E84-426E-40DD-AFC4-6F175D3DCCD1}">
-              <a14:hiddenFill xmlns="" xmlns:a14="http://schemas.microsoft.com/office/drawing/2010/main">
+              <a14:hiddenFill xmlns:a14="http://schemas.microsoft.com/office/drawing/2010/main" xmlns="">
                 <a:solidFill>
                   <a:schemeClr val="accent1"/>
                 </a:solidFill>
               </a14:hiddenFill>
             </a:ext>
             <a:ext uri="{91240B29-F687-4F45-9708-019B960494DF}">
-              <a14:hiddenLine xmlns="" xmlns:a14="http://schemas.microsoft.com/office/drawing/2010/main" w="9525">
+              <a14:hiddenLine xmlns:a14="http://schemas.microsoft.com/office/drawing/2010/main" xmlns="" w="9525">
                 <a:solidFill>
                   <a:schemeClr val="tx1"/>
                 </a:solidFill>
@@ -5485,7 +5594,7 @@
               </a14:hiddenLine>
             </a:ext>
             <a:ext uri="{AF507438-7753-43E0-B8FC-AC1667EBCBE1}">
-              <a14:hiddenEffects xmlns="" xmlns:a14="http://schemas.microsoft.com/office/drawing/2010/main">
+              <a14:hiddenEffects xmlns:a14="http://schemas.microsoft.com/office/drawing/2010/main" xmlns="">
                 <a:effectLst>
                   <a:outerShdw dist="35921" dir="2700000" algn="ctr" rotWithShape="0">
                     <a:schemeClr val="bg2"/>
@@ -5508,7 +5617,7 @@
           <a:blip r:embed="rId3" cstate="print">
             <a:extLst>
               <a:ext uri="{28A0092B-C50C-407E-A947-70E740481C1C}">
-                <a14:useLocalDpi xmlns="" xmlns:a14="http://schemas.microsoft.com/office/drawing/2010/main" val="0"/>
+                <a14:useLocalDpi xmlns:a14="http://schemas.microsoft.com/office/drawing/2010/main" xmlns="" val="0"/>
               </a:ext>
             </a:extLst>
           </a:blip>
@@ -5599,7 +5708,7 @@
     </p:spTree>
     <p:extLst>
       <p:ext uri="{BB962C8B-B14F-4D97-AF65-F5344CB8AC3E}">
-        <p14:creationId xmlns="" xmlns:p14="http://schemas.microsoft.com/office/powerpoint/2010/main" val="2478967282"/>
+        <p14:creationId xmlns:p14="http://schemas.microsoft.com/office/powerpoint/2010/main" xmlns="" val="2478967282"/>
       </p:ext>
     </p:extLst>
   </p:cSld>
@@ -5684,7 +5793,7 @@
           <a:blip r:embed="rId2" cstate="print">
             <a:extLst>
               <a:ext uri="{28A0092B-C50C-407E-A947-70E740481C1C}">
-                <a14:useLocalDpi xmlns="" xmlns:a14="http://schemas.microsoft.com/office/drawing/2010/main" val="0"/>
+                <a14:useLocalDpi xmlns:a14="http://schemas.microsoft.com/office/drawing/2010/main" xmlns="" val="0"/>
               </a:ext>
             </a:extLst>
           </a:blip>
@@ -6038,7 +6147,7 @@
     </p:spTree>
     <p:extLst>
       <p:ext uri="{BB962C8B-B14F-4D97-AF65-F5344CB8AC3E}">
-        <p14:creationId xmlns="" xmlns:p14="http://schemas.microsoft.com/office/powerpoint/2010/main" val="1649327088"/>
+        <p14:creationId xmlns:p14="http://schemas.microsoft.com/office/powerpoint/2010/main" xmlns="" val="1649327088"/>
       </p:ext>
     </p:extLst>
   </p:cSld>
@@ -6463,7 +6572,7 @@
           <a:blip r:embed="rId2" cstate="print">
             <a:extLst>
               <a:ext uri="{28A0092B-C50C-407E-A947-70E740481C1C}">
-                <a14:useLocalDpi xmlns="" xmlns:a14="http://schemas.microsoft.com/office/drawing/2010/main" val="0"/>
+                <a14:useLocalDpi xmlns:a14="http://schemas.microsoft.com/office/drawing/2010/main" xmlns="" val="0"/>
               </a:ext>
             </a:extLst>
           </a:blip>
@@ -6527,7 +6636,7 @@
     </p:spTree>
     <p:extLst>
       <p:ext uri="{BB962C8B-B14F-4D97-AF65-F5344CB8AC3E}">
-        <p14:creationId xmlns="" xmlns:p14="http://schemas.microsoft.com/office/powerpoint/2010/main" val="1675475096"/>
+        <p14:creationId xmlns:p14="http://schemas.microsoft.com/office/powerpoint/2010/main" xmlns="" val="1675475096"/>
       </p:ext>
     </p:extLst>
   </p:cSld>
@@ -6612,7 +6721,7 @@
           <a:blip r:embed="rId2" cstate="print">
             <a:extLst>
               <a:ext uri="{28A0092B-C50C-407E-A947-70E740481C1C}">
-                <a14:useLocalDpi xmlns="" xmlns:a14="http://schemas.microsoft.com/office/drawing/2010/main" val="0"/>
+                <a14:useLocalDpi xmlns:a14="http://schemas.microsoft.com/office/drawing/2010/main" xmlns="" val="0"/>
               </a:ext>
             </a:extLst>
           </a:blip>
@@ -6676,7 +6785,7 @@
     </p:spTree>
     <p:extLst>
       <p:ext uri="{BB962C8B-B14F-4D97-AF65-F5344CB8AC3E}">
-        <p14:creationId xmlns="" xmlns:p14="http://schemas.microsoft.com/office/powerpoint/2010/main" val="3589482103"/>
+        <p14:creationId xmlns:p14="http://schemas.microsoft.com/office/powerpoint/2010/main" xmlns="" val="3589482103"/>
       </p:ext>
     </p:extLst>
   </p:cSld>
@@ -6779,7 +6888,7 @@
     </p:spTree>
     <p:extLst>
       <p:ext uri="{BB962C8B-B14F-4D97-AF65-F5344CB8AC3E}">
-        <p14:creationId xmlns="" xmlns:p14="http://schemas.microsoft.com/office/powerpoint/2010/main" val="3145854839"/>
+        <p14:creationId xmlns:p14="http://schemas.microsoft.com/office/powerpoint/2010/main" xmlns="" val="3145854839"/>
       </p:ext>
     </p:extLst>
   </p:cSld>
@@ -7015,7 +7124,7 @@
           <a:blip r:embed="rId2" cstate="print">
             <a:extLst>
               <a:ext uri="{28A0092B-C50C-407E-A947-70E740481C1C}">
-                <a14:useLocalDpi xmlns="" xmlns:a14="http://schemas.microsoft.com/office/drawing/2010/main" val="0"/>
+                <a14:useLocalDpi xmlns:a14="http://schemas.microsoft.com/office/drawing/2010/main" xmlns="" val="0"/>
               </a:ext>
             </a:extLst>
           </a:blip>
@@ -7082,7 +7191,7 @@
     </p:spTree>
     <p:extLst>
       <p:ext uri="{BB962C8B-B14F-4D97-AF65-F5344CB8AC3E}">
-        <p14:creationId xmlns="" xmlns:p14="http://schemas.microsoft.com/office/powerpoint/2010/main" val="2790897643"/>
+        <p14:creationId xmlns:p14="http://schemas.microsoft.com/office/powerpoint/2010/main" xmlns="" val="2790897643"/>
       </p:ext>
     </p:extLst>
   </p:cSld>
@@ -7167,7 +7276,7 @@
           <a:blip r:embed="rId2" cstate="print">
             <a:extLst>
               <a:ext uri="{28A0092B-C50C-407E-A947-70E740481C1C}">
-                <a14:useLocalDpi xmlns="" xmlns:a14="http://schemas.microsoft.com/office/drawing/2010/main" val="0"/>
+                <a14:useLocalDpi xmlns:a14="http://schemas.microsoft.com/office/drawing/2010/main" xmlns="" val="0"/>
               </a:ext>
             </a:extLst>
           </a:blip>
@@ -7231,7 +7340,7 @@
     </p:spTree>
     <p:extLst>
       <p:ext uri="{BB962C8B-B14F-4D97-AF65-F5344CB8AC3E}">
-        <p14:creationId xmlns="" xmlns:p14="http://schemas.microsoft.com/office/powerpoint/2010/main" val="2318148184"/>
+        <p14:creationId xmlns:p14="http://schemas.microsoft.com/office/powerpoint/2010/main" xmlns="" val="2318148184"/>
       </p:ext>
     </p:extLst>
   </p:cSld>
@@ -7316,7 +7425,7 @@
           <a:blip r:embed="rId2" cstate="print">
             <a:extLst>
               <a:ext uri="{28A0092B-C50C-407E-A947-70E740481C1C}">
-                <a14:useLocalDpi xmlns="" xmlns:a14="http://schemas.microsoft.com/office/drawing/2010/main" val="0"/>
+                <a14:useLocalDpi xmlns:a14="http://schemas.microsoft.com/office/drawing/2010/main" xmlns="" val="0"/>
               </a:ext>
             </a:extLst>
           </a:blip>
@@ -7380,7 +7489,7 @@
     </p:spTree>
     <p:extLst>
       <p:ext uri="{BB962C8B-B14F-4D97-AF65-F5344CB8AC3E}">
-        <p14:creationId xmlns="" xmlns:p14="http://schemas.microsoft.com/office/powerpoint/2010/main" val="20454123"/>
+        <p14:creationId xmlns:p14="http://schemas.microsoft.com/office/powerpoint/2010/main" xmlns="" val="20454123"/>
       </p:ext>
     </p:extLst>
   </p:cSld>
@@ -7465,7 +7574,7 @@
           <a:blip r:embed="rId2" cstate="print">
             <a:extLst>
               <a:ext uri="{28A0092B-C50C-407E-A947-70E740481C1C}">
-                <a14:useLocalDpi xmlns="" xmlns:a14="http://schemas.microsoft.com/office/drawing/2010/main" val="0"/>
+                <a14:useLocalDpi xmlns:a14="http://schemas.microsoft.com/office/drawing/2010/main" xmlns="" val="0"/>
               </a:ext>
             </a:extLst>
           </a:blip>
@@ -7529,7 +7638,7 @@
     </p:spTree>
     <p:extLst>
       <p:ext uri="{BB962C8B-B14F-4D97-AF65-F5344CB8AC3E}">
-        <p14:creationId xmlns="" xmlns:p14="http://schemas.microsoft.com/office/powerpoint/2010/main" val="20454123"/>
+        <p14:creationId xmlns:p14="http://schemas.microsoft.com/office/powerpoint/2010/main" xmlns="" val="20454123"/>
       </p:ext>
     </p:extLst>
   </p:cSld>
@@ -7614,7 +7723,7 @@
           <a:blip r:embed="rId2" cstate="print">
             <a:extLst>
               <a:ext uri="{28A0092B-C50C-407E-A947-70E740481C1C}">
-                <a14:useLocalDpi xmlns="" xmlns:a14="http://schemas.microsoft.com/office/drawing/2010/main" val="0"/>
+                <a14:useLocalDpi xmlns:a14="http://schemas.microsoft.com/office/drawing/2010/main" xmlns="" val="0"/>
               </a:ext>
             </a:extLst>
           </a:blip>
@@ -7678,7 +7787,7 @@
     </p:spTree>
     <p:extLst>
       <p:ext uri="{BB962C8B-B14F-4D97-AF65-F5344CB8AC3E}">
-        <p14:creationId xmlns="" xmlns:p14="http://schemas.microsoft.com/office/powerpoint/2010/main" val="20454123"/>
+        <p14:creationId xmlns:p14="http://schemas.microsoft.com/office/powerpoint/2010/main" xmlns="" val="20454123"/>
       </p:ext>
     </p:extLst>
   </p:cSld>
@@ -7763,7 +7872,7 @@
           <a:blip r:embed="rId2" cstate="print">
             <a:extLst>
               <a:ext uri="{28A0092B-C50C-407E-A947-70E740481C1C}">
-                <a14:useLocalDpi xmlns="" xmlns:a14="http://schemas.microsoft.com/office/drawing/2010/main" val="0"/>
+                <a14:useLocalDpi xmlns:a14="http://schemas.microsoft.com/office/drawing/2010/main" xmlns="" val="0"/>
               </a:ext>
             </a:extLst>
           </a:blip>
@@ -7827,7 +7936,7 @@
     </p:spTree>
     <p:extLst>
       <p:ext uri="{BB962C8B-B14F-4D97-AF65-F5344CB8AC3E}">
-        <p14:creationId xmlns="" xmlns:p14="http://schemas.microsoft.com/office/powerpoint/2010/main" val="20454123"/>
+        <p14:creationId xmlns:p14="http://schemas.microsoft.com/office/powerpoint/2010/main" xmlns="" val="20454123"/>
       </p:ext>
     </p:extLst>
   </p:cSld>
@@ -7866,7 +7975,7 @@
           <a:blip r:embed="rId2" cstate="print">
             <a:extLst>
               <a:ext uri="{28A0092B-C50C-407E-A947-70E740481C1C}">
-                <a14:useLocalDpi xmlns="" xmlns:a14="http://schemas.microsoft.com/office/drawing/2010/main" val="0"/>
+                <a14:useLocalDpi xmlns:a14="http://schemas.microsoft.com/office/drawing/2010/main" xmlns="" val="0"/>
               </a:ext>
             </a:extLst>
           </a:blip>
@@ -7890,14 +7999,14 @@
           <a:effectLst/>
           <a:extLst>
             <a:ext uri="{909E8E84-426E-40DD-AFC4-6F175D3DCCD1}">
-              <a14:hiddenFill xmlns="" xmlns:a14="http://schemas.microsoft.com/office/drawing/2010/main">
+              <a14:hiddenFill xmlns:a14="http://schemas.microsoft.com/office/drawing/2010/main" xmlns="">
                 <a:solidFill>
                   <a:schemeClr val="accent1"/>
                 </a:solidFill>
               </a14:hiddenFill>
             </a:ext>
             <a:ext uri="{91240B29-F687-4F45-9708-019B960494DF}">
-              <a14:hiddenLine xmlns="" xmlns:a14="http://schemas.microsoft.com/office/drawing/2010/main" w="9525">
+              <a14:hiddenLine xmlns:a14="http://schemas.microsoft.com/office/drawing/2010/main" xmlns="" w="9525">
                 <a:solidFill>
                   <a:schemeClr val="tx1"/>
                 </a:solidFill>
@@ -7907,7 +8016,7 @@
               </a14:hiddenLine>
             </a:ext>
             <a:ext uri="{AF507438-7753-43E0-B8FC-AC1667EBCBE1}">
-              <a14:hiddenEffects xmlns="" xmlns:a14="http://schemas.microsoft.com/office/drawing/2010/main">
+              <a14:hiddenEffects xmlns:a14="http://schemas.microsoft.com/office/drawing/2010/main" xmlns="">
                 <a:effectLst>
                   <a:outerShdw dist="35921" dir="2700000" algn="ctr" rotWithShape="0">
                     <a:schemeClr val="bg2"/>
@@ -7965,7 +8074,7 @@
           <a:blip r:embed="rId3" cstate="print">
             <a:extLst>
               <a:ext uri="{28A0092B-C50C-407E-A947-70E740481C1C}">
-                <a14:useLocalDpi xmlns="" xmlns:a14="http://schemas.microsoft.com/office/drawing/2010/main" val="0"/>
+                <a14:useLocalDpi xmlns:a14="http://schemas.microsoft.com/office/drawing/2010/main" xmlns="" val="0"/>
               </a:ext>
             </a:extLst>
           </a:blip>
@@ -7986,7 +8095,7 @@
     </p:spTree>
     <p:extLst>
       <p:ext uri="{BB962C8B-B14F-4D97-AF65-F5344CB8AC3E}">
-        <p14:creationId xmlns="" xmlns:p14="http://schemas.microsoft.com/office/powerpoint/2010/main" val="2678290118"/>
+        <p14:creationId xmlns:p14="http://schemas.microsoft.com/office/powerpoint/2010/main" xmlns="" val="2678290118"/>
       </p:ext>
     </p:extLst>
   </p:cSld>
@@ -8071,7 +8180,7 @@
           <a:blip r:embed="rId2" cstate="print">
             <a:extLst>
               <a:ext uri="{28A0092B-C50C-407E-A947-70E740481C1C}">
-                <a14:useLocalDpi xmlns="" xmlns:a14="http://schemas.microsoft.com/office/drawing/2010/main" val="0"/>
+                <a14:useLocalDpi xmlns:a14="http://schemas.microsoft.com/office/drawing/2010/main" xmlns="" val="0"/>
               </a:ext>
             </a:extLst>
           </a:blip>
@@ -8135,7 +8244,7 @@
     </p:spTree>
     <p:extLst>
       <p:ext uri="{BB962C8B-B14F-4D97-AF65-F5344CB8AC3E}">
-        <p14:creationId xmlns="" xmlns:p14="http://schemas.microsoft.com/office/powerpoint/2010/main" val="1664427782"/>
+        <p14:creationId xmlns:p14="http://schemas.microsoft.com/office/powerpoint/2010/main" xmlns="" val="1664427782"/>
       </p:ext>
     </p:extLst>
   </p:cSld>
@@ -8220,7 +8329,7 @@
           <a:blip r:embed="rId2" cstate="print">
             <a:extLst>
               <a:ext uri="{28A0092B-C50C-407E-A947-70E740481C1C}">
-                <a14:useLocalDpi xmlns="" xmlns:a14="http://schemas.microsoft.com/office/drawing/2010/main" val="0"/>
+                <a14:useLocalDpi xmlns:a14="http://schemas.microsoft.com/office/drawing/2010/main" xmlns="" val="0"/>
               </a:ext>
             </a:extLst>
           </a:blip>
@@ -8250,7 +8359,7 @@
           <a:blip r:embed="rId3" cstate="print">
             <a:extLst>
               <a:ext uri="{28A0092B-C50C-407E-A947-70E740481C1C}">
-                <a14:useLocalDpi xmlns="" xmlns:a14="http://schemas.microsoft.com/office/drawing/2010/main" val="0"/>
+                <a14:useLocalDpi xmlns:a14="http://schemas.microsoft.com/office/drawing/2010/main" xmlns="" val="0"/>
               </a:ext>
             </a:extLst>
           </a:blip>
@@ -8271,7 +8380,7 @@
     </p:spTree>
     <p:extLst>
       <p:ext uri="{BB962C8B-B14F-4D97-AF65-F5344CB8AC3E}">
-        <p14:creationId xmlns="" xmlns:p14="http://schemas.microsoft.com/office/powerpoint/2010/main" val="1430256493"/>
+        <p14:creationId xmlns:p14="http://schemas.microsoft.com/office/powerpoint/2010/main" xmlns="" val="1430256493"/>
       </p:ext>
     </p:extLst>
   </p:cSld>
@@ -8356,7 +8465,7 @@
           <a:blip r:embed="rId2" cstate="print">
             <a:extLst>
               <a:ext uri="{28A0092B-C50C-407E-A947-70E740481C1C}">
-                <a14:useLocalDpi xmlns="" xmlns:a14="http://schemas.microsoft.com/office/drawing/2010/main" val="0"/>
+                <a14:useLocalDpi xmlns:a14="http://schemas.microsoft.com/office/drawing/2010/main" xmlns="" val="0"/>
               </a:ext>
             </a:extLst>
           </a:blip>
@@ -8490,7 +8599,7 @@
     </p:spTree>
     <p:extLst>
       <p:ext uri="{BB962C8B-B14F-4D97-AF65-F5344CB8AC3E}">
-        <p14:creationId xmlns="" xmlns:p14="http://schemas.microsoft.com/office/powerpoint/2010/main" val="3135013638"/>
+        <p14:creationId xmlns:p14="http://schemas.microsoft.com/office/powerpoint/2010/main" xmlns="" val="3135013638"/>
       </p:ext>
     </p:extLst>
   </p:cSld>
@@ -8575,7 +8684,7 @@
           <a:blip r:embed="rId2" cstate="print">
             <a:extLst>
               <a:ext uri="{28A0092B-C50C-407E-A947-70E740481C1C}">
-                <a14:useLocalDpi xmlns="" xmlns:a14="http://schemas.microsoft.com/office/drawing/2010/main" val="0"/>
+                <a14:useLocalDpi xmlns:a14="http://schemas.microsoft.com/office/drawing/2010/main" xmlns="" val="0"/>
               </a:ext>
             </a:extLst>
           </a:blip>
@@ -8739,7 +8848,7 @@
     </p:spTree>
     <p:extLst>
       <p:ext uri="{BB962C8B-B14F-4D97-AF65-F5344CB8AC3E}">
-        <p14:creationId xmlns="" xmlns:p14="http://schemas.microsoft.com/office/powerpoint/2010/main" val="3072449041"/>
+        <p14:creationId xmlns:p14="http://schemas.microsoft.com/office/powerpoint/2010/main" xmlns="" val="3072449041"/>
       </p:ext>
     </p:extLst>
   </p:cSld>
@@ -8824,7 +8933,7 @@
           <a:blip r:embed="rId2" cstate="print">
             <a:extLst>
               <a:ext uri="{28A0092B-C50C-407E-A947-70E740481C1C}">
-                <a14:useLocalDpi xmlns="" xmlns:a14="http://schemas.microsoft.com/office/drawing/2010/main" val="0"/>
+                <a14:useLocalDpi xmlns:a14="http://schemas.microsoft.com/office/drawing/2010/main" xmlns="" val="0"/>
               </a:ext>
             </a:extLst>
           </a:blip>
@@ -8996,7 +9105,7 @@
     </p:spTree>
     <p:extLst>
       <p:ext uri="{BB962C8B-B14F-4D97-AF65-F5344CB8AC3E}">
-        <p14:creationId xmlns="" xmlns:p14="http://schemas.microsoft.com/office/powerpoint/2010/main" val="994759595"/>
+        <p14:creationId xmlns:p14="http://schemas.microsoft.com/office/powerpoint/2010/main" xmlns="" val="994759595"/>
       </p:ext>
     </p:extLst>
   </p:cSld>
@@ -9081,7 +9190,7 @@
           <a:blip r:embed="rId2" cstate="print">
             <a:extLst>
               <a:ext uri="{28A0092B-C50C-407E-A947-70E740481C1C}">
-                <a14:useLocalDpi xmlns="" xmlns:a14="http://schemas.microsoft.com/office/drawing/2010/main" val="0"/>
+                <a14:useLocalDpi xmlns:a14="http://schemas.microsoft.com/office/drawing/2010/main" xmlns="" val="0"/>
               </a:ext>
             </a:extLst>
           </a:blip>
@@ -9284,7 +9393,7 @@
     </p:spTree>
     <p:extLst>
       <p:ext uri="{BB962C8B-B14F-4D97-AF65-F5344CB8AC3E}">
-        <p14:creationId xmlns="" xmlns:p14="http://schemas.microsoft.com/office/powerpoint/2010/main" val="2174007619"/>
+        <p14:creationId xmlns:p14="http://schemas.microsoft.com/office/powerpoint/2010/main" xmlns="" val="2174007619"/>
       </p:ext>
     </p:extLst>
   </p:cSld>
@@ -9554,7 +9663,7 @@
           <a:blip r:embed="rId2" cstate="print">
             <a:extLst>
               <a:ext uri="{28A0092B-C50C-407E-A947-70E740481C1C}">
-                <a14:useLocalDpi xmlns="" xmlns:a14="http://schemas.microsoft.com/office/drawing/2010/main" val="0"/>
+                <a14:useLocalDpi xmlns:a14="http://schemas.microsoft.com/office/drawing/2010/main" xmlns="" val="0"/>
               </a:ext>
             </a:extLst>
           </a:blip>
@@ -9618,7 +9727,7 @@
     </p:spTree>
     <p:extLst>
       <p:ext uri="{BB962C8B-B14F-4D97-AF65-F5344CB8AC3E}">
-        <p14:creationId xmlns="" xmlns:p14="http://schemas.microsoft.com/office/powerpoint/2010/main" val="4189991210"/>
+        <p14:creationId xmlns:p14="http://schemas.microsoft.com/office/powerpoint/2010/main" xmlns="" val="4189991210"/>
       </p:ext>
     </p:extLst>
   </p:cSld>
@@ -9767,7 +9876,7 @@
           <a:blip r:embed="rId2" cstate="print">
             <a:extLst>
               <a:ext uri="{28A0092B-C50C-407E-A947-70E740481C1C}">
-                <a14:useLocalDpi xmlns="" xmlns:a14="http://schemas.microsoft.com/office/drawing/2010/main" val="0"/>
+                <a14:useLocalDpi xmlns:a14="http://schemas.microsoft.com/office/drawing/2010/main" xmlns="" val="0"/>
               </a:ext>
             </a:extLst>
           </a:blip>
@@ -9931,7 +10040,7 @@
     </p:spTree>
     <p:extLst>
       <p:ext uri="{BB962C8B-B14F-4D97-AF65-F5344CB8AC3E}">
-        <p14:creationId xmlns="" xmlns:p14="http://schemas.microsoft.com/office/powerpoint/2010/main" val="2761385501"/>
+        <p14:creationId xmlns:p14="http://schemas.microsoft.com/office/powerpoint/2010/main" xmlns="" val="2761385501"/>
       </p:ext>
     </p:extLst>
   </p:cSld>
@@ -10267,7 +10376,7 @@
     </p:spTree>
     <p:extLst>
       <p:ext uri="{BB962C8B-B14F-4D97-AF65-F5344CB8AC3E}">
-        <p14:creationId xmlns="" xmlns:p14="http://schemas.microsoft.com/office/powerpoint/2010/main" val="879668439"/>
+        <p14:creationId xmlns:p14="http://schemas.microsoft.com/office/powerpoint/2010/main" xmlns="" val="879668439"/>
       </p:ext>
     </p:extLst>
   </p:cSld>
@@ -10357,7 +10466,7 @@
           <a:blip r:embed="rId23" cstate="print">
             <a:extLst>
               <a:ext uri="{28A0092B-C50C-407E-A947-70E740481C1C}">
-                <a14:useLocalDpi xmlns="" xmlns:a14="http://schemas.microsoft.com/office/drawing/2010/main" val="0"/>
+                <a14:useLocalDpi xmlns:a14="http://schemas.microsoft.com/office/drawing/2010/main" xmlns="" val="0"/>
               </a:ext>
             </a:extLst>
           </a:blip>
@@ -10378,7 +10487,7 @@
     </p:spTree>
     <p:extLst>
       <p:ext uri="{BB962C8B-B14F-4D97-AF65-F5344CB8AC3E}">
-        <p14:creationId xmlns="" xmlns:p14="http://schemas.microsoft.com/office/powerpoint/2010/main" val="3044589780"/>
+        <p14:creationId xmlns:p14="http://schemas.microsoft.com/office/powerpoint/2010/main" xmlns="" val="3044589780"/>
       </p:ext>
     </p:extLst>
   </p:cSld>
@@ -11043,7 +11152,7 @@
     </p:spTree>
     <p:extLst>
       <p:ext uri="{BB962C8B-B14F-4D97-AF65-F5344CB8AC3E}">
-        <p14:creationId xmlns="" xmlns:p14="http://schemas.microsoft.com/office/powerpoint/2010/main" val="2337725177"/>
+        <p14:creationId xmlns:p14="http://schemas.microsoft.com/office/powerpoint/2010/main" xmlns="" val="2337725177"/>
       </p:ext>
     </p:extLst>
   </p:cSld>
@@ -11268,7 +11377,7 @@
     </p:spTree>
     <p:extLst>
       <p:ext uri="{BB962C8B-B14F-4D97-AF65-F5344CB8AC3E}">
-        <p14:creationId xmlns="" xmlns:p14="http://schemas.microsoft.com/office/powerpoint/2010/main" val="3507990499"/>
+        <p14:creationId xmlns:p14="http://schemas.microsoft.com/office/powerpoint/2010/main" xmlns="" val="3507990499"/>
       </p:ext>
     </p:extLst>
   </p:cSld>
@@ -11411,7 +11520,7 @@
     </p:spTree>
     <p:extLst>
       <p:ext uri="{BB962C8B-B14F-4D97-AF65-F5344CB8AC3E}">
-        <p14:creationId xmlns="" xmlns:p14="http://schemas.microsoft.com/office/powerpoint/2010/main" val="4021351983"/>
+        <p14:creationId xmlns:p14="http://schemas.microsoft.com/office/powerpoint/2010/main" xmlns="" val="4021351983"/>
       </p:ext>
     </p:extLst>
   </p:cSld>
@@ -11506,7 +11615,7 @@
     </p:spTree>
     <p:extLst>
       <p:ext uri="{BB962C8B-B14F-4D97-AF65-F5344CB8AC3E}">
-        <p14:creationId xmlns="" xmlns:p14="http://schemas.microsoft.com/office/powerpoint/2010/main" val="269176317"/>
+        <p14:creationId xmlns:p14="http://schemas.microsoft.com/office/powerpoint/2010/main" xmlns="" val="269176317"/>
       </p:ext>
     </p:extLst>
   </p:cSld>
@@ -11642,11 +11751,7 @@
             <a:pPr lvl="1"/>
             <a:r>
               <a:rPr lang="en-US" sz="2400" dirty="0" smtClean="0"/>
-              <a:t>https://</a:t>
-            </a:r>
-            <a:r>
-              <a:rPr lang="en-US" sz="2400" dirty="0" smtClean="0"/>
-              <a:t>biodiversitylibrary.org/getapikey.aspx</a:t>
+              <a:t>https://biodiversitylibrary.org/getapikey.aspx</a:t>
             </a:r>
           </a:p>
           <a:p>
@@ -11658,7 +11763,7 @@
     </p:spTree>
     <p:extLst>
       <p:ext uri="{BB962C8B-B14F-4D97-AF65-F5344CB8AC3E}">
-        <p14:creationId xmlns="" xmlns:p14="http://schemas.microsoft.com/office/powerpoint/2010/main" val="3617054278"/>
+        <p14:creationId xmlns:p14="http://schemas.microsoft.com/office/powerpoint/2010/main" xmlns="" val="3617054278"/>
       </p:ext>
     </p:extLst>
   </p:cSld>
@@ -11753,7 +11858,7 @@
     </p:spTree>
     <p:extLst>
       <p:ext uri="{BB962C8B-B14F-4D97-AF65-F5344CB8AC3E}">
-        <p14:creationId xmlns="" xmlns:p14="http://schemas.microsoft.com/office/powerpoint/2010/main" val="3057094392"/>
+        <p14:creationId xmlns:p14="http://schemas.microsoft.com/office/powerpoint/2010/main" xmlns="" val="3057094392"/>
       </p:ext>
     </p:extLst>
   </p:cSld>
@@ -13089,7 +13194,7 @@
     </p:spTree>
     <p:extLst>
       <p:ext uri="{BB962C8B-B14F-4D97-AF65-F5344CB8AC3E}">
-        <p14:creationId xmlns="" xmlns:p14="http://schemas.microsoft.com/office/powerpoint/2010/main" val="1445642125"/>
+        <p14:creationId xmlns:p14="http://schemas.microsoft.com/office/powerpoint/2010/main" xmlns="" val="1445642125"/>
       </p:ext>
     </p:extLst>
   </p:cSld>
@@ -13215,7 +13320,7 @@
           <a:blip r:embed="rId3" cstate="print">
             <a:extLst>
               <a:ext uri="{28A0092B-C50C-407E-A947-70E740481C1C}">
-                <a14:useLocalDpi xmlns="" xmlns:a14="http://schemas.microsoft.com/office/drawing/2010/main" val="0"/>
+                <a14:useLocalDpi xmlns:a14="http://schemas.microsoft.com/office/drawing/2010/main" xmlns="" val="0"/>
               </a:ext>
             </a:extLst>
           </a:blip>
@@ -13239,14 +13344,14 @@
           <a:effectLst/>
           <a:extLst>
             <a:ext uri="{909E8E84-426E-40DD-AFC4-6F175D3DCCD1}">
-              <a14:hiddenFill xmlns="" xmlns:a14="http://schemas.microsoft.com/office/drawing/2010/main">
+              <a14:hiddenFill xmlns:a14="http://schemas.microsoft.com/office/drawing/2010/main" xmlns="">
                 <a:solidFill>
                   <a:schemeClr val="accent1"/>
                 </a:solidFill>
               </a14:hiddenFill>
             </a:ext>
             <a:ext uri="{91240B29-F687-4F45-9708-019B960494DF}">
-              <a14:hiddenLine xmlns="" xmlns:a14="http://schemas.microsoft.com/office/drawing/2010/main" w="9525">
+              <a14:hiddenLine xmlns:a14="http://schemas.microsoft.com/office/drawing/2010/main" xmlns="" w="9525">
                 <a:solidFill>
                   <a:schemeClr val="tx1"/>
                 </a:solidFill>
@@ -13256,7 +13361,7 @@
               </a14:hiddenLine>
             </a:ext>
             <a:ext uri="{AF507438-7753-43E0-B8FC-AC1667EBCBE1}">
-              <a14:hiddenEffects xmlns="" xmlns:a14="http://schemas.microsoft.com/office/drawing/2010/main">
+              <a14:hiddenEffects xmlns:a14="http://schemas.microsoft.com/office/drawing/2010/main" xmlns="">
                 <a:effectLst>
                   <a:outerShdw dist="35921" dir="2700000" algn="ctr" rotWithShape="0">
                     <a:schemeClr val="bg2"/>
@@ -13270,7 +13375,7 @@
     </p:spTree>
     <p:extLst>
       <p:ext uri="{BB962C8B-B14F-4D97-AF65-F5344CB8AC3E}">
-        <p14:creationId xmlns="" xmlns:p14="http://schemas.microsoft.com/office/powerpoint/2010/main" val="1235334137"/>
+        <p14:creationId xmlns:p14="http://schemas.microsoft.com/office/powerpoint/2010/main" xmlns="" val="1235334137"/>
       </p:ext>
     </p:extLst>
   </p:cSld>
@@ -13352,15 +13457,6 @@
           <a:bodyPr/>
           <a:lstStyle/>
           <a:p>
-            <a:pPr marL="0" indent="0" algn="ctr">
-              <a:buNone/>
-            </a:pPr>
-            <a:r>
-              <a:rPr lang="en-US" dirty="0" smtClean="0"/>
-              <a:t>Big Data Analysis</a:t>
-            </a:r>
-          </a:p>
-          <a:p>
             <a:endParaRPr lang="en-US" sz="1000" dirty="0"/>
           </a:p>
           <a:p>
@@ -13415,7 +13511,11 @@
             </a:pPr>
             <a:r>
               <a:rPr lang="en-US" sz="2800" dirty="0" smtClean="0"/>
-              <a:t>Find correlations between names, dates, climate data, geographic data</a:t>
+              <a:t>Find correlations between </a:t>
+            </a:r>
+            <a:r>
+              <a:rPr lang="en-US" sz="2800" dirty="0" smtClean="0"/>
+              <a:t>metadata and textual data</a:t>
             </a:r>
             <a:endParaRPr lang="en-US" sz="2800" dirty="0"/>
           </a:p>
@@ -13424,7 +13524,7 @@
     </p:spTree>
     <p:extLst>
       <p:ext uri="{BB962C8B-B14F-4D97-AF65-F5344CB8AC3E}">
-        <p14:creationId xmlns="" xmlns:p14="http://schemas.microsoft.com/office/powerpoint/2010/main" val="2182676377"/>
+        <p14:creationId xmlns:p14="http://schemas.microsoft.com/office/powerpoint/2010/main" xmlns="" val="2182676377"/>
       </p:ext>
     </p:extLst>
   </p:cSld>
@@ -13542,11 +13642,7 @@
             <a:pPr lvl="1"/>
             <a:r>
               <a:rPr lang="en-US" sz="2400" dirty="0" smtClean="0"/>
-              <a:t>https://</a:t>
-            </a:r>
-            <a:r>
-              <a:rPr lang="en-US" sz="2400" dirty="0" smtClean="0"/>
-              <a:t>biodiversitylibrary.org/api2/docs/docs.html</a:t>
+              <a:t>https://biodiversitylibrary.org/api2/docs/docs.html</a:t>
             </a:r>
           </a:p>
           <a:p>
@@ -13584,7 +13680,7 @@
           <a:blip r:embed="rId3" cstate="print">
             <a:extLst>
               <a:ext uri="{28A0092B-C50C-407E-A947-70E740481C1C}">
-                <a14:useLocalDpi xmlns="" xmlns:a14="http://schemas.microsoft.com/office/drawing/2010/main" val="0"/>
+                <a14:useLocalDpi xmlns:a14="http://schemas.microsoft.com/office/drawing/2010/main" xmlns="" val="0"/>
               </a:ext>
             </a:extLst>
           </a:blip>
@@ -13594,7 +13690,7 @@
         </p:blipFill>
         <p:spPr>
           <a:xfrm>
-            <a:off x="6357937" y="133350"/>
+            <a:off x="6357937" y="57150"/>
             <a:ext cx="2786063" cy="2728913"/>
           </a:xfrm>
           <a:prstGeom prst="rect">
@@ -13605,7 +13701,7 @@
     </p:spTree>
     <p:extLst>
       <p:ext uri="{BB962C8B-B14F-4D97-AF65-F5344CB8AC3E}">
-        <p14:creationId xmlns="" xmlns:p14="http://schemas.microsoft.com/office/powerpoint/2010/main" val="2109476903"/>
+        <p14:creationId xmlns:p14="http://schemas.microsoft.com/office/powerpoint/2010/main" xmlns="" val="2109476903"/>
       </p:ext>
     </p:extLst>
   </p:cSld>
@@ -13932,7 +14028,7 @@
           <a:blip r:embed="rId3" cstate="print">
             <a:extLst>
               <a:ext uri="{28A0092B-C50C-407E-A947-70E740481C1C}">
-                <a14:useLocalDpi xmlns="" xmlns:a14="http://schemas.microsoft.com/office/drawing/2010/main" val="0"/>
+                <a14:useLocalDpi xmlns:a14="http://schemas.microsoft.com/office/drawing/2010/main" xmlns="" val="0"/>
               </a:ext>
             </a:extLst>
           </a:blip>
@@ -14020,7 +14116,7 @@
     </p:spTree>
     <p:extLst>
       <p:ext uri="{BB962C8B-B14F-4D97-AF65-F5344CB8AC3E}">
-        <p14:creationId xmlns="" xmlns:p14="http://schemas.microsoft.com/office/powerpoint/2010/main" val="169160865"/>
+        <p14:creationId xmlns:p14="http://schemas.microsoft.com/office/powerpoint/2010/main" xmlns="" val="169160865"/>
       </p:ext>
     </p:extLst>
   </p:cSld>
@@ -14150,7 +14246,7 @@
           <a:blip r:embed="rId3" cstate="print">
             <a:extLst>
               <a:ext uri="{28A0092B-C50C-407E-A947-70E740481C1C}">
-                <a14:useLocalDpi xmlns="" xmlns:a14="http://schemas.microsoft.com/office/drawing/2010/main" val="0"/>
+                <a14:useLocalDpi xmlns:a14="http://schemas.microsoft.com/office/drawing/2010/main" xmlns="" val="0"/>
               </a:ext>
             </a:extLst>
           </a:blip>
@@ -14174,14 +14270,14 @@
           <a:effectLst/>
           <a:extLst>
             <a:ext uri="{909E8E84-426E-40DD-AFC4-6F175D3DCCD1}">
-              <a14:hiddenFill xmlns="" xmlns:a14="http://schemas.microsoft.com/office/drawing/2010/main">
+              <a14:hiddenFill xmlns:a14="http://schemas.microsoft.com/office/drawing/2010/main" xmlns="">
                 <a:solidFill>
                   <a:schemeClr val="accent1"/>
                 </a:solidFill>
               </a14:hiddenFill>
             </a:ext>
             <a:ext uri="{91240B29-F687-4F45-9708-019B960494DF}">
-              <a14:hiddenLine xmlns="" xmlns:a14="http://schemas.microsoft.com/office/drawing/2010/main" w="9525">
+              <a14:hiddenLine xmlns:a14="http://schemas.microsoft.com/office/drawing/2010/main" xmlns="" w="9525">
                 <a:solidFill>
                   <a:schemeClr val="tx1"/>
                 </a:solidFill>
@@ -14191,7 +14287,7 @@
               </a14:hiddenLine>
             </a:ext>
             <a:ext uri="{AF507438-7753-43E0-B8FC-AC1667EBCBE1}">
-              <a14:hiddenEffects xmlns="" xmlns:a14="http://schemas.microsoft.com/office/drawing/2010/main">
+              <a14:hiddenEffects xmlns:a14="http://schemas.microsoft.com/office/drawing/2010/main" xmlns="">
                 <a:effectLst>
                   <a:outerShdw dist="35921" dir="2700000" algn="ctr" rotWithShape="0">
                     <a:schemeClr val="bg2"/>
@@ -14205,7 +14301,7 @@
     </p:spTree>
     <p:extLst>
       <p:ext uri="{BB962C8B-B14F-4D97-AF65-F5344CB8AC3E}">
-        <p14:creationId xmlns="" xmlns:p14="http://schemas.microsoft.com/office/powerpoint/2010/main" val="1463292228"/>
+        <p14:creationId xmlns:p14="http://schemas.microsoft.com/office/powerpoint/2010/main" xmlns="" val="1463292228"/>
       </p:ext>
     </p:extLst>
   </p:cSld>
@@ -14478,7 +14574,7 @@
     </p:spTree>
     <p:extLst>
       <p:ext uri="{BB962C8B-B14F-4D97-AF65-F5344CB8AC3E}">
-        <p14:creationId xmlns="" xmlns:p14="http://schemas.microsoft.com/office/powerpoint/2010/main" val="1530659656"/>
+        <p14:creationId xmlns:p14="http://schemas.microsoft.com/office/powerpoint/2010/main" xmlns="" val="1530659656"/>
       </p:ext>
     </p:extLst>
   </p:cSld>
@@ -14636,7 +14732,7 @@
     </p:spTree>
     <p:extLst>
       <p:ext uri="{BB962C8B-B14F-4D97-AF65-F5344CB8AC3E}">
-        <p14:creationId xmlns="" xmlns:p14="http://schemas.microsoft.com/office/powerpoint/2010/main" val="3624246759"/>
+        <p14:creationId xmlns:p14="http://schemas.microsoft.com/office/powerpoint/2010/main" xmlns="" val="3624246759"/>
       </p:ext>
     </p:extLst>
   </p:cSld>
@@ -14814,7 +14910,7 @@
     </p:spTree>
     <p:extLst>
       <p:ext uri="{BB962C8B-B14F-4D97-AF65-F5344CB8AC3E}">
-        <p14:creationId xmlns="" xmlns:p14="http://schemas.microsoft.com/office/powerpoint/2010/main" val="128529910"/>
+        <p14:creationId xmlns:p14="http://schemas.microsoft.com/office/powerpoint/2010/main" xmlns="" val="128529910"/>
       </p:ext>
     </p:extLst>
   </p:cSld>
@@ -15204,7 +15300,7 @@
           <a:blip r:embed="rId3" cstate="print">
             <a:extLst>
               <a:ext uri="{28A0092B-C50C-407E-A947-70E740481C1C}">
-                <a14:useLocalDpi xmlns="" xmlns:a14="http://schemas.microsoft.com/office/drawing/2010/main" val="0"/>
+                <a14:useLocalDpi xmlns:a14="http://schemas.microsoft.com/office/drawing/2010/main" xmlns="" val="0"/>
               </a:ext>
             </a:extLst>
           </a:blip>
@@ -15228,14 +15324,14 @@
           <a:effectLst/>
           <a:extLst>
             <a:ext uri="{909E8E84-426E-40DD-AFC4-6F175D3DCCD1}">
-              <a14:hiddenFill xmlns="" xmlns:a14="http://schemas.microsoft.com/office/drawing/2010/main">
+              <a14:hiddenFill xmlns:a14="http://schemas.microsoft.com/office/drawing/2010/main" xmlns="">
                 <a:solidFill>
                   <a:schemeClr val="accent1"/>
                 </a:solidFill>
               </a14:hiddenFill>
             </a:ext>
             <a:ext uri="{91240B29-F687-4F45-9708-019B960494DF}">
-              <a14:hiddenLine xmlns="" xmlns:a14="http://schemas.microsoft.com/office/drawing/2010/main" w="9525">
+              <a14:hiddenLine xmlns:a14="http://schemas.microsoft.com/office/drawing/2010/main" xmlns="" w="9525">
                 <a:solidFill>
                   <a:schemeClr val="tx1"/>
                 </a:solidFill>
@@ -15245,7 +15341,7 @@
               </a14:hiddenLine>
             </a:ext>
             <a:ext uri="{AF507438-7753-43E0-B8FC-AC1667EBCBE1}">
-              <a14:hiddenEffects xmlns="" xmlns:a14="http://schemas.microsoft.com/office/drawing/2010/main">
+              <a14:hiddenEffects xmlns:a14="http://schemas.microsoft.com/office/drawing/2010/main" xmlns="">
                 <a:effectLst>
                   <a:outerShdw dist="35921" dir="2700000" algn="ctr" rotWithShape="0">
                     <a:schemeClr val="bg2"/>
@@ -15259,7 +15355,7 @@
     </p:spTree>
     <p:extLst>
       <p:ext uri="{BB962C8B-B14F-4D97-AF65-F5344CB8AC3E}">
-        <p14:creationId xmlns="" xmlns:p14="http://schemas.microsoft.com/office/powerpoint/2010/main" val="1749797692"/>
+        <p14:creationId xmlns:p14="http://schemas.microsoft.com/office/powerpoint/2010/main" xmlns="" val="1749797692"/>
       </p:ext>
     </p:extLst>
   </p:cSld>
@@ -15372,7 +15468,17 @@
                 <a:latin typeface="Arial" panose="020B0604020202020204" pitchFamily="34" charset="0"/>
                 <a:cs typeface="Arial" panose="020B0604020202020204" pitchFamily="34" charset="0"/>
               </a:rPr>
-              <a:t>177+ million</a:t>
+              <a:t>178+ </a:t>
+            </a:r>
+            <a:r>
+              <a:rPr lang="en-US" sz="2800" b="1" dirty="0" smtClean="0">
+                <a:solidFill>
+                  <a:srgbClr val="B41D70"/>
+                </a:solidFill>
+                <a:latin typeface="Arial" panose="020B0604020202020204" pitchFamily="34" charset="0"/>
+                <a:cs typeface="Arial" panose="020B0604020202020204" pitchFamily="34" charset="0"/>
+              </a:rPr>
+              <a:t>million</a:t>
             </a:r>
             <a:r>
               <a:rPr lang="en-US" sz="2800" b="1" dirty="0" smtClean="0"/>
@@ -15402,7 +15508,7 @@
     </p:spTree>
     <p:extLst>
       <p:ext uri="{BB962C8B-B14F-4D97-AF65-F5344CB8AC3E}">
-        <p14:creationId xmlns="" xmlns:p14="http://schemas.microsoft.com/office/powerpoint/2010/main" val="3082562895"/>
+        <p14:creationId xmlns:p14="http://schemas.microsoft.com/office/powerpoint/2010/main" xmlns="" val="3082562895"/>
       </p:ext>
     </p:extLst>
   </p:cSld>
@@ -15551,7 +15657,7 @@
     </p:spTree>
     <p:extLst>
       <p:ext uri="{BB962C8B-B14F-4D97-AF65-F5344CB8AC3E}">
-        <p14:creationId xmlns="" xmlns:p14="http://schemas.microsoft.com/office/powerpoint/2010/main" val="3972295608"/>
+        <p14:creationId xmlns:p14="http://schemas.microsoft.com/office/powerpoint/2010/main" xmlns="" val="3972295608"/>
       </p:ext>
     </p:extLst>
   </p:cSld>
@@ -15682,7 +15788,7 @@
     </p:spTree>
     <p:extLst>
       <p:ext uri="{BB962C8B-B14F-4D97-AF65-F5344CB8AC3E}">
-        <p14:creationId xmlns="" xmlns:p14="http://schemas.microsoft.com/office/powerpoint/2010/main" val="819861494"/>
+        <p14:creationId xmlns:p14="http://schemas.microsoft.com/office/powerpoint/2010/main" xmlns="" val="819861494"/>
       </p:ext>
     </p:extLst>
   </p:cSld>
@@ -15814,7 +15920,7 @@
           <a:blip r:embed="rId3" cstate="print">
             <a:extLst>
               <a:ext uri="{28A0092B-C50C-407E-A947-70E740481C1C}">
-                <a14:useLocalDpi xmlns="" xmlns:a14="http://schemas.microsoft.com/office/drawing/2010/main" val="0"/>
+                <a14:useLocalDpi xmlns:a14="http://schemas.microsoft.com/office/drawing/2010/main" xmlns="" val="0"/>
               </a:ext>
             </a:extLst>
           </a:blip>
@@ -15838,14 +15944,14 @@
           <a:effectLst/>
           <a:extLst>
             <a:ext uri="{909E8E84-426E-40DD-AFC4-6F175D3DCCD1}">
-              <a14:hiddenFill xmlns="" xmlns:a14="http://schemas.microsoft.com/office/drawing/2010/main">
+              <a14:hiddenFill xmlns:a14="http://schemas.microsoft.com/office/drawing/2010/main" xmlns="">
                 <a:solidFill>
                   <a:schemeClr val="accent1"/>
                 </a:solidFill>
               </a14:hiddenFill>
             </a:ext>
             <a:ext uri="{91240B29-F687-4F45-9708-019B960494DF}">
-              <a14:hiddenLine xmlns="" xmlns:a14="http://schemas.microsoft.com/office/drawing/2010/main" w="9525">
+              <a14:hiddenLine xmlns:a14="http://schemas.microsoft.com/office/drawing/2010/main" xmlns="" w="9525">
                 <a:solidFill>
                   <a:schemeClr val="tx1"/>
                 </a:solidFill>
@@ -15855,7 +15961,7 @@
               </a14:hiddenLine>
             </a:ext>
             <a:ext uri="{AF507438-7753-43E0-B8FC-AC1667EBCBE1}">
-              <a14:hiddenEffects xmlns="" xmlns:a14="http://schemas.microsoft.com/office/drawing/2010/main">
+              <a14:hiddenEffects xmlns:a14="http://schemas.microsoft.com/office/drawing/2010/main" xmlns="">
                 <a:effectLst>
                   <a:outerShdw dist="35921" dir="2700000" algn="ctr" rotWithShape="0">
                     <a:schemeClr val="bg2"/>
@@ -15869,7 +15975,7 @@
     </p:spTree>
     <p:extLst>
       <p:ext uri="{BB962C8B-B14F-4D97-AF65-F5344CB8AC3E}">
-        <p14:creationId xmlns="" xmlns:p14="http://schemas.microsoft.com/office/powerpoint/2010/main" val="343431817"/>
+        <p14:creationId xmlns:p14="http://schemas.microsoft.com/office/powerpoint/2010/main" xmlns="" val="343431817"/>
       </p:ext>
     </p:extLst>
   </p:cSld>
@@ -16022,11 +16128,7 @@
           <a:p>
             <a:r>
               <a:rPr lang="en-US" sz="2800" dirty="0" smtClean="0"/>
-              <a:t>https://</a:t>
-            </a:r>
-            <a:r>
-              <a:rPr lang="en-US" sz="2800" dirty="0" smtClean="0"/>
-              <a:t>biodiversitylibrary.org/data</a:t>
+              <a:t>https://biodiversitylibrary.org/data</a:t>
             </a:r>
           </a:p>
           <a:p>
@@ -16048,7 +16150,7 @@
     </p:spTree>
     <p:extLst>
       <p:ext uri="{BB962C8B-B14F-4D97-AF65-F5344CB8AC3E}">
-        <p14:creationId xmlns="" xmlns:p14="http://schemas.microsoft.com/office/powerpoint/2010/main" val="4195191575"/>
+        <p14:creationId xmlns:p14="http://schemas.microsoft.com/office/powerpoint/2010/main" xmlns="" val="4195191575"/>
       </p:ext>
     </p:extLst>
   </p:cSld>
